--- a/2DGP 2차 발표.pptx
+++ b/2DGP 2차 발표.pptx
@@ -7,12 +7,10 @@
   <p:sldIdLst>
     <p:sldId id="256" r:id="rId5"/>
     <p:sldId id="258" r:id="rId6"/>
-    <p:sldId id="262" r:id="rId7"/>
-    <p:sldId id="273" r:id="rId8"/>
+    <p:sldId id="275" r:id="rId7"/>
+    <p:sldId id="276" r:id="rId8"/>
     <p:sldId id="263" r:id="rId9"/>
     <p:sldId id="274" r:id="rId10"/>
-    <p:sldId id="260" r:id="rId11"/>
-    <p:sldId id="266" r:id="rId12"/>
   </p:sldIdLst>
   <p:sldSz cx="12192000" cy="6858000"/>
   <p:notesSz cx="6858000" cy="9144000"/>
@@ -4239,159 +4237,6 @@
               <a:ea typeface="스스로넷 설립체" panose="00000500000000000000" pitchFamily="2" charset="-127"/>
             </a:endParaRPr>
           </a:p>
-          <a:p>
-            <a:pPr algn="ctr">
-              <a:lnSpc>
-                <a:spcPct val="150000"/>
-              </a:lnSpc>
-            </a:pPr>
-            <a:r>
-              <a:rPr lang="ko-KR" altLang="en-US" sz="2000">
-                <a:ln w="12700">
-                  <a:noFill/>
-                </a:ln>
-                <a:latin typeface="스스로넷 설립체" panose="00000500000000000000" pitchFamily="2" charset="-127"/>
-                <a:ea typeface="스스로넷 설립체" panose="00000500000000000000" pitchFamily="2" charset="-127"/>
-              </a:rPr>
-              <a:t>이름</a:t>
-            </a:r>
-            <a:r>
-              <a:rPr lang="en-US" altLang="ko-KR" sz="2000">
-                <a:ln w="12700">
-                  <a:noFill/>
-                </a:ln>
-                <a:latin typeface="스스로넷 설립체" panose="00000500000000000000" pitchFamily="2" charset="-127"/>
-                <a:ea typeface="스스로넷 설립체" panose="00000500000000000000" pitchFamily="2" charset="-127"/>
-              </a:rPr>
-              <a:t>: Pixel Jones</a:t>
-            </a:r>
-          </a:p>
-          <a:p>
-            <a:pPr algn="ctr">
-              <a:lnSpc>
-                <a:spcPct val="150000"/>
-              </a:lnSpc>
-            </a:pPr>
-            <a:r>
-              <a:rPr lang="ko-KR" altLang="en-US" sz="2000">
-                <a:ln w="12700">
-                  <a:noFill/>
-                </a:ln>
-                <a:latin typeface="스스로넷 설립체" panose="00000500000000000000" pitchFamily="2" charset="-127"/>
-                <a:ea typeface="스스로넷 설립체" panose="00000500000000000000" pitchFamily="2" charset="-127"/>
-              </a:rPr>
-              <a:t>장르</a:t>
-            </a:r>
-            <a:r>
-              <a:rPr lang="en-US" altLang="ko-KR" sz="2000">
-                <a:ln w="12700">
-                  <a:noFill/>
-                </a:ln>
-                <a:latin typeface="스스로넷 설립체" panose="00000500000000000000" pitchFamily="2" charset="-127"/>
-                <a:ea typeface="스스로넷 설립체" panose="00000500000000000000" pitchFamily="2" charset="-127"/>
-              </a:rPr>
-              <a:t>: 2D </a:t>
-            </a:r>
-            <a:r>
-              <a:rPr lang="ko-KR" altLang="en-US" sz="2000">
-                <a:ln w="12700">
-                  <a:noFill/>
-                </a:ln>
-                <a:latin typeface="스스로넷 설립체" panose="00000500000000000000" pitchFamily="2" charset="-127"/>
-                <a:ea typeface="스스로넷 설립체" panose="00000500000000000000" pitchFamily="2" charset="-127"/>
-              </a:rPr>
-              <a:t>러닝 </a:t>
-            </a:r>
-            <a:r>
-              <a:rPr lang="en-US" altLang="ko-KR" sz="2000">
-                <a:ln w="12700">
-                  <a:noFill/>
-                </a:ln>
-                <a:latin typeface="스스로넷 설립체" panose="00000500000000000000" pitchFamily="2" charset="-127"/>
-                <a:ea typeface="스스로넷 설립체" panose="00000500000000000000" pitchFamily="2" charset="-127"/>
-              </a:rPr>
-              <a:t>&amp; </a:t>
-            </a:r>
-            <a:r>
-              <a:rPr lang="ko-KR" altLang="en-US" sz="2000">
-                <a:ln w="12700">
-                  <a:noFill/>
-                </a:ln>
-                <a:latin typeface="스스로넷 설립체" panose="00000500000000000000" pitchFamily="2" charset="-127"/>
-                <a:ea typeface="스스로넷 설립체" panose="00000500000000000000" pitchFamily="2" charset="-127"/>
-              </a:rPr>
-              <a:t>액션</a:t>
-            </a:r>
-            <a:endParaRPr lang="en-US" altLang="ko-KR" sz="2000">
-              <a:ln w="12700">
-                <a:noFill/>
-              </a:ln>
-              <a:latin typeface="스스로넷 설립체" panose="00000500000000000000" pitchFamily="2" charset="-127"/>
-              <a:ea typeface="스스로넷 설립체" panose="00000500000000000000" pitchFamily="2" charset="-127"/>
-            </a:endParaRPr>
-          </a:p>
-          <a:p>
-            <a:pPr algn="ctr">
-              <a:lnSpc>
-                <a:spcPct val="150000"/>
-              </a:lnSpc>
-            </a:pPr>
-            <a:endParaRPr lang="en-US" altLang="ko-KR" sz="2000">
-              <a:ln w="12700">
-                <a:noFill/>
-              </a:ln>
-              <a:latin typeface="스스로넷 설립체" panose="00000500000000000000" pitchFamily="2" charset="-127"/>
-              <a:ea typeface="스스로넷 설립체" panose="00000500000000000000" pitchFamily="2" charset="-127"/>
-            </a:endParaRPr>
-          </a:p>
-          <a:p>
-            <a:pPr algn="ctr">
-              <a:lnSpc>
-                <a:spcPct val="150000"/>
-              </a:lnSpc>
-            </a:pPr>
-            <a:r>
-              <a:rPr lang="ko-KR" altLang="en-US" sz="2000">
-                <a:ln w="12700">
-                  <a:noFill/>
-                </a:ln>
-                <a:latin typeface="스스로넷 설립체" panose="00000500000000000000" pitchFamily="2" charset="-127"/>
-                <a:ea typeface="스스로넷 설립체" panose="00000500000000000000" pitchFamily="2" charset="-127"/>
-              </a:rPr>
-              <a:t>맵 곳곳에 설치된 구조물을 피하며 </a:t>
-            </a:r>
-            <a:endParaRPr lang="en-US" altLang="ko-KR" sz="2000">
-              <a:ln w="12700">
-                <a:noFill/>
-              </a:ln>
-              <a:latin typeface="스스로넷 설립체" panose="00000500000000000000" pitchFamily="2" charset="-127"/>
-              <a:ea typeface="스스로넷 설립체" panose="00000500000000000000" pitchFamily="2" charset="-127"/>
-            </a:endParaRPr>
-          </a:p>
-          <a:p>
-            <a:pPr algn="ctr">
-              <a:lnSpc>
-                <a:spcPct val="150000"/>
-              </a:lnSpc>
-            </a:pPr>
-            <a:r>
-              <a:rPr lang="ko-KR" altLang="en-US" sz="2000">
-                <a:ln w="12700">
-                  <a:noFill/>
-                </a:ln>
-                <a:latin typeface="스스로넷 설립체" panose="00000500000000000000" pitchFamily="2" charset="-127"/>
-                <a:ea typeface="스스로넷 설립체" panose="00000500000000000000" pitchFamily="2" charset="-127"/>
-              </a:rPr>
-              <a:t>최종 보스를 물리치고 보물을 획득하는 게임</a:t>
-            </a:r>
-            <a:endParaRPr lang="en-US" altLang="ko-KR" sz="2000">
-              <a:ln w="12700">
-                <a:noFill/>
-              </a:ln>
-              <a:latin typeface="스스로넷 설립체" panose="00000500000000000000" pitchFamily="2" charset="-127"/>
-              <a:ea typeface="스스로넷 설립체" panose="00000500000000000000" pitchFamily="2" charset="-127"/>
-            </a:endParaRPr>
-          </a:p>
         </p:txBody>
       </p:sp>
       <p:pic>
@@ -4574,10 +4419,2532 @@
           </a:prstGeom>
         </p:spPr>
       </p:pic>
+      <p:graphicFrame>
+        <p:nvGraphicFramePr>
+          <p:cNvPr id="4" name="표 3">
+            <a:extLst>
+              <a:ext uri="{FF2B5EF4-FFF2-40B4-BE49-F238E27FC236}">
+                <a16:creationId xmlns:a16="http://schemas.microsoft.com/office/drawing/2014/main" id="{90B6D4F8-C909-4015-3942-26D6A7B5783B}"/>
+              </a:ext>
+            </a:extLst>
+          </p:cNvPr>
+          <p:cNvGraphicFramePr>
+            <a:graphicFrameLocks noGrp="1"/>
+          </p:cNvGraphicFramePr>
+          <p:nvPr>
+            <p:extLst>
+              <p:ext uri="{D42A27DB-BD31-4B8C-83A1-F6EECF244321}">
+                <p14:modId xmlns:p14="http://schemas.microsoft.com/office/powerpoint/2010/main" val="2734717001"/>
+              </p:ext>
+            </p:extLst>
+          </p:nvPr>
+        </p:nvGraphicFramePr>
+        <p:xfrm>
+          <a:off x="2201341" y="1755846"/>
+          <a:ext cx="7628909" cy="4161686"/>
+        </p:xfrm>
+        <a:graphic>
+          <a:graphicData uri="http://schemas.openxmlformats.org/drawingml/2006/table">
+            <a:tbl>
+              <a:tblPr firstRow="1" bandRow="1">
+                <a:tableStyleId>{5C22544A-7EE6-4342-B048-85BDC9FD1C3A}</a:tableStyleId>
+              </a:tblPr>
+              <a:tblGrid>
+                <a:gridCol w="719069">
+                  <a:extLst>
+                    <a:ext uri="{9D8B030D-6E8A-4147-A177-3AD203B41FA5}">
+                      <a16:colId xmlns:a16="http://schemas.microsoft.com/office/drawing/2014/main" val="3453044630"/>
+                    </a:ext>
+                  </a:extLst>
+                </a:gridCol>
+                <a:gridCol w="364415">
+                  <a:extLst>
+                    <a:ext uri="{9D8B030D-6E8A-4147-A177-3AD203B41FA5}">
+                      <a16:colId xmlns:a16="http://schemas.microsoft.com/office/drawing/2014/main" val="193910769"/>
+                    </a:ext>
+                  </a:extLst>
+                </a:gridCol>
+                <a:gridCol w="5409262">
+                  <a:extLst>
+                    <a:ext uri="{9D8B030D-6E8A-4147-A177-3AD203B41FA5}">
+                      <a16:colId xmlns:a16="http://schemas.microsoft.com/office/drawing/2014/main" val="402735792"/>
+                    </a:ext>
+                  </a:extLst>
+                </a:gridCol>
+                <a:gridCol w="1136163">
+                  <a:extLst>
+                    <a:ext uri="{9D8B030D-6E8A-4147-A177-3AD203B41FA5}">
+                      <a16:colId xmlns:a16="http://schemas.microsoft.com/office/drawing/2014/main" val="3314299970"/>
+                    </a:ext>
+                  </a:extLst>
+                </a:gridCol>
+              </a:tblGrid>
+              <a:tr h="374138">
+                <a:tc>
+                  <a:txBody>
+                    <a:bodyPr/>
+                    <a:lstStyle/>
+                    <a:p>
+                      <a:pPr algn="ctr" latinLnBrk="1"/>
+                      <a:r>
+                        <a:rPr lang="ko-KR" altLang="en-US" sz="1500" spc="600">
+                          <a:solidFill>
+                            <a:schemeClr val="tx1"/>
+                          </a:solidFill>
+                          <a:latin typeface="스스로넷 설립체" panose="00000500000000000000" pitchFamily="2" charset="-127"/>
+                          <a:ea typeface="스스로넷 설립체" panose="00000500000000000000" pitchFamily="2" charset="-127"/>
+                        </a:rPr>
+                        <a:t>주차</a:t>
+                      </a:r>
+                    </a:p>
+                  </a:txBody>
+                  <a:tcPr marL="57878" marR="57878" marT="28938" marB="28938" anchor="ctr">
+                    <a:lnL w="12700" cap="flat" cmpd="sng" algn="ctr">
+                      <a:solidFill>
+                        <a:schemeClr val="tx1"/>
+                      </a:solidFill>
+                      <a:prstDash val="solid"/>
+                      <a:round/>
+                      <a:headEnd type="none" w="med" len="med"/>
+                      <a:tailEnd type="none" w="med" len="med"/>
+                    </a:lnL>
+                    <a:lnR w="12700" cap="flat" cmpd="sng" algn="ctr">
+                      <a:solidFill>
+                        <a:schemeClr val="tx1"/>
+                      </a:solidFill>
+                      <a:prstDash val="solid"/>
+                      <a:round/>
+                      <a:headEnd type="none" w="med" len="med"/>
+                      <a:tailEnd type="none" w="med" len="med"/>
+                    </a:lnR>
+                    <a:lnT w="12700" cap="flat" cmpd="sng" algn="ctr">
+                      <a:solidFill>
+                        <a:schemeClr val="tx1"/>
+                      </a:solidFill>
+                      <a:prstDash val="solid"/>
+                      <a:round/>
+                      <a:headEnd type="none" w="med" len="med"/>
+                      <a:tailEnd type="none" w="med" len="med"/>
+                    </a:lnT>
+                    <a:lnB w="12700" cap="flat" cmpd="sng" algn="ctr">
+                      <a:solidFill>
+                        <a:schemeClr val="tx1"/>
+                      </a:solidFill>
+                      <a:prstDash val="solid"/>
+                      <a:round/>
+                      <a:headEnd type="none" w="med" len="med"/>
+                      <a:tailEnd type="none" w="med" len="med"/>
+                    </a:lnB>
+                    <a:lnTlToBr w="12700" cmpd="sng">
+                      <a:noFill/>
+                      <a:prstDash val="solid"/>
+                    </a:lnTlToBr>
+                    <a:lnBlToTr w="12700" cmpd="sng">
+                      <a:noFill/>
+                      <a:prstDash val="solid"/>
+                    </a:lnBlToTr>
+                    <a:solidFill>
+                      <a:srgbClr val="9966FF">
+                        <a:alpha val="71765"/>
+                      </a:srgbClr>
+                    </a:solidFill>
+                  </a:tcPr>
+                </a:tc>
+                <a:tc gridSpan="2">
+                  <a:txBody>
+                    <a:bodyPr/>
+                    <a:lstStyle/>
+                    <a:p>
+                      <a:pPr algn="ctr" latinLnBrk="1"/>
+                      <a:r>
+                        <a:rPr lang="ko-KR" altLang="en-US" sz="1500" spc="600">
+                          <a:solidFill>
+                            <a:schemeClr val="tx1"/>
+                          </a:solidFill>
+                          <a:latin typeface="스스로넷 설립체" panose="00000500000000000000" pitchFamily="2" charset="-127"/>
+                          <a:ea typeface="스스로넷 설립체" panose="00000500000000000000" pitchFamily="2" charset="-127"/>
+                        </a:rPr>
+                        <a:t>일정</a:t>
+                      </a:r>
+                    </a:p>
+                  </a:txBody>
+                  <a:tcPr marL="67157" marR="67157" marT="33578" marB="33578" anchor="ctr">
+                    <a:lnL w="12700" cap="flat" cmpd="sng" algn="ctr">
+                      <a:solidFill>
+                        <a:schemeClr val="tx1"/>
+                      </a:solidFill>
+                      <a:prstDash val="solid"/>
+                      <a:round/>
+                      <a:headEnd type="none" w="med" len="med"/>
+                      <a:tailEnd type="none" w="med" len="med"/>
+                    </a:lnL>
+                    <a:lnR w="12700" cap="flat" cmpd="sng" algn="ctr">
+                      <a:solidFill>
+                        <a:schemeClr val="tx1"/>
+                      </a:solidFill>
+                      <a:prstDash val="solid"/>
+                      <a:round/>
+                      <a:headEnd type="none" w="med" len="med"/>
+                      <a:tailEnd type="none" w="med" len="med"/>
+                    </a:lnR>
+                    <a:lnT w="12700" cap="flat" cmpd="sng" algn="ctr">
+                      <a:solidFill>
+                        <a:schemeClr val="tx1"/>
+                      </a:solidFill>
+                      <a:prstDash val="solid"/>
+                      <a:round/>
+                      <a:headEnd type="none" w="med" len="med"/>
+                      <a:tailEnd type="none" w="med" len="med"/>
+                    </a:lnT>
+                    <a:lnB w="12700" cap="flat" cmpd="sng" algn="ctr">
+                      <a:solidFill>
+                        <a:schemeClr val="tx1"/>
+                      </a:solidFill>
+                      <a:prstDash val="solid"/>
+                      <a:round/>
+                      <a:headEnd type="none" w="med" len="med"/>
+                      <a:tailEnd type="none" w="med" len="med"/>
+                    </a:lnB>
+                    <a:lnTlToBr w="12700" cmpd="sng">
+                      <a:noFill/>
+                      <a:prstDash val="solid"/>
+                    </a:lnTlToBr>
+                    <a:lnBlToTr w="12700" cmpd="sng">
+                      <a:noFill/>
+                      <a:prstDash val="solid"/>
+                    </a:lnBlToTr>
+                    <a:solidFill>
+                      <a:srgbClr val="9966FF">
+                        <a:alpha val="71765"/>
+                      </a:srgbClr>
+                    </a:solidFill>
+                  </a:tcPr>
+                </a:tc>
+                <a:tc hMerge="1">
+                  <a:txBody>
+                    <a:bodyPr/>
+                    <a:lstStyle/>
+                    <a:p>
+                      <a:pPr algn="ctr" latinLnBrk="1"/>
+                      <a:r>
+                        <a:rPr lang="ko-KR" altLang="en-US" sz="1900" spc="600">
+                          <a:solidFill>
+                            <a:schemeClr val="tx1"/>
+                          </a:solidFill>
+                          <a:latin typeface="스스로넷 설립체" panose="00000500000000000000" pitchFamily="2" charset="-127"/>
+                          <a:ea typeface="스스로넷 설립체" panose="00000500000000000000" pitchFamily="2" charset="-127"/>
+                        </a:rPr>
+                        <a:t>일정</a:t>
+                      </a:r>
+                    </a:p>
+                  </a:txBody>
+                  <a:tcPr marL="70574" marR="70574" marT="35287" marB="35287" anchor="ctr">
+                    <a:lnL w="12700" cap="flat" cmpd="sng" algn="ctr">
+                      <a:solidFill>
+                        <a:schemeClr val="tx1"/>
+                      </a:solidFill>
+                      <a:prstDash val="solid"/>
+                      <a:round/>
+                      <a:headEnd type="none" w="med" len="med"/>
+                      <a:tailEnd type="none" w="med" len="med"/>
+                    </a:lnL>
+                    <a:solidFill>
+                      <a:srgbClr val="9966FF">
+                        <a:alpha val="71765"/>
+                      </a:srgbClr>
+                    </a:solidFill>
+                  </a:tcPr>
+                </a:tc>
+                <a:tc>
+                  <a:txBody>
+                    <a:bodyPr/>
+                    <a:lstStyle/>
+                    <a:p>
+                      <a:pPr algn="ctr" latinLnBrk="1"/>
+                      <a:r>
+                        <a:rPr lang="ko-KR" altLang="en-US" sz="1500" spc="0">
+                          <a:solidFill>
+                            <a:schemeClr val="tx1"/>
+                          </a:solidFill>
+                          <a:latin typeface="스스로넷 설립체" panose="00000500000000000000" pitchFamily="2" charset="-127"/>
+                          <a:ea typeface="스스로넷 설립체" panose="00000500000000000000" pitchFamily="2" charset="-127"/>
+                        </a:rPr>
+                        <a:t>진행률</a:t>
+                      </a:r>
+                    </a:p>
+                  </a:txBody>
+                  <a:tcPr marL="57878" marR="57878" marT="28938" marB="28938" anchor="ctr">
+                    <a:lnL w="12700" cap="flat" cmpd="sng" algn="ctr">
+                      <a:solidFill>
+                        <a:schemeClr val="tx1"/>
+                      </a:solidFill>
+                      <a:prstDash val="solid"/>
+                      <a:round/>
+                      <a:headEnd type="none" w="med" len="med"/>
+                      <a:tailEnd type="none" w="med" len="med"/>
+                    </a:lnL>
+                    <a:lnR w="12700" cap="flat" cmpd="sng" algn="ctr">
+                      <a:solidFill>
+                        <a:schemeClr val="tx1"/>
+                      </a:solidFill>
+                      <a:prstDash val="solid"/>
+                      <a:round/>
+                      <a:headEnd type="none" w="med" len="med"/>
+                      <a:tailEnd type="none" w="med" len="med"/>
+                    </a:lnR>
+                    <a:lnT w="12700" cap="flat" cmpd="sng" algn="ctr">
+                      <a:solidFill>
+                        <a:schemeClr val="tx1"/>
+                      </a:solidFill>
+                      <a:prstDash val="solid"/>
+                      <a:round/>
+                      <a:headEnd type="none" w="med" len="med"/>
+                      <a:tailEnd type="none" w="med" len="med"/>
+                    </a:lnT>
+                    <a:lnB w="12700" cap="flat" cmpd="sng" algn="ctr">
+                      <a:solidFill>
+                        <a:schemeClr val="tx1"/>
+                      </a:solidFill>
+                      <a:prstDash val="solid"/>
+                      <a:round/>
+                      <a:headEnd type="none" w="med" len="med"/>
+                      <a:tailEnd type="none" w="med" len="med"/>
+                    </a:lnB>
+                    <a:lnTlToBr w="12700" cmpd="sng">
+                      <a:noFill/>
+                      <a:prstDash val="solid"/>
+                    </a:lnTlToBr>
+                    <a:lnBlToTr w="12700" cmpd="sng">
+                      <a:noFill/>
+                      <a:prstDash val="solid"/>
+                    </a:lnBlToTr>
+                    <a:solidFill>
+                      <a:srgbClr val="9966FF">
+                        <a:alpha val="71765"/>
+                      </a:srgbClr>
+                    </a:solidFill>
+                  </a:tcPr>
+                </a:tc>
+                <a:extLst>
+                  <a:ext uri="{0D108BD9-81ED-4DB2-BD59-A6C34878D82A}">
+                    <a16:rowId xmlns:a16="http://schemas.microsoft.com/office/drawing/2014/main" val="528053541"/>
+                  </a:ext>
+                </a:extLst>
+              </a:tr>
+              <a:tr h="407830">
+                <a:tc rowSpan="2">
+                  <a:txBody>
+                    <a:bodyPr/>
+                    <a:lstStyle/>
+                    <a:p>
+                      <a:pPr algn="ctr" latinLnBrk="1"/>
+                      <a:r>
+                        <a:rPr lang="en-US" altLang="ko-KR" sz="1100">
+                          <a:solidFill>
+                            <a:schemeClr val="tx1"/>
+                          </a:solidFill>
+                          <a:latin typeface="스스로넷 설립체" panose="00000500000000000000" pitchFamily="2" charset="-127"/>
+                          <a:ea typeface="스스로넷 설립체" panose="00000500000000000000" pitchFamily="2" charset="-127"/>
+                        </a:rPr>
+                        <a:t>1</a:t>
+                      </a:r>
+                      <a:r>
+                        <a:rPr lang="ko-KR" altLang="en-US" sz="1100">
+                          <a:solidFill>
+                            <a:schemeClr val="tx1"/>
+                          </a:solidFill>
+                          <a:latin typeface="스스로넷 설립체" panose="00000500000000000000" pitchFamily="2" charset="-127"/>
+                          <a:ea typeface="스스로넷 설립체" panose="00000500000000000000" pitchFamily="2" charset="-127"/>
+                        </a:rPr>
+                        <a:t>주차</a:t>
+                      </a:r>
+                    </a:p>
+                  </a:txBody>
+                  <a:tcPr marL="87012" marR="87012" marT="43506" marB="43506" anchor="ctr">
+                    <a:lnL w="12700" cap="flat" cmpd="sng" algn="ctr">
+                      <a:solidFill>
+                        <a:schemeClr val="tx1"/>
+                      </a:solidFill>
+                      <a:prstDash val="solid"/>
+                      <a:round/>
+                      <a:headEnd type="none" w="med" len="med"/>
+                      <a:tailEnd type="none" w="med" len="med"/>
+                    </a:lnL>
+                    <a:lnR w="12700" cap="flat" cmpd="sng" algn="ctr">
+                      <a:solidFill>
+                        <a:schemeClr val="tx1"/>
+                      </a:solidFill>
+                      <a:prstDash val="solid"/>
+                      <a:round/>
+                      <a:headEnd type="none" w="med" len="med"/>
+                      <a:tailEnd type="none" w="med" len="med"/>
+                    </a:lnR>
+                    <a:lnT w="12700" cap="flat" cmpd="sng" algn="ctr">
+                      <a:solidFill>
+                        <a:schemeClr val="tx1"/>
+                      </a:solidFill>
+                      <a:prstDash val="solid"/>
+                      <a:round/>
+                      <a:headEnd type="none" w="med" len="med"/>
+                      <a:tailEnd type="none" w="med" len="med"/>
+                    </a:lnT>
+                    <a:lnB w="12700" cap="flat" cmpd="sng" algn="ctr">
+                      <a:solidFill>
+                        <a:schemeClr val="tx1"/>
+                      </a:solidFill>
+                      <a:prstDash val="solid"/>
+                      <a:round/>
+                      <a:headEnd type="none" w="med" len="med"/>
+                      <a:tailEnd type="none" w="med" len="med"/>
+                    </a:lnB>
+                    <a:lnTlToBr w="12700" cmpd="sng">
+                      <a:noFill/>
+                      <a:prstDash val="solid"/>
+                    </a:lnTlToBr>
+                    <a:lnBlToTr w="12700" cmpd="sng">
+                      <a:noFill/>
+                      <a:prstDash val="solid"/>
+                    </a:lnBlToTr>
+                    <a:solidFill>
+                      <a:schemeClr val="bg1">
+                        <a:alpha val="72000"/>
+                      </a:schemeClr>
+                    </a:solidFill>
+                  </a:tcPr>
+                </a:tc>
+                <a:tc>
+                  <a:txBody>
+                    <a:bodyPr/>
+                    <a:lstStyle/>
+                    <a:p>
+                      <a:pPr algn="ctr" latinLnBrk="1"/>
+                      <a:r>
+                        <a:rPr lang="ko-KR" altLang="en-US" sz="1100" b="1">
+                          <a:solidFill>
+                            <a:schemeClr val="tx1"/>
+                          </a:solidFill>
+                          <a:latin typeface="이사만루체 Light" panose="00000300000000000000" pitchFamily="2" charset="-127"/>
+                          <a:ea typeface="이사만루체 Light" panose="00000300000000000000" pitchFamily="2" charset="-127"/>
+                        </a:rPr>
+                        <a:t>계획</a:t>
+                      </a:r>
+                    </a:p>
+                  </a:txBody>
+                  <a:tcPr marL="57878" marR="57878" marT="28938" marB="28938" anchor="ctr">
+                    <a:lnL w="12700" cap="flat" cmpd="sng" algn="ctr">
+                      <a:solidFill>
+                        <a:schemeClr val="tx1"/>
+                      </a:solidFill>
+                      <a:prstDash val="solid"/>
+                      <a:round/>
+                      <a:headEnd type="none" w="med" len="med"/>
+                      <a:tailEnd type="none" w="med" len="med"/>
+                    </a:lnL>
+                    <a:lnR w="12700" cap="flat" cmpd="sng" algn="ctr">
+                      <a:solidFill>
+                        <a:schemeClr val="tx1"/>
+                      </a:solidFill>
+                      <a:prstDash val="solid"/>
+                      <a:round/>
+                      <a:headEnd type="none" w="med" len="med"/>
+                      <a:tailEnd type="none" w="med" len="med"/>
+                    </a:lnR>
+                    <a:lnT w="12700" cap="flat" cmpd="sng" algn="ctr">
+                      <a:solidFill>
+                        <a:schemeClr val="tx1"/>
+                      </a:solidFill>
+                      <a:prstDash val="solid"/>
+                      <a:round/>
+                      <a:headEnd type="none" w="med" len="med"/>
+                      <a:tailEnd type="none" w="med" len="med"/>
+                    </a:lnT>
+                    <a:lnB w="12700" cap="flat" cmpd="sng" algn="ctr">
+                      <a:solidFill>
+                        <a:schemeClr val="tx1"/>
+                      </a:solidFill>
+                      <a:prstDash val="solid"/>
+                      <a:round/>
+                      <a:headEnd type="none" w="med" len="med"/>
+                      <a:tailEnd type="none" w="med" len="med"/>
+                    </a:lnB>
+                    <a:lnTlToBr w="12700" cmpd="sng">
+                      <a:noFill/>
+                      <a:prstDash val="solid"/>
+                    </a:lnTlToBr>
+                    <a:lnBlToTr w="12700" cmpd="sng">
+                      <a:noFill/>
+                      <a:prstDash val="solid"/>
+                    </a:lnBlToTr>
+                    <a:solidFill>
+                      <a:schemeClr val="bg1">
+                        <a:alpha val="72000"/>
+                      </a:schemeClr>
+                    </a:solidFill>
+                  </a:tcPr>
+                </a:tc>
+                <a:tc>
+                  <a:txBody>
+                    <a:bodyPr/>
+                    <a:lstStyle/>
+                    <a:p>
+                      <a:pPr algn="ctr" latinLnBrk="1"/>
+                      <a:r>
+                        <a:rPr lang="ko-KR" altLang="en-US" sz="1100" b="1">
+                          <a:solidFill>
+                            <a:schemeClr val="tx1"/>
+                          </a:solidFill>
+                          <a:latin typeface="이사만루체 Light" panose="00000300000000000000" pitchFamily="2" charset="-127"/>
+                          <a:ea typeface="이사만루체 Light" panose="00000300000000000000" pitchFamily="2" charset="-127"/>
+                        </a:rPr>
+                        <a:t>부족한 리소스 수집 </a:t>
+                      </a:r>
+                      <a:r>
+                        <a:rPr lang="en-US" altLang="ko-KR" sz="1100" b="1">
+                          <a:solidFill>
+                            <a:schemeClr val="tx1"/>
+                          </a:solidFill>
+                          <a:latin typeface="이사만루체 Light" panose="00000300000000000000" pitchFamily="2" charset="-127"/>
+                          <a:ea typeface="이사만루체 Light" panose="00000300000000000000" pitchFamily="2" charset="-127"/>
+                        </a:rPr>
+                        <a:t>(sound </a:t>
+                      </a:r>
+                      <a:r>
+                        <a:rPr lang="ko-KR" altLang="en-US" sz="1100" b="1">
+                          <a:solidFill>
+                            <a:schemeClr val="tx1"/>
+                          </a:solidFill>
+                          <a:latin typeface="이사만루체 Light" panose="00000300000000000000" pitchFamily="2" charset="-127"/>
+                          <a:ea typeface="이사만루체 Light" panose="00000300000000000000" pitchFamily="2" charset="-127"/>
+                        </a:rPr>
+                        <a:t>등</a:t>
+                      </a:r>
+                      <a:r>
+                        <a:rPr lang="en-US" altLang="ko-KR" sz="1100" b="1">
+                          <a:solidFill>
+                            <a:schemeClr val="tx1"/>
+                          </a:solidFill>
+                          <a:latin typeface="이사만루체 Light" panose="00000300000000000000" pitchFamily="2" charset="-127"/>
+                          <a:ea typeface="이사만루체 Light" panose="00000300000000000000" pitchFamily="2" charset="-127"/>
+                        </a:rPr>
+                        <a:t>)</a:t>
+                      </a:r>
+                      <a:endParaRPr lang="ko-KR" altLang="en-US" sz="1100" b="1">
+                        <a:solidFill>
+                          <a:schemeClr val="tx1"/>
+                        </a:solidFill>
+                        <a:latin typeface="이사만루체 Light" panose="00000300000000000000" pitchFamily="2" charset="-127"/>
+                        <a:ea typeface="이사만루체 Light" panose="00000300000000000000" pitchFamily="2" charset="-127"/>
+                      </a:endParaRPr>
+                    </a:p>
+                  </a:txBody>
+                  <a:tcPr marL="57878" marR="57878" marT="28938" marB="28938" anchor="ctr">
+                    <a:lnL w="12700" cap="flat" cmpd="sng" algn="ctr">
+                      <a:solidFill>
+                        <a:schemeClr val="tx1"/>
+                      </a:solidFill>
+                      <a:prstDash val="solid"/>
+                      <a:round/>
+                      <a:headEnd type="none" w="med" len="med"/>
+                      <a:tailEnd type="none" w="med" len="med"/>
+                    </a:lnL>
+                    <a:lnR w="12700" cap="flat" cmpd="sng" algn="ctr">
+                      <a:solidFill>
+                        <a:schemeClr val="tx1"/>
+                      </a:solidFill>
+                      <a:prstDash val="solid"/>
+                      <a:round/>
+                      <a:headEnd type="none" w="med" len="med"/>
+                      <a:tailEnd type="none" w="med" len="med"/>
+                    </a:lnR>
+                    <a:lnT w="12700" cap="flat" cmpd="sng" algn="ctr">
+                      <a:solidFill>
+                        <a:schemeClr val="tx1"/>
+                      </a:solidFill>
+                      <a:prstDash val="solid"/>
+                      <a:round/>
+                      <a:headEnd type="none" w="med" len="med"/>
+                      <a:tailEnd type="none" w="med" len="med"/>
+                    </a:lnT>
+                    <a:lnB w="12700" cap="flat" cmpd="sng" algn="ctr">
+                      <a:solidFill>
+                        <a:schemeClr val="tx1"/>
+                      </a:solidFill>
+                      <a:prstDash val="solid"/>
+                      <a:round/>
+                      <a:headEnd type="none" w="med" len="med"/>
+                      <a:tailEnd type="none" w="med" len="med"/>
+                    </a:lnB>
+                    <a:lnTlToBr w="12700" cmpd="sng">
+                      <a:noFill/>
+                      <a:prstDash val="solid"/>
+                    </a:lnTlToBr>
+                    <a:lnBlToTr w="12700" cmpd="sng">
+                      <a:noFill/>
+                      <a:prstDash val="solid"/>
+                    </a:lnBlToTr>
+                    <a:solidFill>
+                      <a:schemeClr val="bg1">
+                        <a:alpha val="72000"/>
+                      </a:schemeClr>
+                    </a:solidFill>
+                  </a:tcPr>
+                </a:tc>
+                <a:tc rowSpan="2">
+                  <a:txBody>
+                    <a:bodyPr/>
+                    <a:lstStyle/>
+                    <a:p>
+                      <a:pPr algn="ctr" latinLnBrk="1"/>
+                      <a:r>
+                        <a:rPr lang="en-US" altLang="ko-KR" sz="1100" b="1">
+                          <a:solidFill>
+                            <a:schemeClr val="tx1"/>
+                          </a:solidFill>
+                          <a:latin typeface="이사만루체 Light" panose="00000300000000000000" pitchFamily="2" charset="-127"/>
+                          <a:ea typeface="이사만루체 Light" panose="00000300000000000000" pitchFamily="2" charset="-127"/>
+                        </a:rPr>
+                        <a:t>90%</a:t>
+                      </a:r>
+                      <a:endParaRPr lang="ko-KR" altLang="en-US" sz="1100" b="1">
+                        <a:solidFill>
+                          <a:schemeClr val="tx1"/>
+                        </a:solidFill>
+                        <a:latin typeface="이사만루체 Light" panose="00000300000000000000" pitchFamily="2" charset="-127"/>
+                        <a:ea typeface="이사만루체 Light" panose="00000300000000000000" pitchFamily="2" charset="-127"/>
+                      </a:endParaRPr>
+                    </a:p>
+                  </a:txBody>
+                  <a:tcPr marL="87012" marR="87012" marT="43506" marB="43506" anchor="ctr">
+                    <a:lnL w="12700" cap="flat" cmpd="sng" algn="ctr">
+                      <a:solidFill>
+                        <a:schemeClr val="tx1"/>
+                      </a:solidFill>
+                      <a:prstDash val="solid"/>
+                      <a:round/>
+                      <a:headEnd type="none" w="med" len="med"/>
+                      <a:tailEnd type="none" w="med" len="med"/>
+                    </a:lnL>
+                    <a:lnR w="12700" cap="flat" cmpd="sng" algn="ctr">
+                      <a:solidFill>
+                        <a:schemeClr val="tx1"/>
+                      </a:solidFill>
+                      <a:prstDash val="solid"/>
+                      <a:round/>
+                      <a:headEnd type="none" w="med" len="med"/>
+                      <a:tailEnd type="none" w="med" len="med"/>
+                    </a:lnR>
+                    <a:lnT w="12700" cap="flat" cmpd="sng" algn="ctr">
+                      <a:solidFill>
+                        <a:schemeClr val="tx1"/>
+                      </a:solidFill>
+                      <a:prstDash val="solid"/>
+                      <a:round/>
+                      <a:headEnd type="none" w="med" len="med"/>
+                      <a:tailEnd type="none" w="med" len="med"/>
+                    </a:lnT>
+                    <a:lnB w="12700" cap="flat" cmpd="sng" algn="ctr">
+                      <a:solidFill>
+                        <a:schemeClr val="tx1"/>
+                      </a:solidFill>
+                      <a:prstDash val="solid"/>
+                      <a:round/>
+                      <a:headEnd type="none" w="med" len="med"/>
+                      <a:tailEnd type="none" w="med" len="med"/>
+                    </a:lnB>
+                    <a:lnTlToBr w="12700" cmpd="sng">
+                      <a:noFill/>
+                      <a:prstDash val="solid"/>
+                    </a:lnTlToBr>
+                    <a:lnBlToTr w="12700" cmpd="sng">
+                      <a:noFill/>
+                      <a:prstDash val="solid"/>
+                    </a:lnBlToTr>
+                    <a:solidFill>
+                      <a:schemeClr val="bg1">
+                        <a:alpha val="72000"/>
+                      </a:schemeClr>
+                    </a:solidFill>
+                  </a:tcPr>
+                </a:tc>
+                <a:extLst>
+                  <a:ext uri="{0D108BD9-81ED-4DB2-BD59-A6C34878D82A}">
+                    <a16:rowId xmlns:a16="http://schemas.microsoft.com/office/drawing/2014/main" val="2578804122"/>
+                  </a:ext>
+                </a:extLst>
+              </a:tr>
+              <a:tr h="539057">
+                <a:tc vMerge="1">
+                  <a:txBody>
+                    <a:bodyPr/>
+                    <a:lstStyle/>
+                    <a:p>
+                      <a:pPr latinLnBrk="1"/>
+                      <a:endParaRPr lang="ko-KR" altLang="en-US"/>
+                    </a:p>
+                  </a:txBody>
+                  <a:tcPr/>
+                </a:tc>
+                <a:tc>
+                  <a:txBody>
+                    <a:bodyPr/>
+                    <a:lstStyle/>
+                    <a:p>
+                      <a:pPr algn="ctr" latinLnBrk="1"/>
+                      <a:r>
+                        <a:rPr lang="ko-KR" altLang="en-US" sz="1100" b="1">
+                          <a:latin typeface="이사만루체 Light" panose="00000300000000000000" pitchFamily="2" charset="-127"/>
+                          <a:ea typeface="이사만루체 Light" panose="00000300000000000000" pitchFamily="2" charset="-127"/>
+                        </a:rPr>
+                        <a:t>결과</a:t>
+                      </a:r>
+                    </a:p>
+                  </a:txBody>
+                  <a:tcPr marL="74990" marR="74990" marT="37495" marB="37495" anchor="ctr">
+                    <a:lnL w="12700" cap="flat" cmpd="sng" algn="ctr">
+                      <a:solidFill>
+                        <a:schemeClr val="tx1"/>
+                      </a:solidFill>
+                      <a:prstDash val="solid"/>
+                      <a:round/>
+                      <a:headEnd type="none" w="med" len="med"/>
+                      <a:tailEnd type="none" w="med" len="med"/>
+                    </a:lnL>
+                    <a:lnR w="12700" cap="flat" cmpd="sng" algn="ctr">
+                      <a:solidFill>
+                        <a:schemeClr val="tx1"/>
+                      </a:solidFill>
+                      <a:prstDash val="solid"/>
+                      <a:round/>
+                      <a:headEnd type="none" w="med" len="med"/>
+                      <a:tailEnd type="none" w="med" len="med"/>
+                    </a:lnR>
+                    <a:lnT w="12700" cap="flat" cmpd="sng" algn="ctr">
+                      <a:solidFill>
+                        <a:schemeClr val="tx1"/>
+                      </a:solidFill>
+                      <a:prstDash val="solid"/>
+                      <a:round/>
+                      <a:headEnd type="none" w="med" len="med"/>
+                      <a:tailEnd type="none" w="med" len="med"/>
+                    </a:lnT>
+                    <a:lnB w="12700" cap="flat" cmpd="sng" algn="ctr">
+                      <a:solidFill>
+                        <a:schemeClr val="tx1"/>
+                      </a:solidFill>
+                      <a:prstDash val="solid"/>
+                      <a:round/>
+                      <a:headEnd type="none" w="med" len="med"/>
+                      <a:tailEnd type="none" w="med" len="med"/>
+                    </a:lnB>
+                    <a:lnTlToBr w="12700" cmpd="sng">
+                      <a:noFill/>
+                      <a:prstDash val="solid"/>
+                    </a:lnTlToBr>
+                    <a:lnBlToTr w="12700" cmpd="sng">
+                      <a:noFill/>
+                      <a:prstDash val="solid"/>
+                    </a:lnBlToTr>
+                  </a:tcPr>
+                </a:tc>
+                <a:tc>
+                  <a:txBody>
+                    <a:bodyPr/>
+                    <a:lstStyle/>
+                    <a:p>
+                      <a:pPr algn="ctr" latinLnBrk="1"/>
+                      <a:r>
+                        <a:rPr lang="ko-KR" altLang="en-US" sz="1100" b="1">
+                          <a:solidFill>
+                            <a:schemeClr val="tx1"/>
+                          </a:solidFill>
+                          <a:latin typeface="이사만루체 Light" panose="00000300000000000000" pitchFamily="2" charset="-127"/>
+                          <a:ea typeface="이사만루체 Light" panose="00000300000000000000" pitchFamily="2" charset="-127"/>
+                        </a:rPr>
+                        <a:t>간단한 리소스 제작 및 배경 음악 수집 완료</a:t>
+                      </a:r>
+                      <a:r>
+                        <a:rPr lang="en-US" altLang="ko-KR" sz="1100" b="1">
+                          <a:solidFill>
+                            <a:schemeClr val="tx1"/>
+                          </a:solidFill>
+                          <a:latin typeface="이사만루체 Light" panose="00000300000000000000" pitchFamily="2" charset="-127"/>
+                          <a:ea typeface="이사만루체 Light" panose="00000300000000000000" pitchFamily="2" charset="-127"/>
+                        </a:rPr>
+                        <a:t>. </a:t>
+                      </a:r>
+                      <a:r>
+                        <a:rPr lang="ko-KR" altLang="en-US" sz="1100" b="1">
+                          <a:solidFill>
+                            <a:schemeClr val="tx1"/>
+                          </a:solidFill>
+                          <a:latin typeface="이사만루체 Light" panose="00000300000000000000" pitchFamily="2" charset="-127"/>
+                          <a:ea typeface="이사만루체 Light" panose="00000300000000000000" pitchFamily="2" charset="-127"/>
+                        </a:rPr>
+                        <a:t>전투 효과음 부족</a:t>
+                      </a:r>
+                    </a:p>
+                  </a:txBody>
+                  <a:tcPr marL="57878" marR="57878" marT="28938" marB="28938" anchor="ctr">
+                    <a:lnL w="12700" cap="flat" cmpd="sng" algn="ctr">
+                      <a:solidFill>
+                        <a:schemeClr val="tx1"/>
+                      </a:solidFill>
+                      <a:prstDash val="solid"/>
+                      <a:round/>
+                      <a:headEnd type="none" w="med" len="med"/>
+                      <a:tailEnd type="none" w="med" len="med"/>
+                    </a:lnL>
+                    <a:lnR w="12700" cap="flat" cmpd="sng" algn="ctr">
+                      <a:solidFill>
+                        <a:schemeClr val="tx1"/>
+                      </a:solidFill>
+                      <a:prstDash val="solid"/>
+                      <a:round/>
+                      <a:headEnd type="none" w="med" len="med"/>
+                      <a:tailEnd type="none" w="med" len="med"/>
+                    </a:lnR>
+                    <a:lnT w="12700" cap="flat" cmpd="sng" algn="ctr">
+                      <a:solidFill>
+                        <a:schemeClr val="tx1"/>
+                      </a:solidFill>
+                      <a:prstDash val="solid"/>
+                      <a:round/>
+                      <a:headEnd type="none" w="med" len="med"/>
+                      <a:tailEnd type="none" w="med" len="med"/>
+                    </a:lnT>
+                    <a:lnB w="12700" cap="flat" cmpd="sng" algn="ctr">
+                      <a:solidFill>
+                        <a:schemeClr val="tx1"/>
+                      </a:solidFill>
+                      <a:prstDash val="solid"/>
+                      <a:round/>
+                      <a:headEnd type="none" w="med" len="med"/>
+                      <a:tailEnd type="none" w="med" len="med"/>
+                    </a:lnB>
+                    <a:lnTlToBr w="12700" cmpd="sng">
+                      <a:noFill/>
+                      <a:prstDash val="solid"/>
+                    </a:lnTlToBr>
+                    <a:lnBlToTr w="12700" cmpd="sng">
+                      <a:noFill/>
+                      <a:prstDash val="solid"/>
+                    </a:lnBlToTr>
+                    <a:solidFill>
+                      <a:schemeClr val="bg1">
+                        <a:alpha val="72000"/>
+                      </a:schemeClr>
+                    </a:solidFill>
+                  </a:tcPr>
+                </a:tc>
+                <a:tc vMerge="1">
+                  <a:txBody>
+                    <a:bodyPr/>
+                    <a:lstStyle/>
+                    <a:p>
+                      <a:pPr latinLnBrk="1"/>
+                      <a:endParaRPr lang="ko-KR" altLang="en-US"/>
+                    </a:p>
+                  </a:txBody>
+                  <a:tcPr/>
+                </a:tc>
+                <a:extLst>
+                  <a:ext uri="{0D108BD9-81ED-4DB2-BD59-A6C34878D82A}">
+                    <a16:rowId xmlns:a16="http://schemas.microsoft.com/office/drawing/2014/main" val="2045559747"/>
+                  </a:ext>
+                </a:extLst>
+              </a:tr>
+              <a:tr h="407830">
+                <a:tc rowSpan="2">
+                  <a:txBody>
+                    <a:bodyPr/>
+                    <a:lstStyle/>
+                    <a:p>
+                      <a:pPr algn="ctr" latinLnBrk="1"/>
+                      <a:r>
+                        <a:rPr lang="en-US" altLang="ko-KR" sz="1100">
+                          <a:solidFill>
+                            <a:schemeClr val="tx1"/>
+                          </a:solidFill>
+                          <a:latin typeface="스스로넷 설립체" panose="00000500000000000000" pitchFamily="2" charset="-127"/>
+                          <a:ea typeface="스스로넷 설립체" panose="00000500000000000000" pitchFamily="2" charset="-127"/>
+                        </a:rPr>
+                        <a:t>2</a:t>
+                      </a:r>
+                      <a:r>
+                        <a:rPr lang="ko-KR" altLang="en-US" sz="1100">
+                          <a:solidFill>
+                            <a:schemeClr val="tx1"/>
+                          </a:solidFill>
+                          <a:latin typeface="스스로넷 설립체" panose="00000500000000000000" pitchFamily="2" charset="-127"/>
+                          <a:ea typeface="스스로넷 설립체" panose="00000500000000000000" pitchFamily="2" charset="-127"/>
+                        </a:rPr>
+                        <a:t>주차</a:t>
+                      </a:r>
+                    </a:p>
+                  </a:txBody>
+                  <a:tcPr marL="87012" marR="87012" marT="43506" marB="43506" anchor="ctr">
+                    <a:lnL w="12700" cap="flat" cmpd="sng" algn="ctr">
+                      <a:solidFill>
+                        <a:schemeClr val="tx1"/>
+                      </a:solidFill>
+                      <a:prstDash val="solid"/>
+                      <a:round/>
+                      <a:headEnd type="none" w="med" len="med"/>
+                      <a:tailEnd type="none" w="med" len="med"/>
+                    </a:lnL>
+                    <a:lnR w="12700" cap="flat" cmpd="sng" algn="ctr">
+                      <a:solidFill>
+                        <a:schemeClr val="tx1"/>
+                      </a:solidFill>
+                      <a:prstDash val="solid"/>
+                      <a:round/>
+                      <a:headEnd type="none" w="med" len="med"/>
+                      <a:tailEnd type="none" w="med" len="med"/>
+                    </a:lnR>
+                    <a:lnT w="12700" cap="flat" cmpd="sng" algn="ctr">
+                      <a:solidFill>
+                        <a:schemeClr val="tx1"/>
+                      </a:solidFill>
+                      <a:prstDash val="solid"/>
+                      <a:round/>
+                      <a:headEnd type="none" w="med" len="med"/>
+                      <a:tailEnd type="none" w="med" len="med"/>
+                    </a:lnT>
+                    <a:lnB w="12700" cap="flat" cmpd="sng" algn="ctr">
+                      <a:solidFill>
+                        <a:schemeClr val="tx1"/>
+                      </a:solidFill>
+                      <a:prstDash val="solid"/>
+                      <a:round/>
+                      <a:headEnd type="none" w="med" len="med"/>
+                      <a:tailEnd type="none" w="med" len="med"/>
+                    </a:lnB>
+                    <a:lnTlToBr w="12700" cmpd="sng">
+                      <a:noFill/>
+                      <a:prstDash val="solid"/>
+                    </a:lnTlToBr>
+                    <a:lnBlToTr w="12700" cmpd="sng">
+                      <a:noFill/>
+                      <a:prstDash val="solid"/>
+                    </a:lnBlToTr>
+                    <a:solidFill>
+                      <a:schemeClr val="bg1">
+                        <a:alpha val="72000"/>
+                      </a:schemeClr>
+                    </a:solidFill>
+                  </a:tcPr>
+                </a:tc>
+                <a:tc>
+                  <a:txBody>
+                    <a:bodyPr/>
+                    <a:lstStyle/>
+                    <a:p>
+                      <a:pPr algn="ctr" latinLnBrk="1"/>
+                      <a:r>
+                        <a:rPr lang="ko-KR" altLang="en-US" sz="1100" b="1">
+                          <a:solidFill>
+                            <a:schemeClr val="tx1"/>
+                          </a:solidFill>
+                          <a:latin typeface="이사만루체 Light" panose="00000300000000000000" pitchFamily="2" charset="-127"/>
+                          <a:ea typeface="이사만루체 Light" panose="00000300000000000000" pitchFamily="2" charset="-127"/>
+                        </a:rPr>
+                        <a:t>계획</a:t>
+                      </a:r>
+                    </a:p>
+                  </a:txBody>
+                  <a:tcPr marL="57878" marR="57878" marT="28938" marB="28938" anchor="ctr">
+                    <a:lnL w="12700" cap="flat" cmpd="sng" algn="ctr">
+                      <a:solidFill>
+                        <a:schemeClr val="tx1"/>
+                      </a:solidFill>
+                      <a:prstDash val="solid"/>
+                      <a:round/>
+                      <a:headEnd type="none" w="med" len="med"/>
+                      <a:tailEnd type="none" w="med" len="med"/>
+                    </a:lnL>
+                    <a:lnR w="12700" cap="flat" cmpd="sng" algn="ctr">
+                      <a:solidFill>
+                        <a:schemeClr val="tx1"/>
+                      </a:solidFill>
+                      <a:prstDash val="solid"/>
+                      <a:round/>
+                      <a:headEnd type="none" w="med" len="med"/>
+                      <a:tailEnd type="none" w="med" len="med"/>
+                    </a:lnR>
+                    <a:lnT w="12700" cap="flat" cmpd="sng" algn="ctr">
+                      <a:solidFill>
+                        <a:schemeClr val="tx1"/>
+                      </a:solidFill>
+                      <a:prstDash val="solid"/>
+                      <a:round/>
+                      <a:headEnd type="none" w="med" len="med"/>
+                      <a:tailEnd type="none" w="med" len="med"/>
+                    </a:lnT>
+                    <a:lnB w="12700" cap="flat" cmpd="sng" algn="ctr">
+                      <a:solidFill>
+                        <a:schemeClr val="tx1"/>
+                      </a:solidFill>
+                      <a:prstDash val="solid"/>
+                      <a:round/>
+                      <a:headEnd type="none" w="med" len="med"/>
+                      <a:tailEnd type="none" w="med" len="med"/>
+                    </a:lnB>
+                    <a:lnTlToBr w="12700" cmpd="sng">
+                      <a:noFill/>
+                      <a:prstDash val="solid"/>
+                    </a:lnTlToBr>
+                    <a:lnBlToTr w="12700" cmpd="sng">
+                      <a:noFill/>
+                      <a:prstDash val="solid"/>
+                    </a:lnBlToTr>
+                    <a:solidFill>
+                      <a:schemeClr val="bg1">
+                        <a:alpha val="72000"/>
+                      </a:schemeClr>
+                    </a:solidFill>
+                  </a:tcPr>
+                </a:tc>
+                <a:tc>
+                  <a:txBody>
+                    <a:bodyPr/>
+                    <a:lstStyle/>
+                    <a:p>
+                      <a:pPr algn="ctr" latinLnBrk="1"/>
+                      <a:r>
+                        <a:rPr lang="ko-KR" altLang="en-US" sz="1100" b="1">
+                          <a:solidFill>
+                            <a:schemeClr val="tx1"/>
+                          </a:solidFill>
+                          <a:latin typeface="이사만루체 Light" panose="00000300000000000000" pitchFamily="2" charset="-127"/>
+                          <a:ea typeface="이사만루체 Light" panose="00000300000000000000" pitchFamily="2" charset="-127"/>
+                        </a:rPr>
+                        <a:t>리소스 렌더러</a:t>
+                      </a:r>
+                      <a:r>
+                        <a:rPr lang="en-US" altLang="ko-KR" sz="1100" b="1">
+                          <a:solidFill>
+                            <a:schemeClr val="tx1"/>
+                          </a:solidFill>
+                          <a:latin typeface="이사만루체 Light" panose="00000300000000000000" pitchFamily="2" charset="-127"/>
+                          <a:ea typeface="이사만루체 Light" panose="00000300000000000000" pitchFamily="2" charset="-127"/>
+                        </a:rPr>
+                        <a:t>, </a:t>
+                      </a:r>
+                      <a:r>
+                        <a:rPr lang="ko-KR" altLang="en-US" sz="1100" b="1">
+                          <a:solidFill>
+                            <a:schemeClr val="tx1"/>
+                          </a:solidFill>
+                          <a:latin typeface="이사만루체 Light" panose="00000300000000000000" pitchFamily="2" charset="-127"/>
+                          <a:ea typeface="이사만루체 Light" panose="00000300000000000000" pitchFamily="2" charset="-127"/>
+                        </a:rPr>
+                        <a:t>기본적인 캐릭터 컨트롤러 구현</a:t>
+                      </a:r>
+                    </a:p>
+                  </a:txBody>
+                  <a:tcPr marL="57878" marR="57878" marT="28938" marB="28938" anchor="ctr">
+                    <a:lnL w="12700" cap="flat" cmpd="sng" algn="ctr">
+                      <a:solidFill>
+                        <a:schemeClr val="tx1"/>
+                      </a:solidFill>
+                      <a:prstDash val="solid"/>
+                      <a:round/>
+                      <a:headEnd type="none" w="med" len="med"/>
+                      <a:tailEnd type="none" w="med" len="med"/>
+                    </a:lnL>
+                    <a:lnR w="12700" cap="flat" cmpd="sng" algn="ctr">
+                      <a:solidFill>
+                        <a:schemeClr val="tx1"/>
+                      </a:solidFill>
+                      <a:prstDash val="solid"/>
+                      <a:round/>
+                      <a:headEnd type="none" w="med" len="med"/>
+                      <a:tailEnd type="none" w="med" len="med"/>
+                    </a:lnR>
+                    <a:lnT w="12700" cap="flat" cmpd="sng" algn="ctr">
+                      <a:solidFill>
+                        <a:schemeClr val="tx1"/>
+                      </a:solidFill>
+                      <a:prstDash val="solid"/>
+                      <a:round/>
+                      <a:headEnd type="none" w="med" len="med"/>
+                      <a:tailEnd type="none" w="med" len="med"/>
+                    </a:lnT>
+                    <a:lnB w="12700" cap="flat" cmpd="sng" algn="ctr">
+                      <a:solidFill>
+                        <a:schemeClr val="tx1"/>
+                      </a:solidFill>
+                      <a:prstDash val="solid"/>
+                      <a:round/>
+                      <a:headEnd type="none" w="med" len="med"/>
+                      <a:tailEnd type="none" w="med" len="med"/>
+                    </a:lnB>
+                    <a:lnTlToBr w="12700" cmpd="sng">
+                      <a:noFill/>
+                      <a:prstDash val="solid"/>
+                    </a:lnTlToBr>
+                    <a:lnBlToTr w="12700" cmpd="sng">
+                      <a:noFill/>
+                      <a:prstDash val="solid"/>
+                    </a:lnBlToTr>
+                    <a:solidFill>
+                      <a:schemeClr val="bg1">
+                        <a:alpha val="72000"/>
+                      </a:schemeClr>
+                    </a:solidFill>
+                  </a:tcPr>
+                </a:tc>
+                <a:tc rowSpan="2">
+                  <a:txBody>
+                    <a:bodyPr/>
+                    <a:lstStyle/>
+                    <a:p>
+                      <a:pPr algn="ctr" latinLnBrk="1"/>
+                      <a:r>
+                        <a:rPr lang="en-US" altLang="ko-KR" sz="1100" b="1">
+                          <a:solidFill>
+                            <a:schemeClr val="tx1"/>
+                          </a:solidFill>
+                          <a:latin typeface="이사만루체 Light" panose="00000300000000000000" pitchFamily="2" charset="-127"/>
+                          <a:ea typeface="이사만루체 Light" panose="00000300000000000000" pitchFamily="2" charset="-127"/>
+                        </a:rPr>
+                        <a:t>100%</a:t>
+                      </a:r>
+                      <a:endParaRPr lang="ko-KR" altLang="en-US" sz="1100" b="1">
+                        <a:solidFill>
+                          <a:schemeClr val="tx1"/>
+                        </a:solidFill>
+                        <a:latin typeface="이사만루체 Light" panose="00000300000000000000" pitchFamily="2" charset="-127"/>
+                        <a:ea typeface="이사만루체 Light" panose="00000300000000000000" pitchFamily="2" charset="-127"/>
+                      </a:endParaRPr>
+                    </a:p>
+                  </a:txBody>
+                  <a:tcPr marL="87012" marR="87012" marT="43506" marB="43506" anchor="ctr">
+                    <a:lnL w="12700" cap="flat" cmpd="sng" algn="ctr">
+                      <a:solidFill>
+                        <a:schemeClr val="tx1"/>
+                      </a:solidFill>
+                      <a:prstDash val="solid"/>
+                      <a:round/>
+                      <a:headEnd type="none" w="med" len="med"/>
+                      <a:tailEnd type="none" w="med" len="med"/>
+                    </a:lnL>
+                    <a:lnR w="12700" cap="flat" cmpd="sng" algn="ctr">
+                      <a:solidFill>
+                        <a:schemeClr val="tx1"/>
+                      </a:solidFill>
+                      <a:prstDash val="solid"/>
+                      <a:round/>
+                      <a:headEnd type="none" w="med" len="med"/>
+                      <a:tailEnd type="none" w="med" len="med"/>
+                    </a:lnR>
+                    <a:lnT w="12700" cap="flat" cmpd="sng" algn="ctr">
+                      <a:solidFill>
+                        <a:schemeClr val="tx1"/>
+                      </a:solidFill>
+                      <a:prstDash val="solid"/>
+                      <a:round/>
+                      <a:headEnd type="none" w="med" len="med"/>
+                      <a:tailEnd type="none" w="med" len="med"/>
+                    </a:lnT>
+                    <a:lnB w="12700" cap="flat" cmpd="sng" algn="ctr">
+                      <a:solidFill>
+                        <a:schemeClr val="tx1"/>
+                      </a:solidFill>
+                      <a:prstDash val="solid"/>
+                      <a:round/>
+                      <a:headEnd type="none" w="med" len="med"/>
+                      <a:tailEnd type="none" w="med" len="med"/>
+                    </a:lnB>
+                    <a:lnTlToBr w="12700" cmpd="sng">
+                      <a:noFill/>
+                      <a:prstDash val="solid"/>
+                    </a:lnTlToBr>
+                    <a:lnBlToTr w="12700" cmpd="sng">
+                      <a:noFill/>
+                      <a:prstDash val="solid"/>
+                    </a:lnBlToTr>
+                    <a:solidFill>
+                      <a:schemeClr val="bg1">
+                        <a:alpha val="72000"/>
+                      </a:schemeClr>
+                    </a:solidFill>
+                  </a:tcPr>
+                </a:tc>
+                <a:extLst>
+                  <a:ext uri="{0D108BD9-81ED-4DB2-BD59-A6C34878D82A}">
+                    <a16:rowId xmlns:a16="http://schemas.microsoft.com/office/drawing/2014/main" val="1893897210"/>
+                  </a:ext>
+                </a:extLst>
+              </a:tr>
+              <a:tr h="539057">
+                <a:tc vMerge="1">
+                  <a:txBody>
+                    <a:bodyPr/>
+                    <a:lstStyle/>
+                    <a:p>
+                      <a:pPr latinLnBrk="1"/>
+                      <a:endParaRPr lang="ko-KR" altLang="en-US"/>
+                    </a:p>
+                  </a:txBody>
+                  <a:tcPr/>
+                </a:tc>
+                <a:tc>
+                  <a:txBody>
+                    <a:bodyPr/>
+                    <a:lstStyle/>
+                    <a:p>
+                      <a:pPr algn="ctr" latinLnBrk="1"/>
+                      <a:r>
+                        <a:rPr lang="ko-KR" altLang="en-US" sz="1100" b="1">
+                          <a:latin typeface="이사만루체 Light" panose="00000300000000000000" pitchFamily="2" charset="-127"/>
+                          <a:ea typeface="이사만루체 Light" panose="00000300000000000000" pitchFamily="2" charset="-127"/>
+                        </a:rPr>
+                        <a:t>결과</a:t>
+                      </a:r>
+                    </a:p>
+                  </a:txBody>
+                  <a:tcPr marL="74990" marR="74990" marT="37495" marB="37495" anchor="ctr">
+                    <a:lnL w="12700" cap="flat" cmpd="sng" algn="ctr">
+                      <a:solidFill>
+                        <a:schemeClr val="tx1"/>
+                      </a:solidFill>
+                      <a:prstDash val="solid"/>
+                      <a:round/>
+                      <a:headEnd type="none" w="med" len="med"/>
+                      <a:tailEnd type="none" w="med" len="med"/>
+                    </a:lnL>
+                    <a:lnR w="12700" cap="flat" cmpd="sng" algn="ctr">
+                      <a:solidFill>
+                        <a:schemeClr val="tx1"/>
+                      </a:solidFill>
+                      <a:prstDash val="solid"/>
+                      <a:round/>
+                      <a:headEnd type="none" w="med" len="med"/>
+                      <a:tailEnd type="none" w="med" len="med"/>
+                    </a:lnR>
+                    <a:lnT w="12700" cap="flat" cmpd="sng" algn="ctr">
+                      <a:solidFill>
+                        <a:schemeClr val="tx1"/>
+                      </a:solidFill>
+                      <a:prstDash val="solid"/>
+                      <a:round/>
+                      <a:headEnd type="none" w="med" len="med"/>
+                      <a:tailEnd type="none" w="med" len="med"/>
+                    </a:lnT>
+                    <a:lnB w="12700" cap="flat" cmpd="sng" algn="ctr">
+                      <a:solidFill>
+                        <a:schemeClr val="tx1"/>
+                      </a:solidFill>
+                      <a:prstDash val="solid"/>
+                      <a:round/>
+                      <a:headEnd type="none" w="med" len="med"/>
+                      <a:tailEnd type="none" w="med" len="med"/>
+                    </a:lnB>
+                    <a:lnTlToBr w="12700" cmpd="sng">
+                      <a:noFill/>
+                      <a:prstDash val="solid"/>
+                    </a:lnTlToBr>
+                    <a:lnBlToTr w="12700" cmpd="sng">
+                      <a:noFill/>
+                      <a:prstDash val="solid"/>
+                    </a:lnBlToTr>
+                  </a:tcPr>
+                </a:tc>
+                <a:tc>
+                  <a:txBody>
+                    <a:bodyPr/>
+                    <a:lstStyle/>
+                    <a:p>
+                      <a:pPr algn="ctr" latinLnBrk="1"/>
+                      <a:r>
+                        <a:rPr lang="ko-KR" altLang="en-US" sz="1100" b="1">
+                          <a:solidFill>
+                            <a:schemeClr val="tx1"/>
+                          </a:solidFill>
+                          <a:latin typeface="이사만루체 Light" panose="00000300000000000000" pitchFamily="2" charset="-127"/>
+                          <a:ea typeface="이사만루체 Light" panose="00000300000000000000" pitchFamily="2" charset="-127"/>
+                        </a:rPr>
+                        <a:t>객체를 </a:t>
+                      </a:r>
+                      <a:r>
+                        <a:rPr lang="en-US" altLang="ko-KR" sz="1100" b="1">
+                          <a:solidFill>
+                            <a:schemeClr val="tx1"/>
+                          </a:solidFill>
+                          <a:latin typeface="이사만루체 Light" panose="00000300000000000000" pitchFamily="2" charset="-127"/>
+                          <a:ea typeface="이사만루체 Light" panose="00000300000000000000" pitchFamily="2" charset="-127"/>
+                        </a:rPr>
+                        <a:t>list </a:t>
+                      </a:r>
+                      <a:r>
+                        <a:rPr lang="ko-KR" altLang="en-US" sz="1100" b="1">
+                          <a:solidFill>
+                            <a:schemeClr val="tx1"/>
+                          </a:solidFill>
+                          <a:latin typeface="이사만루체 Light" panose="00000300000000000000" pitchFamily="2" charset="-127"/>
+                          <a:ea typeface="이사만루체 Light" panose="00000300000000000000" pitchFamily="2" charset="-127"/>
+                        </a:rPr>
+                        <a:t>형식으로 관리</a:t>
+                      </a:r>
+                      <a:r>
+                        <a:rPr lang="en-US" altLang="ko-KR" sz="1100" b="1">
+                          <a:solidFill>
+                            <a:schemeClr val="tx1"/>
+                          </a:solidFill>
+                          <a:latin typeface="이사만루체 Light" panose="00000300000000000000" pitchFamily="2" charset="-127"/>
+                          <a:ea typeface="이사만루체 Light" panose="00000300000000000000" pitchFamily="2" charset="-127"/>
+                        </a:rPr>
+                        <a:t>-&gt; </a:t>
+                      </a:r>
+                      <a:r>
+                        <a:rPr lang="ko-KR" altLang="en-US" sz="1100" b="1">
+                          <a:solidFill>
+                            <a:schemeClr val="tx1"/>
+                          </a:solidFill>
+                          <a:latin typeface="이사만루체 Light" panose="00000300000000000000" pitchFamily="2" charset="-127"/>
+                          <a:ea typeface="이사만루체 Light" panose="00000300000000000000" pitchFamily="2" charset="-127"/>
+                        </a:rPr>
+                        <a:t>객체마다 자신의 </a:t>
+                      </a:r>
+                      <a:r>
+                        <a:rPr lang="en-US" altLang="ko-KR" sz="1100" b="1">
+                          <a:solidFill>
+                            <a:schemeClr val="tx1"/>
+                          </a:solidFill>
+                          <a:latin typeface="이사만루체 Light" panose="00000300000000000000" pitchFamily="2" charset="-127"/>
+                          <a:ea typeface="이사만루체 Light" panose="00000300000000000000" pitchFamily="2" charset="-127"/>
+                        </a:rPr>
+                        <a:t>render </a:t>
+                      </a:r>
+                      <a:r>
+                        <a:rPr lang="ko-KR" altLang="en-US" sz="1100" b="1">
+                          <a:solidFill>
+                            <a:schemeClr val="tx1"/>
+                          </a:solidFill>
+                          <a:latin typeface="이사만루체 Light" panose="00000300000000000000" pitchFamily="2" charset="-127"/>
+                          <a:ea typeface="이사만루체 Light" panose="00000300000000000000" pitchFamily="2" charset="-127"/>
+                        </a:rPr>
+                        <a:t>함수를 호출하도록 구현</a:t>
+                      </a:r>
+                      <a:r>
+                        <a:rPr lang="en-US" altLang="ko-KR" sz="1100" b="1">
+                          <a:solidFill>
+                            <a:schemeClr val="tx1"/>
+                          </a:solidFill>
+                          <a:latin typeface="이사만루체 Light" panose="00000300000000000000" pitchFamily="2" charset="-127"/>
+                          <a:ea typeface="이사만루체 Light" panose="00000300000000000000" pitchFamily="2" charset="-127"/>
+                        </a:rPr>
+                        <a:t>,</a:t>
+                      </a:r>
+                    </a:p>
+                    <a:p>
+                      <a:pPr algn="ctr" latinLnBrk="1"/>
+                      <a:r>
+                        <a:rPr lang="en-US" altLang="ko-KR" sz="1100" b="1">
+                          <a:solidFill>
+                            <a:schemeClr val="tx1"/>
+                          </a:solidFill>
+                          <a:latin typeface="이사만루체 Light" panose="00000300000000000000" pitchFamily="2" charset="-127"/>
+                          <a:ea typeface="이사만루체 Light" panose="00000300000000000000" pitchFamily="2" charset="-127"/>
+                        </a:rPr>
+                        <a:t>Frame</a:t>
+                      </a:r>
+                      <a:r>
+                        <a:rPr lang="ko-KR" altLang="en-US" sz="1100" b="1">
+                          <a:solidFill>
+                            <a:schemeClr val="tx1"/>
+                          </a:solidFill>
+                          <a:latin typeface="이사만루체 Light" panose="00000300000000000000" pitchFamily="2" charset="-127"/>
+                          <a:ea typeface="이사만루체 Light" panose="00000300000000000000" pitchFamily="2" charset="-127"/>
+                        </a:rPr>
+                        <a:t> </a:t>
+                      </a:r>
+                      <a:r>
+                        <a:rPr lang="en-US" altLang="ko-KR" sz="1100" b="1">
+                          <a:solidFill>
+                            <a:schemeClr val="tx1"/>
+                          </a:solidFill>
+                          <a:latin typeface="이사만루체 Light" panose="00000300000000000000" pitchFamily="2" charset="-127"/>
+                          <a:ea typeface="이사만루체 Light" panose="00000300000000000000" pitchFamily="2" charset="-127"/>
+                        </a:rPr>
+                        <a:t>time</a:t>
+                      </a:r>
+                      <a:r>
+                        <a:rPr lang="ko-KR" altLang="en-US" sz="1100" b="1">
+                          <a:solidFill>
+                            <a:schemeClr val="tx1"/>
+                          </a:solidFill>
+                          <a:latin typeface="이사만루체 Light" panose="00000300000000000000" pitchFamily="2" charset="-127"/>
+                          <a:ea typeface="이사만루체 Light" panose="00000300000000000000" pitchFamily="2" charset="-127"/>
+                        </a:rPr>
+                        <a:t>을 통한 객체의 위치</a:t>
+                      </a:r>
+                      <a:r>
+                        <a:rPr lang="en-US" altLang="ko-KR" sz="1100" b="1">
+                          <a:solidFill>
+                            <a:schemeClr val="tx1"/>
+                          </a:solidFill>
+                          <a:latin typeface="이사만루체 Light" panose="00000300000000000000" pitchFamily="2" charset="-127"/>
+                          <a:ea typeface="이사만루체 Light" panose="00000300000000000000" pitchFamily="2" charset="-127"/>
+                        </a:rPr>
+                        <a:t>, </a:t>
+                      </a:r>
+                      <a:r>
+                        <a:rPr lang="ko-KR" altLang="en-US" sz="1100" b="1">
+                          <a:solidFill>
+                            <a:schemeClr val="tx1"/>
+                          </a:solidFill>
+                          <a:latin typeface="이사만루체 Light" panose="00000300000000000000" pitchFamily="2" charset="-127"/>
+                          <a:ea typeface="이사만루체 Light" panose="00000300000000000000" pitchFamily="2" charset="-127"/>
+                        </a:rPr>
+                        <a:t>플레이어의 이동 구현</a:t>
+                      </a:r>
+                    </a:p>
+                  </a:txBody>
+                  <a:tcPr marL="57878" marR="57878" marT="28938" marB="28938" anchor="ctr">
+                    <a:lnL w="12700" cap="flat" cmpd="sng" algn="ctr">
+                      <a:solidFill>
+                        <a:schemeClr val="tx1"/>
+                      </a:solidFill>
+                      <a:prstDash val="solid"/>
+                      <a:round/>
+                      <a:headEnd type="none" w="med" len="med"/>
+                      <a:tailEnd type="none" w="med" len="med"/>
+                    </a:lnL>
+                    <a:lnR w="12700" cap="flat" cmpd="sng" algn="ctr">
+                      <a:solidFill>
+                        <a:schemeClr val="tx1"/>
+                      </a:solidFill>
+                      <a:prstDash val="solid"/>
+                      <a:round/>
+                      <a:headEnd type="none" w="med" len="med"/>
+                      <a:tailEnd type="none" w="med" len="med"/>
+                    </a:lnR>
+                    <a:lnT w="12700" cap="flat" cmpd="sng" algn="ctr">
+                      <a:solidFill>
+                        <a:schemeClr val="tx1"/>
+                      </a:solidFill>
+                      <a:prstDash val="solid"/>
+                      <a:round/>
+                      <a:headEnd type="none" w="med" len="med"/>
+                      <a:tailEnd type="none" w="med" len="med"/>
+                    </a:lnT>
+                    <a:lnB w="12700" cap="flat" cmpd="sng" algn="ctr">
+                      <a:solidFill>
+                        <a:schemeClr val="tx1"/>
+                      </a:solidFill>
+                      <a:prstDash val="solid"/>
+                      <a:round/>
+                      <a:headEnd type="none" w="med" len="med"/>
+                      <a:tailEnd type="none" w="med" len="med"/>
+                    </a:lnB>
+                    <a:lnTlToBr w="12700" cmpd="sng">
+                      <a:noFill/>
+                      <a:prstDash val="solid"/>
+                    </a:lnTlToBr>
+                    <a:lnBlToTr w="12700" cmpd="sng">
+                      <a:noFill/>
+                      <a:prstDash val="solid"/>
+                    </a:lnBlToTr>
+                    <a:solidFill>
+                      <a:schemeClr val="bg1">
+                        <a:alpha val="72000"/>
+                      </a:schemeClr>
+                    </a:solidFill>
+                  </a:tcPr>
+                </a:tc>
+                <a:tc vMerge="1">
+                  <a:txBody>
+                    <a:bodyPr/>
+                    <a:lstStyle/>
+                    <a:p>
+                      <a:pPr latinLnBrk="1"/>
+                      <a:endParaRPr lang="ko-KR" altLang="en-US"/>
+                    </a:p>
+                  </a:txBody>
+                  <a:tcPr/>
+                </a:tc>
+                <a:extLst>
+                  <a:ext uri="{0D108BD9-81ED-4DB2-BD59-A6C34878D82A}">
+                    <a16:rowId xmlns:a16="http://schemas.microsoft.com/office/drawing/2014/main" val="3086992592"/>
+                  </a:ext>
+                </a:extLst>
+              </a:tr>
+              <a:tr h="407830">
+                <a:tc rowSpan="2">
+                  <a:txBody>
+                    <a:bodyPr/>
+                    <a:lstStyle/>
+                    <a:p>
+                      <a:pPr algn="ctr" latinLnBrk="1"/>
+                      <a:r>
+                        <a:rPr lang="en-US" altLang="ko-KR" sz="1100">
+                          <a:solidFill>
+                            <a:schemeClr val="tx1"/>
+                          </a:solidFill>
+                          <a:latin typeface="스스로넷 설립체" panose="00000500000000000000" pitchFamily="2" charset="-127"/>
+                          <a:ea typeface="스스로넷 설립체" panose="00000500000000000000" pitchFamily="2" charset="-127"/>
+                        </a:rPr>
+                        <a:t>3</a:t>
+                      </a:r>
+                      <a:r>
+                        <a:rPr lang="ko-KR" altLang="en-US" sz="1100">
+                          <a:solidFill>
+                            <a:schemeClr val="tx1"/>
+                          </a:solidFill>
+                          <a:latin typeface="스스로넷 설립체" panose="00000500000000000000" pitchFamily="2" charset="-127"/>
+                          <a:ea typeface="스스로넷 설립체" panose="00000500000000000000" pitchFamily="2" charset="-127"/>
+                        </a:rPr>
+                        <a:t>주차</a:t>
+                      </a:r>
+                    </a:p>
+                  </a:txBody>
+                  <a:tcPr marL="87012" marR="87012" marT="43506" marB="43506" anchor="ctr">
+                    <a:lnL w="12700" cap="flat" cmpd="sng" algn="ctr">
+                      <a:solidFill>
+                        <a:schemeClr val="tx1"/>
+                      </a:solidFill>
+                      <a:prstDash val="solid"/>
+                      <a:round/>
+                      <a:headEnd type="none" w="med" len="med"/>
+                      <a:tailEnd type="none" w="med" len="med"/>
+                    </a:lnL>
+                    <a:lnR w="12700" cap="flat" cmpd="sng" algn="ctr">
+                      <a:solidFill>
+                        <a:schemeClr val="tx1"/>
+                      </a:solidFill>
+                      <a:prstDash val="solid"/>
+                      <a:round/>
+                      <a:headEnd type="none" w="med" len="med"/>
+                      <a:tailEnd type="none" w="med" len="med"/>
+                    </a:lnR>
+                    <a:lnT w="12700" cap="flat" cmpd="sng" algn="ctr">
+                      <a:solidFill>
+                        <a:schemeClr val="tx1"/>
+                      </a:solidFill>
+                      <a:prstDash val="solid"/>
+                      <a:round/>
+                      <a:headEnd type="none" w="med" len="med"/>
+                      <a:tailEnd type="none" w="med" len="med"/>
+                    </a:lnT>
+                    <a:lnB w="12700" cap="flat" cmpd="sng" algn="ctr">
+                      <a:solidFill>
+                        <a:schemeClr val="tx1"/>
+                      </a:solidFill>
+                      <a:prstDash val="solid"/>
+                      <a:round/>
+                      <a:headEnd type="none" w="med" len="med"/>
+                      <a:tailEnd type="none" w="med" len="med"/>
+                    </a:lnB>
+                    <a:lnTlToBr w="12700" cmpd="sng">
+                      <a:noFill/>
+                      <a:prstDash val="solid"/>
+                    </a:lnTlToBr>
+                    <a:lnBlToTr w="12700" cmpd="sng">
+                      <a:noFill/>
+                      <a:prstDash val="solid"/>
+                    </a:lnBlToTr>
+                    <a:solidFill>
+                      <a:schemeClr val="bg1">
+                        <a:alpha val="72000"/>
+                      </a:schemeClr>
+                    </a:solidFill>
+                  </a:tcPr>
+                </a:tc>
+                <a:tc>
+                  <a:txBody>
+                    <a:bodyPr/>
+                    <a:lstStyle/>
+                    <a:p>
+                      <a:pPr algn="ctr" latinLnBrk="1"/>
+                      <a:r>
+                        <a:rPr lang="ko-KR" altLang="en-US" sz="1100" b="1">
+                          <a:solidFill>
+                            <a:schemeClr val="tx1"/>
+                          </a:solidFill>
+                          <a:latin typeface="이사만루체 Light" panose="00000300000000000000" pitchFamily="2" charset="-127"/>
+                          <a:ea typeface="이사만루체 Light" panose="00000300000000000000" pitchFamily="2" charset="-127"/>
+                        </a:rPr>
+                        <a:t>계획</a:t>
+                      </a:r>
+                    </a:p>
+                  </a:txBody>
+                  <a:tcPr marL="57878" marR="57878" marT="28938" marB="28938" anchor="ctr">
+                    <a:lnL w="12700" cap="flat" cmpd="sng" algn="ctr">
+                      <a:solidFill>
+                        <a:schemeClr val="tx1"/>
+                      </a:solidFill>
+                      <a:prstDash val="solid"/>
+                      <a:round/>
+                      <a:headEnd type="none" w="med" len="med"/>
+                      <a:tailEnd type="none" w="med" len="med"/>
+                    </a:lnL>
+                    <a:lnR w="12700" cap="flat" cmpd="sng" algn="ctr">
+                      <a:solidFill>
+                        <a:schemeClr val="tx1"/>
+                      </a:solidFill>
+                      <a:prstDash val="solid"/>
+                      <a:round/>
+                      <a:headEnd type="none" w="med" len="med"/>
+                      <a:tailEnd type="none" w="med" len="med"/>
+                    </a:lnR>
+                    <a:lnT w="12700" cap="flat" cmpd="sng" algn="ctr">
+                      <a:solidFill>
+                        <a:schemeClr val="tx1"/>
+                      </a:solidFill>
+                      <a:prstDash val="solid"/>
+                      <a:round/>
+                      <a:headEnd type="none" w="med" len="med"/>
+                      <a:tailEnd type="none" w="med" len="med"/>
+                    </a:lnT>
+                    <a:lnB w="12700" cap="flat" cmpd="sng" algn="ctr">
+                      <a:solidFill>
+                        <a:schemeClr val="tx1"/>
+                      </a:solidFill>
+                      <a:prstDash val="solid"/>
+                      <a:round/>
+                      <a:headEnd type="none" w="med" len="med"/>
+                      <a:tailEnd type="none" w="med" len="med"/>
+                    </a:lnB>
+                    <a:lnTlToBr w="12700" cmpd="sng">
+                      <a:noFill/>
+                      <a:prstDash val="solid"/>
+                    </a:lnTlToBr>
+                    <a:lnBlToTr w="12700" cmpd="sng">
+                      <a:noFill/>
+                      <a:prstDash val="solid"/>
+                    </a:lnBlToTr>
+                    <a:solidFill>
+                      <a:schemeClr val="bg1">
+                        <a:alpha val="72000"/>
+                      </a:schemeClr>
+                    </a:solidFill>
+                  </a:tcPr>
+                </a:tc>
+                <a:tc>
+                  <a:txBody>
+                    <a:bodyPr/>
+                    <a:lstStyle/>
+                    <a:p>
+                      <a:pPr algn="ctr" latinLnBrk="1"/>
+                      <a:r>
+                        <a:rPr lang="ko-KR" altLang="en-US" sz="1100" b="1">
+                          <a:solidFill>
+                            <a:schemeClr val="tx1"/>
+                          </a:solidFill>
+                          <a:latin typeface="이사만루체 Light" panose="00000300000000000000" pitchFamily="2" charset="-127"/>
+                          <a:ea typeface="이사만루체 Light" panose="00000300000000000000" pitchFamily="2" charset="-127"/>
+                        </a:rPr>
+                        <a:t>충돌처리 </a:t>
+                      </a:r>
+                    </a:p>
+                  </a:txBody>
+                  <a:tcPr marL="57878" marR="57878" marT="28938" marB="28938" anchor="ctr">
+                    <a:lnL w="12700" cap="flat" cmpd="sng" algn="ctr">
+                      <a:solidFill>
+                        <a:schemeClr val="tx1"/>
+                      </a:solidFill>
+                      <a:prstDash val="solid"/>
+                      <a:round/>
+                      <a:headEnd type="none" w="med" len="med"/>
+                      <a:tailEnd type="none" w="med" len="med"/>
+                    </a:lnL>
+                    <a:lnR w="12700" cap="flat" cmpd="sng" algn="ctr">
+                      <a:solidFill>
+                        <a:schemeClr val="tx1"/>
+                      </a:solidFill>
+                      <a:prstDash val="solid"/>
+                      <a:round/>
+                      <a:headEnd type="none" w="med" len="med"/>
+                      <a:tailEnd type="none" w="med" len="med"/>
+                    </a:lnR>
+                    <a:lnT w="12700" cap="flat" cmpd="sng" algn="ctr">
+                      <a:solidFill>
+                        <a:schemeClr val="tx1"/>
+                      </a:solidFill>
+                      <a:prstDash val="solid"/>
+                      <a:round/>
+                      <a:headEnd type="none" w="med" len="med"/>
+                      <a:tailEnd type="none" w="med" len="med"/>
+                    </a:lnT>
+                    <a:lnB w="12700" cap="flat" cmpd="sng" algn="ctr">
+                      <a:solidFill>
+                        <a:schemeClr val="tx1"/>
+                      </a:solidFill>
+                      <a:prstDash val="solid"/>
+                      <a:round/>
+                      <a:headEnd type="none" w="med" len="med"/>
+                      <a:tailEnd type="none" w="med" len="med"/>
+                    </a:lnB>
+                    <a:lnTlToBr w="12700" cmpd="sng">
+                      <a:noFill/>
+                      <a:prstDash val="solid"/>
+                    </a:lnTlToBr>
+                    <a:lnBlToTr w="12700" cmpd="sng">
+                      <a:noFill/>
+                      <a:prstDash val="solid"/>
+                    </a:lnBlToTr>
+                    <a:solidFill>
+                      <a:schemeClr val="bg1">
+                        <a:alpha val="72000"/>
+                      </a:schemeClr>
+                    </a:solidFill>
+                  </a:tcPr>
+                </a:tc>
+                <a:tc rowSpan="2">
+                  <a:txBody>
+                    <a:bodyPr/>
+                    <a:lstStyle/>
+                    <a:p>
+                      <a:pPr algn="ctr" latinLnBrk="1"/>
+                      <a:r>
+                        <a:rPr lang="en-US" altLang="ko-KR" sz="1100" b="1">
+                          <a:solidFill>
+                            <a:schemeClr val="tx1"/>
+                          </a:solidFill>
+                          <a:latin typeface="이사만루체 Light" panose="00000300000000000000" pitchFamily="2" charset="-127"/>
+                          <a:ea typeface="이사만루체 Light" panose="00000300000000000000" pitchFamily="2" charset="-127"/>
+                        </a:rPr>
+                        <a:t>50%</a:t>
+                      </a:r>
+                      <a:endParaRPr lang="ko-KR" altLang="en-US" sz="1100" b="1">
+                        <a:solidFill>
+                          <a:schemeClr val="tx1"/>
+                        </a:solidFill>
+                        <a:latin typeface="이사만루체 Light" panose="00000300000000000000" pitchFamily="2" charset="-127"/>
+                        <a:ea typeface="이사만루체 Light" panose="00000300000000000000" pitchFamily="2" charset="-127"/>
+                      </a:endParaRPr>
+                    </a:p>
+                  </a:txBody>
+                  <a:tcPr marL="87012" marR="87012" marT="43506" marB="43506" anchor="ctr">
+                    <a:lnL w="12700" cap="flat" cmpd="sng" algn="ctr">
+                      <a:solidFill>
+                        <a:schemeClr val="tx1"/>
+                      </a:solidFill>
+                      <a:prstDash val="solid"/>
+                      <a:round/>
+                      <a:headEnd type="none" w="med" len="med"/>
+                      <a:tailEnd type="none" w="med" len="med"/>
+                    </a:lnL>
+                    <a:lnR w="12700" cap="flat" cmpd="sng" algn="ctr">
+                      <a:solidFill>
+                        <a:schemeClr val="tx1"/>
+                      </a:solidFill>
+                      <a:prstDash val="solid"/>
+                      <a:round/>
+                      <a:headEnd type="none" w="med" len="med"/>
+                      <a:tailEnd type="none" w="med" len="med"/>
+                    </a:lnR>
+                    <a:lnT w="12700" cap="flat" cmpd="sng" algn="ctr">
+                      <a:solidFill>
+                        <a:schemeClr val="tx1"/>
+                      </a:solidFill>
+                      <a:prstDash val="solid"/>
+                      <a:round/>
+                      <a:headEnd type="none" w="med" len="med"/>
+                      <a:tailEnd type="none" w="med" len="med"/>
+                    </a:lnT>
+                    <a:lnB w="12700" cap="flat" cmpd="sng" algn="ctr">
+                      <a:solidFill>
+                        <a:schemeClr val="tx1"/>
+                      </a:solidFill>
+                      <a:prstDash val="solid"/>
+                      <a:round/>
+                      <a:headEnd type="none" w="med" len="med"/>
+                      <a:tailEnd type="none" w="med" len="med"/>
+                    </a:lnB>
+                    <a:lnTlToBr w="12700" cmpd="sng">
+                      <a:noFill/>
+                      <a:prstDash val="solid"/>
+                    </a:lnTlToBr>
+                    <a:lnBlToTr w="12700" cmpd="sng">
+                      <a:noFill/>
+                      <a:prstDash val="solid"/>
+                    </a:lnBlToTr>
+                    <a:solidFill>
+                      <a:schemeClr val="bg1">
+                        <a:alpha val="72000"/>
+                      </a:schemeClr>
+                    </a:solidFill>
+                  </a:tcPr>
+                </a:tc>
+                <a:extLst>
+                  <a:ext uri="{0D108BD9-81ED-4DB2-BD59-A6C34878D82A}">
+                    <a16:rowId xmlns:a16="http://schemas.microsoft.com/office/drawing/2014/main" val="3073544646"/>
+                  </a:ext>
+                </a:extLst>
+              </a:tr>
+              <a:tr h="539057">
+                <a:tc vMerge="1">
+                  <a:txBody>
+                    <a:bodyPr/>
+                    <a:lstStyle/>
+                    <a:p>
+                      <a:pPr latinLnBrk="1"/>
+                      <a:endParaRPr lang="ko-KR" altLang="en-US"/>
+                    </a:p>
+                  </a:txBody>
+                  <a:tcPr/>
+                </a:tc>
+                <a:tc>
+                  <a:txBody>
+                    <a:bodyPr/>
+                    <a:lstStyle/>
+                    <a:p>
+                      <a:pPr algn="ctr" latinLnBrk="1"/>
+                      <a:r>
+                        <a:rPr lang="ko-KR" altLang="en-US" sz="1100" b="1">
+                          <a:latin typeface="이사만루체 Light" panose="00000300000000000000" pitchFamily="2" charset="-127"/>
+                          <a:ea typeface="이사만루체 Light" panose="00000300000000000000" pitchFamily="2" charset="-127"/>
+                        </a:rPr>
+                        <a:t>결과</a:t>
+                      </a:r>
+                    </a:p>
+                  </a:txBody>
+                  <a:tcPr marL="74990" marR="74990" marT="37495" marB="37495" anchor="ctr">
+                    <a:lnL w="12700" cap="flat" cmpd="sng" algn="ctr">
+                      <a:solidFill>
+                        <a:schemeClr val="tx1"/>
+                      </a:solidFill>
+                      <a:prstDash val="solid"/>
+                      <a:round/>
+                      <a:headEnd type="none" w="med" len="med"/>
+                      <a:tailEnd type="none" w="med" len="med"/>
+                    </a:lnL>
+                    <a:lnR w="12700" cap="flat" cmpd="sng" algn="ctr">
+                      <a:solidFill>
+                        <a:schemeClr val="tx1"/>
+                      </a:solidFill>
+                      <a:prstDash val="solid"/>
+                      <a:round/>
+                      <a:headEnd type="none" w="med" len="med"/>
+                      <a:tailEnd type="none" w="med" len="med"/>
+                    </a:lnR>
+                    <a:lnT w="12700" cap="flat" cmpd="sng" algn="ctr">
+                      <a:solidFill>
+                        <a:schemeClr val="tx1"/>
+                      </a:solidFill>
+                      <a:prstDash val="solid"/>
+                      <a:round/>
+                      <a:headEnd type="none" w="med" len="med"/>
+                      <a:tailEnd type="none" w="med" len="med"/>
+                    </a:lnT>
+                    <a:lnB w="12700" cap="flat" cmpd="sng" algn="ctr">
+                      <a:solidFill>
+                        <a:schemeClr val="tx1"/>
+                      </a:solidFill>
+                      <a:prstDash val="solid"/>
+                      <a:round/>
+                      <a:headEnd type="none" w="med" len="med"/>
+                      <a:tailEnd type="none" w="med" len="med"/>
+                    </a:lnB>
+                    <a:lnTlToBr w="12700" cmpd="sng">
+                      <a:noFill/>
+                      <a:prstDash val="solid"/>
+                    </a:lnTlToBr>
+                    <a:lnBlToTr w="12700" cmpd="sng">
+                      <a:noFill/>
+                      <a:prstDash val="solid"/>
+                    </a:lnBlToTr>
+                  </a:tcPr>
+                </a:tc>
+                <a:tc>
+                  <a:txBody>
+                    <a:bodyPr/>
+                    <a:lstStyle/>
+                    <a:p>
+                      <a:pPr algn="ctr" latinLnBrk="1"/>
+                      <a:r>
+                        <a:rPr lang="ko-KR" altLang="en-US" sz="1100" b="1">
+                          <a:solidFill>
+                            <a:schemeClr val="tx1"/>
+                          </a:solidFill>
+                          <a:latin typeface="이사만루체 Light" panose="00000300000000000000" pitchFamily="2" charset="-127"/>
+                          <a:ea typeface="이사만루체 Light" panose="00000300000000000000" pitchFamily="2" charset="-127"/>
+                        </a:rPr>
+                        <a:t>플레이어가 정해진 구역 밖으로 벗어나지 않도록 구현</a:t>
+                      </a:r>
+                      <a:br>
+                        <a:rPr lang="en-US" altLang="ko-KR" sz="1100" b="1">
+                          <a:solidFill>
+                            <a:schemeClr val="tx1"/>
+                          </a:solidFill>
+                          <a:latin typeface="이사만루체 Light" panose="00000300000000000000" pitchFamily="2" charset="-127"/>
+                          <a:ea typeface="이사만루체 Light" panose="00000300000000000000" pitchFamily="2" charset="-127"/>
+                        </a:rPr>
+                      </a:br>
+                      <a:r>
+                        <a:rPr lang="ko-KR" altLang="en-US" sz="1100" b="1">
+                          <a:solidFill>
+                            <a:schemeClr val="tx1"/>
+                          </a:solidFill>
+                          <a:latin typeface="이사만루체 Light" panose="00000300000000000000" pitchFamily="2" charset="-127"/>
+                          <a:ea typeface="이사만루체 Light" panose="00000300000000000000" pitchFamily="2" charset="-127"/>
+                        </a:rPr>
+                        <a:t>아직 방해물과의 충돌처리 미완성</a:t>
+                      </a:r>
+                    </a:p>
+                  </a:txBody>
+                  <a:tcPr marL="57878" marR="57878" marT="28938" marB="28938" anchor="ctr">
+                    <a:lnL w="12700" cap="flat" cmpd="sng" algn="ctr">
+                      <a:solidFill>
+                        <a:schemeClr val="tx1"/>
+                      </a:solidFill>
+                      <a:prstDash val="solid"/>
+                      <a:round/>
+                      <a:headEnd type="none" w="med" len="med"/>
+                      <a:tailEnd type="none" w="med" len="med"/>
+                    </a:lnL>
+                    <a:lnR w="12700" cap="flat" cmpd="sng" algn="ctr">
+                      <a:solidFill>
+                        <a:schemeClr val="tx1"/>
+                      </a:solidFill>
+                      <a:prstDash val="solid"/>
+                      <a:round/>
+                      <a:headEnd type="none" w="med" len="med"/>
+                      <a:tailEnd type="none" w="med" len="med"/>
+                    </a:lnR>
+                    <a:lnT w="12700" cap="flat" cmpd="sng" algn="ctr">
+                      <a:solidFill>
+                        <a:schemeClr val="tx1"/>
+                      </a:solidFill>
+                      <a:prstDash val="solid"/>
+                      <a:round/>
+                      <a:headEnd type="none" w="med" len="med"/>
+                      <a:tailEnd type="none" w="med" len="med"/>
+                    </a:lnT>
+                    <a:lnB w="12700" cap="flat" cmpd="sng" algn="ctr">
+                      <a:solidFill>
+                        <a:schemeClr val="tx1"/>
+                      </a:solidFill>
+                      <a:prstDash val="solid"/>
+                      <a:round/>
+                      <a:headEnd type="none" w="med" len="med"/>
+                      <a:tailEnd type="none" w="med" len="med"/>
+                    </a:lnB>
+                    <a:lnTlToBr w="12700" cmpd="sng">
+                      <a:noFill/>
+                      <a:prstDash val="solid"/>
+                    </a:lnTlToBr>
+                    <a:lnBlToTr w="12700" cmpd="sng">
+                      <a:noFill/>
+                      <a:prstDash val="solid"/>
+                    </a:lnBlToTr>
+                    <a:solidFill>
+                      <a:schemeClr val="bg1">
+                        <a:alpha val="72000"/>
+                      </a:schemeClr>
+                    </a:solidFill>
+                  </a:tcPr>
+                </a:tc>
+                <a:tc vMerge="1">
+                  <a:txBody>
+                    <a:bodyPr/>
+                    <a:lstStyle/>
+                    <a:p>
+                      <a:pPr latinLnBrk="1"/>
+                      <a:endParaRPr lang="ko-KR" altLang="en-US"/>
+                    </a:p>
+                  </a:txBody>
+                  <a:tcPr/>
+                </a:tc>
+                <a:extLst>
+                  <a:ext uri="{0D108BD9-81ED-4DB2-BD59-A6C34878D82A}">
+                    <a16:rowId xmlns:a16="http://schemas.microsoft.com/office/drawing/2014/main" val="3973959917"/>
+                  </a:ext>
+                </a:extLst>
+              </a:tr>
+              <a:tr h="407830">
+                <a:tc rowSpan="2">
+                  <a:txBody>
+                    <a:bodyPr/>
+                    <a:lstStyle/>
+                    <a:p>
+                      <a:pPr algn="ctr" latinLnBrk="1"/>
+                      <a:r>
+                        <a:rPr lang="en-US" altLang="ko-KR" sz="1100">
+                          <a:solidFill>
+                            <a:schemeClr val="tx1"/>
+                          </a:solidFill>
+                          <a:latin typeface="스스로넷 설립체" panose="00000500000000000000" pitchFamily="2" charset="-127"/>
+                          <a:ea typeface="스스로넷 설립체" panose="00000500000000000000" pitchFamily="2" charset="-127"/>
+                        </a:rPr>
+                        <a:t>4</a:t>
+                      </a:r>
+                      <a:r>
+                        <a:rPr lang="ko-KR" altLang="en-US" sz="1100">
+                          <a:solidFill>
+                            <a:schemeClr val="tx1"/>
+                          </a:solidFill>
+                          <a:latin typeface="스스로넷 설립체" panose="00000500000000000000" pitchFamily="2" charset="-127"/>
+                          <a:ea typeface="스스로넷 설립체" panose="00000500000000000000" pitchFamily="2" charset="-127"/>
+                        </a:rPr>
+                        <a:t>주차</a:t>
+                      </a:r>
+                    </a:p>
+                  </a:txBody>
+                  <a:tcPr marL="87012" marR="87012" marT="43506" marB="43506" anchor="ctr">
+                    <a:lnL w="12700" cap="flat" cmpd="sng" algn="ctr">
+                      <a:solidFill>
+                        <a:schemeClr val="tx1"/>
+                      </a:solidFill>
+                      <a:prstDash val="solid"/>
+                      <a:round/>
+                      <a:headEnd type="none" w="med" len="med"/>
+                      <a:tailEnd type="none" w="med" len="med"/>
+                    </a:lnL>
+                    <a:lnR w="12700" cap="flat" cmpd="sng" algn="ctr">
+                      <a:solidFill>
+                        <a:schemeClr val="tx1"/>
+                      </a:solidFill>
+                      <a:prstDash val="solid"/>
+                      <a:round/>
+                      <a:headEnd type="none" w="med" len="med"/>
+                      <a:tailEnd type="none" w="med" len="med"/>
+                    </a:lnR>
+                    <a:lnT w="12700" cap="flat" cmpd="sng" algn="ctr">
+                      <a:solidFill>
+                        <a:schemeClr val="tx1"/>
+                      </a:solidFill>
+                      <a:prstDash val="solid"/>
+                      <a:round/>
+                      <a:headEnd type="none" w="med" len="med"/>
+                      <a:tailEnd type="none" w="med" len="med"/>
+                    </a:lnT>
+                    <a:lnB w="12700" cap="flat" cmpd="sng" algn="ctr">
+                      <a:solidFill>
+                        <a:schemeClr val="tx1"/>
+                      </a:solidFill>
+                      <a:prstDash val="solid"/>
+                      <a:round/>
+                      <a:headEnd type="none" w="med" len="med"/>
+                      <a:tailEnd type="none" w="med" len="med"/>
+                    </a:lnB>
+                    <a:lnTlToBr w="12700" cmpd="sng">
+                      <a:noFill/>
+                      <a:prstDash val="solid"/>
+                    </a:lnTlToBr>
+                    <a:lnBlToTr w="12700" cmpd="sng">
+                      <a:noFill/>
+                      <a:prstDash val="solid"/>
+                    </a:lnBlToTr>
+                    <a:solidFill>
+                      <a:schemeClr val="bg1">
+                        <a:alpha val="72000"/>
+                      </a:schemeClr>
+                    </a:solidFill>
+                  </a:tcPr>
+                </a:tc>
+                <a:tc>
+                  <a:txBody>
+                    <a:bodyPr/>
+                    <a:lstStyle/>
+                    <a:p>
+                      <a:pPr algn="ctr" latinLnBrk="1"/>
+                      <a:r>
+                        <a:rPr lang="ko-KR" altLang="en-US" sz="1100" b="1">
+                          <a:solidFill>
+                            <a:schemeClr val="tx1"/>
+                          </a:solidFill>
+                          <a:latin typeface="이사만루체 Light" panose="00000300000000000000" pitchFamily="2" charset="-127"/>
+                          <a:ea typeface="이사만루체 Light" panose="00000300000000000000" pitchFamily="2" charset="-127"/>
+                        </a:rPr>
+                        <a:t>계획</a:t>
+                      </a:r>
+                    </a:p>
+                  </a:txBody>
+                  <a:tcPr marL="57878" marR="57878" marT="28938" marB="28938" anchor="ctr">
+                    <a:lnL w="12700" cap="flat" cmpd="sng" algn="ctr">
+                      <a:solidFill>
+                        <a:schemeClr val="tx1"/>
+                      </a:solidFill>
+                      <a:prstDash val="solid"/>
+                      <a:round/>
+                      <a:headEnd type="none" w="med" len="med"/>
+                      <a:tailEnd type="none" w="med" len="med"/>
+                    </a:lnL>
+                    <a:lnR w="12700" cap="flat" cmpd="sng" algn="ctr">
+                      <a:solidFill>
+                        <a:schemeClr val="tx1"/>
+                      </a:solidFill>
+                      <a:prstDash val="solid"/>
+                      <a:round/>
+                      <a:headEnd type="none" w="med" len="med"/>
+                      <a:tailEnd type="none" w="med" len="med"/>
+                    </a:lnR>
+                    <a:lnT w="12700" cap="flat" cmpd="sng" algn="ctr">
+                      <a:solidFill>
+                        <a:schemeClr val="tx1"/>
+                      </a:solidFill>
+                      <a:prstDash val="solid"/>
+                      <a:round/>
+                      <a:headEnd type="none" w="med" len="med"/>
+                      <a:tailEnd type="none" w="med" len="med"/>
+                    </a:lnT>
+                    <a:lnB w="12700" cap="flat" cmpd="sng" algn="ctr">
+                      <a:solidFill>
+                        <a:schemeClr val="tx1"/>
+                      </a:solidFill>
+                      <a:prstDash val="solid"/>
+                      <a:round/>
+                      <a:headEnd type="none" w="med" len="med"/>
+                      <a:tailEnd type="none" w="med" len="med"/>
+                    </a:lnB>
+                    <a:lnTlToBr w="12700" cmpd="sng">
+                      <a:noFill/>
+                      <a:prstDash val="solid"/>
+                    </a:lnTlToBr>
+                    <a:lnBlToTr w="12700" cmpd="sng">
+                      <a:noFill/>
+                      <a:prstDash val="solid"/>
+                    </a:lnBlToTr>
+                    <a:solidFill>
+                      <a:schemeClr val="bg1">
+                        <a:alpha val="72000"/>
+                      </a:schemeClr>
+                    </a:solidFill>
+                  </a:tcPr>
+                </a:tc>
+                <a:tc>
+                  <a:txBody>
+                    <a:bodyPr/>
+                    <a:lstStyle/>
+                    <a:p>
+                      <a:pPr algn="ctr" latinLnBrk="1"/>
+                      <a:r>
+                        <a:rPr lang="ko-KR" altLang="en-US" sz="1100" b="1">
+                          <a:solidFill>
+                            <a:schemeClr val="tx1"/>
+                          </a:solidFill>
+                          <a:latin typeface="이사만루체 Light" panose="00000300000000000000" pitchFamily="2" charset="-127"/>
+                          <a:ea typeface="이사만루체 Light" panose="00000300000000000000" pitchFamily="2" charset="-127"/>
+                        </a:rPr>
+                        <a:t>타이틀 씬</a:t>
+                      </a:r>
+                      <a:r>
+                        <a:rPr lang="en-US" altLang="ko-KR" sz="1100" b="1">
+                          <a:solidFill>
+                            <a:schemeClr val="tx1"/>
+                          </a:solidFill>
+                          <a:latin typeface="이사만루체 Light" panose="00000300000000000000" pitchFamily="2" charset="-127"/>
+                          <a:ea typeface="이사만루체 Light" panose="00000300000000000000" pitchFamily="2" charset="-127"/>
+                        </a:rPr>
+                        <a:t>, </a:t>
+                      </a:r>
+                      <a:r>
+                        <a:rPr lang="ko-KR" altLang="en-US" sz="1100" b="1">
+                          <a:solidFill>
+                            <a:schemeClr val="tx1"/>
+                          </a:solidFill>
+                          <a:latin typeface="이사만루체 Light" panose="00000300000000000000" pitchFamily="2" charset="-127"/>
+                          <a:ea typeface="이사만루체 Light" panose="00000300000000000000" pitchFamily="2" charset="-127"/>
+                        </a:rPr>
+                        <a:t>메뉴 씬 및 게임 프레임워크 구현</a:t>
+                      </a:r>
+                    </a:p>
+                  </a:txBody>
+                  <a:tcPr marL="57878" marR="57878" marT="28938" marB="28938" anchor="ctr">
+                    <a:lnL w="12700" cap="flat" cmpd="sng" algn="ctr">
+                      <a:solidFill>
+                        <a:schemeClr val="tx1"/>
+                      </a:solidFill>
+                      <a:prstDash val="solid"/>
+                      <a:round/>
+                      <a:headEnd type="none" w="med" len="med"/>
+                      <a:tailEnd type="none" w="med" len="med"/>
+                    </a:lnL>
+                    <a:lnR w="12700" cap="flat" cmpd="sng" algn="ctr">
+                      <a:solidFill>
+                        <a:schemeClr val="tx1"/>
+                      </a:solidFill>
+                      <a:prstDash val="solid"/>
+                      <a:round/>
+                      <a:headEnd type="none" w="med" len="med"/>
+                      <a:tailEnd type="none" w="med" len="med"/>
+                    </a:lnR>
+                    <a:lnT w="12700" cap="flat" cmpd="sng" algn="ctr">
+                      <a:solidFill>
+                        <a:schemeClr val="tx1"/>
+                      </a:solidFill>
+                      <a:prstDash val="solid"/>
+                      <a:round/>
+                      <a:headEnd type="none" w="med" len="med"/>
+                      <a:tailEnd type="none" w="med" len="med"/>
+                    </a:lnT>
+                    <a:lnB w="12700" cap="flat" cmpd="sng" algn="ctr">
+                      <a:solidFill>
+                        <a:schemeClr val="tx1"/>
+                      </a:solidFill>
+                      <a:prstDash val="solid"/>
+                      <a:round/>
+                      <a:headEnd type="none" w="med" len="med"/>
+                      <a:tailEnd type="none" w="med" len="med"/>
+                    </a:lnB>
+                    <a:lnTlToBr w="12700" cmpd="sng">
+                      <a:noFill/>
+                      <a:prstDash val="solid"/>
+                    </a:lnTlToBr>
+                    <a:lnBlToTr w="12700" cmpd="sng">
+                      <a:noFill/>
+                      <a:prstDash val="solid"/>
+                    </a:lnBlToTr>
+                    <a:solidFill>
+                      <a:schemeClr val="bg1">
+                        <a:alpha val="72000"/>
+                      </a:schemeClr>
+                    </a:solidFill>
+                  </a:tcPr>
+                </a:tc>
+                <a:tc rowSpan="2">
+                  <a:txBody>
+                    <a:bodyPr/>
+                    <a:lstStyle/>
+                    <a:p>
+                      <a:pPr algn="ctr" latinLnBrk="1"/>
+                      <a:r>
+                        <a:rPr lang="en-US" altLang="ko-KR" sz="1100" b="1">
+                          <a:solidFill>
+                            <a:schemeClr val="tx1"/>
+                          </a:solidFill>
+                          <a:latin typeface="이사만루체 Light" panose="00000300000000000000" pitchFamily="2" charset="-127"/>
+                          <a:ea typeface="이사만루체 Light" panose="00000300000000000000" pitchFamily="2" charset="-127"/>
+                        </a:rPr>
+                        <a:t>90%</a:t>
+                      </a:r>
+                      <a:endParaRPr lang="ko-KR" altLang="en-US" sz="1100" b="1">
+                        <a:solidFill>
+                          <a:schemeClr val="tx1"/>
+                        </a:solidFill>
+                        <a:latin typeface="이사만루체 Light" panose="00000300000000000000" pitchFamily="2" charset="-127"/>
+                        <a:ea typeface="이사만루체 Light" panose="00000300000000000000" pitchFamily="2" charset="-127"/>
+                      </a:endParaRPr>
+                    </a:p>
+                  </a:txBody>
+                  <a:tcPr marL="87012" marR="87012" marT="43506" marB="43506" anchor="ctr">
+                    <a:lnL w="12700" cap="flat" cmpd="sng" algn="ctr">
+                      <a:solidFill>
+                        <a:schemeClr val="tx1"/>
+                      </a:solidFill>
+                      <a:prstDash val="solid"/>
+                      <a:round/>
+                      <a:headEnd type="none" w="med" len="med"/>
+                      <a:tailEnd type="none" w="med" len="med"/>
+                    </a:lnL>
+                    <a:lnR w="12700" cap="flat" cmpd="sng" algn="ctr">
+                      <a:solidFill>
+                        <a:schemeClr val="tx1"/>
+                      </a:solidFill>
+                      <a:prstDash val="solid"/>
+                      <a:round/>
+                      <a:headEnd type="none" w="med" len="med"/>
+                      <a:tailEnd type="none" w="med" len="med"/>
+                    </a:lnR>
+                    <a:lnT w="12700" cap="flat" cmpd="sng" algn="ctr">
+                      <a:solidFill>
+                        <a:schemeClr val="tx1"/>
+                      </a:solidFill>
+                      <a:prstDash val="solid"/>
+                      <a:round/>
+                      <a:headEnd type="none" w="med" len="med"/>
+                      <a:tailEnd type="none" w="med" len="med"/>
+                    </a:lnT>
+                    <a:lnB w="12700" cap="flat" cmpd="sng" algn="ctr">
+                      <a:solidFill>
+                        <a:schemeClr val="tx1"/>
+                      </a:solidFill>
+                      <a:prstDash val="solid"/>
+                      <a:round/>
+                      <a:headEnd type="none" w="med" len="med"/>
+                      <a:tailEnd type="none" w="med" len="med"/>
+                    </a:lnB>
+                    <a:lnTlToBr w="12700" cmpd="sng">
+                      <a:noFill/>
+                      <a:prstDash val="solid"/>
+                    </a:lnTlToBr>
+                    <a:lnBlToTr w="12700" cmpd="sng">
+                      <a:noFill/>
+                      <a:prstDash val="solid"/>
+                    </a:lnBlToTr>
+                    <a:solidFill>
+                      <a:schemeClr val="bg1">
+                        <a:alpha val="72000"/>
+                      </a:schemeClr>
+                    </a:solidFill>
+                  </a:tcPr>
+                </a:tc>
+                <a:extLst>
+                  <a:ext uri="{0D108BD9-81ED-4DB2-BD59-A6C34878D82A}">
+                    <a16:rowId xmlns:a16="http://schemas.microsoft.com/office/drawing/2014/main" val="3066327540"/>
+                  </a:ext>
+                </a:extLst>
+              </a:tr>
+              <a:tr h="539057">
+                <a:tc vMerge="1">
+                  <a:txBody>
+                    <a:bodyPr/>
+                    <a:lstStyle/>
+                    <a:p>
+                      <a:pPr latinLnBrk="1"/>
+                      <a:endParaRPr lang="ko-KR" altLang="en-US"/>
+                    </a:p>
+                  </a:txBody>
+                  <a:tcPr/>
+                </a:tc>
+                <a:tc>
+                  <a:txBody>
+                    <a:bodyPr/>
+                    <a:lstStyle/>
+                    <a:p>
+                      <a:pPr algn="ctr" latinLnBrk="1"/>
+                      <a:r>
+                        <a:rPr lang="ko-KR" altLang="en-US" sz="1100" b="1">
+                          <a:latin typeface="이사만루체 Light" panose="00000300000000000000" pitchFamily="2" charset="-127"/>
+                          <a:ea typeface="이사만루체 Light" panose="00000300000000000000" pitchFamily="2" charset="-127"/>
+                        </a:rPr>
+                        <a:t>결과</a:t>
+                      </a:r>
+                    </a:p>
+                  </a:txBody>
+                  <a:tcPr marL="74990" marR="74990" marT="37495" marB="37495" anchor="ctr">
+                    <a:lnL w="12700" cap="flat" cmpd="sng" algn="ctr">
+                      <a:solidFill>
+                        <a:schemeClr val="tx1"/>
+                      </a:solidFill>
+                      <a:prstDash val="solid"/>
+                      <a:round/>
+                      <a:headEnd type="none" w="med" len="med"/>
+                      <a:tailEnd type="none" w="med" len="med"/>
+                    </a:lnL>
+                    <a:lnR w="12700" cap="flat" cmpd="sng" algn="ctr">
+                      <a:solidFill>
+                        <a:schemeClr val="tx1"/>
+                      </a:solidFill>
+                      <a:prstDash val="solid"/>
+                      <a:round/>
+                      <a:headEnd type="none" w="med" len="med"/>
+                      <a:tailEnd type="none" w="med" len="med"/>
+                    </a:lnR>
+                    <a:lnT w="12700" cap="flat" cmpd="sng" algn="ctr">
+                      <a:solidFill>
+                        <a:schemeClr val="tx1"/>
+                      </a:solidFill>
+                      <a:prstDash val="solid"/>
+                      <a:round/>
+                      <a:headEnd type="none" w="med" len="med"/>
+                      <a:tailEnd type="none" w="med" len="med"/>
+                    </a:lnT>
+                    <a:lnB w="12700" cap="flat" cmpd="sng" algn="ctr">
+                      <a:solidFill>
+                        <a:schemeClr val="tx1"/>
+                      </a:solidFill>
+                      <a:prstDash val="solid"/>
+                      <a:round/>
+                      <a:headEnd type="none" w="med" len="med"/>
+                      <a:tailEnd type="none" w="med" len="med"/>
+                    </a:lnB>
+                    <a:lnTlToBr w="12700" cmpd="sng">
+                      <a:noFill/>
+                      <a:prstDash val="solid"/>
+                    </a:lnTlToBr>
+                    <a:lnBlToTr w="12700" cmpd="sng">
+                      <a:noFill/>
+                      <a:prstDash val="solid"/>
+                    </a:lnBlToTr>
+                  </a:tcPr>
+                </a:tc>
+                <a:tc>
+                  <a:txBody>
+                    <a:bodyPr/>
+                    <a:lstStyle/>
+                    <a:p>
+                      <a:pPr algn="ctr" latinLnBrk="1"/>
+                      <a:r>
+                        <a:rPr lang="ko-KR" altLang="en-US" sz="1100" b="1">
+                          <a:solidFill>
+                            <a:schemeClr val="tx1"/>
+                          </a:solidFill>
+                          <a:latin typeface="이사만루체 Light" panose="00000300000000000000" pitchFamily="2" charset="-127"/>
+                          <a:ea typeface="이사만루체 Light" panose="00000300000000000000" pitchFamily="2" charset="-127"/>
+                        </a:rPr>
+                        <a:t>각 게임모드 구현 완료</a:t>
+                      </a:r>
+                      <a:r>
+                        <a:rPr lang="en-US" altLang="ko-KR" sz="1100" b="1">
+                          <a:solidFill>
+                            <a:schemeClr val="tx1"/>
+                          </a:solidFill>
+                          <a:latin typeface="이사만루체 Light" panose="00000300000000000000" pitchFamily="2" charset="-127"/>
+                          <a:ea typeface="이사만루체 Light" panose="00000300000000000000" pitchFamily="2" charset="-127"/>
+                        </a:rPr>
+                        <a:t>, ESC</a:t>
+                      </a:r>
+                      <a:r>
+                        <a:rPr lang="ko-KR" altLang="en-US" sz="1100" b="1">
+                          <a:solidFill>
+                            <a:schemeClr val="tx1"/>
+                          </a:solidFill>
+                          <a:latin typeface="이사만루체 Light" panose="00000300000000000000" pitchFamily="2" charset="-127"/>
+                          <a:ea typeface="이사만루체 Light" panose="00000300000000000000" pitchFamily="2" charset="-127"/>
+                        </a:rPr>
+                        <a:t>키로 모드 간 이동 가능</a:t>
+                      </a:r>
+                      <a:endParaRPr lang="en-US" altLang="ko-KR" sz="1100" b="1">
+                        <a:solidFill>
+                          <a:schemeClr val="tx1"/>
+                        </a:solidFill>
+                        <a:latin typeface="이사만루체 Light" panose="00000300000000000000" pitchFamily="2" charset="-127"/>
+                        <a:ea typeface="이사만루체 Light" panose="00000300000000000000" pitchFamily="2" charset="-127"/>
+                      </a:endParaRPr>
+                    </a:p>
+                    <a:p>
+                      <a:pPr algn="ctr" latinLnBrk="1"/>
+                      <a:r>
+                        <a:rPr lang="ko-KR" altLang="en-US" sz="1100" b="1">
+                          <a:solidFill>
+                            <a:schemeClr val="tx1"/>
+                          </a:solidFill>
+                          <a:latin typeface="이사만루체 Light" panose="00000300000000000000" pitchFamily="2" charset="-127"/>
+                          <a:ea typeface="이사만루체 Light" panose="00000300000000000000" pitchFamily="2" charset="-127"/>
+                        </a:rPr>
+                        <a:t>저장 등 기능 추가 시 메뉴에도 기능 추가 예정 </a:t>
+                      </a:r>
+                      <a:r>
+                        <a:rPr lang="en-US" altLang="ko-KR" sz="1100" b="1">
+                          <a:solidFill>
+                            <a:schemeClr val="tx1"/>
+                          </a:solidFill>
+                          <a:latin typeface="이사만루체 Light" panose="00000300000000000000" pitchFamily="2" charset="-127"/>
+                          <a:ea typeface="이사만루체 Light" panose="00000300000000000000" pitchFamily="2" charset="-127"/>
+                        </a:rPr>
+                        <a:t>(</a:t>
+                      </a:r>
+                      <a:r>
+                        <a:rPr lang="ko-KR" altLang="en-US" sz="1100" b="1">
+                          <a:solidFill>
+                            <a:schemeClr val="tx1"/>
+                          </a:solidFill>
+                          <a:latin typeface="이사만루체 Light" panose="00000300000000000000" pitchFamily="2" charset="-127"/>
+                          <a:ea typeface="이사만루체 Light" panose="00000300000000000000" pitchFamily="2" charset="-127"/>
+                        </a:rPr>
+                        <a:t>코인 표시</a:t>
+                      </a:r>
+                      <a:r>
+                        <a:rPr lang="en-US" altLang="ko-KR" sz="1100" b="1">
+                          <a:solidFill>
+                            <a:schemeClr val="tx1"/>
+                          </a:solidFill>
+                          <a:latin typeface="이사만루체 Light" panose="00000300000000000000" pitchFamily="2" charset="-127"/>
+                          <a:ea typeface="이사만루체 Light" panose="00000300000000000000" pitchFamily="2" charset="-127"/>
+                        </a:rPr>
+                        <a:t>, </a:t>
+                      </a:r>
+                      <a:r>
+                        <a:rPr lang="ko-KR" altLang="en-US" sz="1100" b="1">
+                          <a:solidFill>
+                            <a:schemeClr val="tx1"/>
+                          </a:solidFill>
+                          <a:latin typeface="이사만루체 Light" panose="00000300000000000000" pitchFamily="2" charset="-127"/>
+                          <a:ea typeface="이사만루체 Light" panose="00000300000000000000" pitchFamily="2" charset="-127"/>
+                        </a:rPr>
+                        <a:t>상점 등</a:t>
+                      </a:r>
+                      <a:r>
+                        <a:rPr lang="en-US" altLang="ko-KR" sz="1100" b="1">
+                          <a:solidFill>
+                            <a:schemeClr val="tx1"/>
+                          </a:solidFill>
+                          <a:latin typeface="이사만루체 Light" panose="00000300000000000000" pitchFamily="2" charset="-127"/>
+                          <a:ea typeface="이사만루체 Light" panose="00000300000000000000" pitchFamily="2" charset="-127"/>
+                        </a:rPr>
+                        <a:t>)</a:t>
+                      </a:r>
+                      <a:endParaRPr lang="ko-KR" altLang="en-US" sz="1100" b="1">
+                        <a:solidFill>
+                          <a:schemeClr val="tx1"/>
+                        </a:solidFill>
+                        <a:latin typeface="이사만루체 Light" panose="00000300000000000000" pitchFamily="2" charset="-127"/>
+                        <a:ea typeface="이사만루체 Light" panose="00000300000000000000" pitchFamily="2" charset="-127"/>
+                      </a:endParaRPr>
+                    </a:p>
+                  </a:txBody>
+                  <a:tcPr marL="57878" marR="57878" marT="28938" marB="28938" anchor="ctr">
+                    <a:lnL w="12700" cap="flat" cmpd="sng" algn="ctr">
+                      <a:solidFill>
+                        <a:schemeClr val="tx1"/>
+                      </a:solidFill>
+                      <a:prstDash val="solid"/>
+                      <a:round/>
+                      <a:headEnd type="none" w="med" len="med"/>
+                      <a:tailEnd type="none" w="med" len="med"/>
+                    </a:lnL>
+                    <a:lnR w="12700" cap="flat" cmpd="sng" algn="ctr">
+                      <a:solidFill>
+                        <a:schemeClr val="tx1"/>
+                      </a:solidFill>
+                      <a:prstDash val="solid"/>
+                      <a:round/>
+                      <a:headEnd type="none" w="med" len="med"/>
+                      <a:tailEnd type="none" w="med" len="med"/>
+                    </a:lnR>
+                    <a:lnT w="12700" cap="flat" cmpd="sng" algn="ctr">
+                      <a:solidFill>
+                        <a:schemeClr val="tx1"/>
+                      </a:solidFill>
+                      <a:prstDash val="solid"/>
+                      <a:round/>
+                      <a:headEnd type="none" w="med" len="med"/>
+                      <a:tailEnd type="none" w="med" len="med"/>
+                    </a:lnT>
+                    <a:lnB w="12700" cap="flat" cmpd="sng" algn="ctr">
+                      <a:solidFill>
+                        <a:schemeClr val="tx1"/>
+                      </a:solidFill>
+                      <a:prstDash val="solid"/>
+                      <a:round/>
+                      <a:headEnd type="none" w="med" len="med"/>
+                      <a:tailEnd type="none" w="med" len="med"/>
+                    </a:lnB>
+                    <a:lnTlToBr w="12700" cmpd="sng">
+                      <a:noFill/>
+                      <a:prstDash val="solid"/>
+                    </a:lnTlToBr>
+                    <a:lnBlToTr w="12700" cmpd="sng">
+                      <a:noFill/>
+                      <a:prstDash val="solid"/>
+                    </a:lnBlToTr>
+                    <a:solidFill>
+                      <a:schemeClr val="bg1">
+                        <a:alpha val="72000"/>
+                      </a:schemeClr>
+                    </a:solidFill>
+                  </a:tcPr>
+                </a:tc>
+                <a:tc vMerge="1">
+                  <a:txBody>
+                    <a:bodyPr/>
+                    <a:lstStyle/>
+                    <a:p>
+                      <a:pPr latinLnBrk="1"/>
+                      <a:endParaRPr lang="ko-KR" altLang="en-US"/>
+                    </a:p>
+                  </a:txBody>
+                  <a:tcPr/>
+                </a:tc>
+                <a:extLst>
+                  <a:ext uri="{0D108BD9-81ED-4DB2-BD59-A6C34878D82A}">
+                    <a16:rowId xmlns:a16="http://schemas.microsoft.com/office/drawing/2014/main" val="276670287"/>
+                  </a:ext>
+                </a:extLst>
+              </a:tr>
+            </a:tbl>
+          </a:graphicData>
+        </a:graphic>
+      </p:graphicFrame>
     </p:spTree>
     <p:extLst>
       <p:ext uri="{BB962C8B-B14F-4D97-AF65-F5344CB8AC3E}">
-        <p14:creationId xmlns:p14="http://schemas.microsoft.com/office/powerpoint/2010/main" val="2317375212"/>
+        <p14:creationId xmlns:p14="http://schemas.microsoft.com/office/powerpoint/2010/main" val="2808018963"/>
       </p:ext>
     </p:extLst>
   </p:cSld>
@@ -4702,7 +7069,7 @@
                 <a:latin typeface="스스로넷 설립체" panose="00000500000000000000" pitchFamily="2" charset="-127"/>
                 <a:ea typeface="스스로넷 설립체" panose="00000500000000000000" pitchFamily="2" charset="-127"/>
               </a:rPr>
-              <a:t>개발 계획 수정</a:t>
+              <a:t>개발 진행 상황</a:t>
             </a:r>
             <a:endParaRPr lang="en-US" altLang="ko-KR" sz="2000">
               <a:ln w="12700">
@@ -4718,159 +7085,6 @@
                 <a:spcPct val="150000"/>
               </a:lnSpc>
             </a:pPr>
-            <a:endParaRPr lang="en-US" altLang="ko-KR" sz="2000">
-              <a:ln w="12700">
-                <a:noFill/>
-              </a:ln>
-              <a:latin typeface="스스로넷 설립체" panose="00000500000000000000" pitchFamily="2" charset="-127"/>
-              <a:ea typeface="스스로넷 설립체" panose="00000500000000000000" pitchFamily="2" charset="-127"/>
-            </a:endParaRPr>
-          </a:p>
-          <a:p>
-            <a:pPr algn="ctr">
-              <a:lnSpc>
-                <a:spcPct val="150000"/>
-              </a:lnSpc>
-            </a:pPr>
-            <a:r>
-              <a:rPr lang="ko-KR" altLang="en-US" sz="2000">
-                <a:ln w="12700">
-                  <a:noFill/>
-                </a:ln>
-                <a:latin typeface="스스로넷 설립체" panose="00000500000000000000" pitchFamily="2" charset="-127"/>
-                <a:ea typeface="스스로넷 설립체" panose="00000500000000000000" pitchFamily="2" charset="-127"/>
-              </a:rPr>
-              <a:t>이름</a:t>
-            </a:r>
-            <a:r>
-              <a:rPr lang="en-US" altLang="ko-KR" sz="2000">
-                <a:ln w="12700">
-                  <a:noFill/>
-                </a:ln>
-                <a:latin typeface="스스로넷 설립체" panose="00000500000000000000" pitchFamily="2" charset="-127"/>
-                <a:ea typeface="스스로넷 설립체" panose="00000500000000000000" pitchFamily="2" charset="-127"/>
-              </a:rPr>
-              <a:t>: Pixel Jones</a:t>
-            </a:r>
-          </a:p>
-          <a:p>
-            <a:pPr algn="ctr">
-              <a:lnSpc>
-                <a:spcPct val="150000"/>
-              </a:lnSpc>
-            </a:pPr>
-            <a:r>
-              <a:rPr lang="ko-KR" altLang="en-US" sz="2000">
-                <a:ln w="12700">
-                  <a:noFill/>
-                </a:ln>
-                <a:latin typeface="스스로넷 설립체" panose="00000500000000000000" pitchFamily="2" charset="-127"/>
-                <a:ea typeface="스스로넷 설립체" panose="00000500000000000000" pitchFamily="2" charset="-127"/>
-              </a:rPr>
-              <a:t>장르</a:t>
-            </a:r>
-            <a:r>
-              <a:rPr lang="en-US" altLang="ko-KR" sz="2000">
-                <a:ln w="12700">
-                  <a:noFill/>
-                </a:ln>
-                <a:latin typeface="스스로넷 설립체" panose="00000500000000000000" pitchFamily="2" charset="-127"/>
-                <a:ea typeface="스스로넷 설립체" panose="00000500000000000000" pitchFamily="2" charset="-127"/>
-              </a:rPr>
-              <a:t>: 2D </a:t>
-            </a:r>
-            <a:r>
-              <a:rPr lang="ko-KR" altLang="en-US" sz="2000">
-                <a:ln w="12700">
-                  <a:noFill/>
-                </a:ln>
-                <a:latin typeface="스스로넷 설립체" panose="00000500000000000000" pitchFamily="2" charset="-127"/>
-                <a:ea typeface="스스로넷 설립체" panose="00000500000000000000" pitchFamily="2" charset="-127"/>
-              </a:rPr>
-              <a:t>러닝 </a:t>
-            </a:r>
-            <a:r>
-              <a:rPr lang="en-US" altLang="ko-KR" sz="2000">
-                <a:ln w="12700">
-                  <a:noFill/>
-                </a:ln>
-                <a:latin typeface="스스로넷 설립체" panose="00000500000000000000" pitchFamily="2" charset="-127"/>
-                <a:ea typeface="스스로넷 설립체" panose="00000500000000000000" pitchFamily="2" charset="-127"/>
-              </a:rPr>
-              <a:t>&amp; </a:t>
-            </a:r>
-            <a:r>
-              <a:rPr lang="ko-KR" altLang="en-US" sz="2000">
-                <a:ln w="12700">
-                  <a:noFill/>
-                </a:ln>
-                <a:latin typeface="스스로넷 설립체" panose="00000500000000000000" pitchFamily="2" charset="-127"/>
-                <a:ea typeface="스스로넷 설립체" panose="00000500000000000000" pitchFamily="2" charset="-127"/>
-              </a:rPr>
-              <a:t>액션</a:t>
-            </a:r>
-            <a:endParaRPr lang="en-US" altLang="ko-KR" sz="2000">
-              <a:ln w="12700">
-                <a:noFill/>
-              </a:ln>
-              <a:latin typeface="스스로넷 설립체" panose="00000500000000000000" pitchFamily="2" charset="-127"/>
-              <a:ea typeface="스스로넷 설립체" panose="00000500000000000000" pitchFamily="2" charset="-127"/>
-            </a:endParaRPr>
-          </a:p>
-          <a:p>
-            <a:pPr algn="ctr">
-              <a:lnSpc>
-                <a:spcPct val="150000"/>
-              </a:lnSpc>
-            </a:pPr>
-            <a:endParaRPr lang="en-US" altLang="ko-KR" sz="2000">
-              <a:ln w="12700">
-                <a:noFill/>
-              </a:ln>
-              <a:latin typeface="스스로넷 설립체" panose="00000500000000000000" pitchFamily="2" charset="-127"/>
-              <a:ea typeface="스스로넷 설립체" panose="00000500000000000000" pitchFamily="2" charset="-127"/>
-            </a:endParaRPr>
-          </a:p>
-          <a:p>
-            <a:pPr algn="ctr">
-              <a:lnSpc>
-                <a:spcPct val="150000"/>
-              </a:lnSpc>
-            </a:pPr>
-            <a:r>
-              <a:rPr lang="ko-KR" altLang="en-US" sz="2000">
-                <a:ln w="12700">
-                  <a:noFill/>
-                </a:ln>
-                <a:latin typeface="스스로넷 설립체" panose="00000500000000000000" pitchFamily="2" charset="-127"/>
-                <a:ea typeface="스스로넷 설립체" panose="00000500000000000000" pitchFamily="2" charset="-127"/>
-              </a:rPr>
-              <a:t>맵 곳곳에 설치된 구조물을 피하며 </a:t>
-            </a:r>
-            <a:endParaRPr lang="en-US" altLang="ko-KR" sz="2000">
-              <a:ln w="12700">
-                <a:noFill/>
-              </a:ln>
-              <a:latin typeface="스스로넷 설립체" panose="00000500000000000000" pitchFamily="2" charset="-127"/>
-              <a:ea typeface="스스로넷 설립체" panose="00000500000000000000" pitchFamily="2" charset="-127"/>
-            </a:endParaRPr>
-          </a:p>
-          <a:p>
-            <a:pPr algn="ctr">
-              <a:lnSpc>
-                <a:spcPct val="150000"/>
-              </a:lnSpc>
-            </a:pPr>
-            <a:r>
-              <a:rPr lang="ko-KR" altLang="en-US" sz="2000">
-                <a:ln w="12700">
-                  <a:noFill/>
-                </a:ln>
-                <a:latin typeface="스스로넷 설립체" panose="00000500000000000000" pitchFamily="2" charset="-127"/>
-                <a:ea typeface="스스로넷 설립체" panose="00000500000000000000" pitchFamily="2" charset="-127"/>
-              </a:rPr>
-              <a:t>최종 보스를 물리치고 보물을 획득하는 게임</a:t>
-            </a:r>
             <a:endParaRPr lang="en-US" altLang="ko-KR" sz="2000">
               <a:ln w="12700">
                 <a:noFill/>
@@ -5061,10 +7275,795 @@
           </a:prstGeom>
         </p:spPr>
       </p:pic>
+      <p:graphicFrame>
+        <p:nvGraphicFramePr>
+          <p:cNvPr id="7" name="표 6">
+            <a:extLst>
+              <a:ext uri="{FF2B5EF4-FFF2-40B4-BE49-F238E27FC236}">
+                <a16:creationId xmlns:a16="http://schemas.microsoft.com/office/drawing/2014/main" id="{3ECD24BB-4A6B-95D8-7931-A4E87F3A6030}"/>
+              </a:ext>
+            </a:extLst>
+          </p:cNvPr>
+          <p:cNvGraphicFramePr>
+            <a:graphicFrameLocks noGrp="1"/>
+          </p:cNvGraphicFramePr>
+          <p:nvPr>
+            <p:extLst>
+              <p:ext uri="{D42A27DB-BD31-4B8C-83A1-F6EECF244321}">
+                <p14:modId xmlns:p14="http://schemas.microsoft.com/office/powerpoint/2010/main" val="2291680592"/>
+              </p:ext>
+            </p:extLst>
+          </p:nvPr>
+        </p:nvGraphicFramePr>
+        <p:xfrm>
+          <a:off x="2256963" y="1755846"/>
+          <a:ext cx="7614369" cy="4161686"/>
+        </p:xfrm>
+        <a:graphic>
+          <a:graphicData uri="http://schemas.openxmlformats.org/drawingml/2006/table">
+            <a:tbl>
+              <a:tblPr firstRow="1" bandRow="1">
+                <a:tableStyleId>{5C22544A-7EE6-4342-B048-85BDC9FD1C3A}</a:tableStyleId>
+              </a:tblPr>
+              <a:tblGrid>
+                <a:gridCol w="998374">
+                  <a:extLst>
+                    <a:ext uri="{9D8B030D-6E8A-4147-A177-3AD203B41FA5}">
+                      <a16:colId xmlns:a16="http://schemas.microsoft.com/office/drawing/2014/main" val="3453044630"/>
+                    </a:ext>
+                  </a:extLst>
+                </a:gridCol>
+                <a:gridCol w="6615995">
+                  <a:extLst>
+                    <a:ext uri="{9D8B030D-6E8A-4147-A177-3AD203B41FA5}">
+                      <a16:colId xmlns:a16="http://schemas.microsoft.com/office/drawing/2014/main" val="402735792"/>
+                    </a:ext>
+                  </a:extLst>
+                </a:gridCol>
+              </a:tblGrid>
+              <a:tr h="597254">
+                <a:tc>
+                  <a:txBody>
+                    <a:bodyPr/>
+                    <a:lstStyle/>
+                    <a:p>
+                      <a:pPr algn="ctr" latinLnBrk="1"/>
+                      <a:r>
+                        <a:rPr lang="ko-KR" altLang="en-US" sz="2400" spc="600">
+                          <a:solidFill>
+                            <a:schemeClr val="tx1"/>
+                          </a:solidFill>
+                          <a:latin typeface="스스로넷 설립체" panose="00000500000000000000" pitchFamily="2" charset="-127"/>
+                          <a:ea typeface="스스로넷 설립체" panose="00000500000000000000" pitchFamily="2" charset="-127"/>
+                        </a:rPr>
+                        <a:t>주차</a:t>
+                      </a:r>
+                    </a:p>
+                  </a:txBody>
+                  <a:tcPr anchor="ctr">
+                    <a:lnL w="12700" cap="flat" cmpd="sng" algn="ctr">
+                      <a:solidFill>
+                        <a:schemeClr val="tx1"/>
+                      </a:solidFill>
+                      <a:prstDash val="solid"/>
+                      <a:round/>
+                      <a:headEnd type="none" w="med" len="med"/>
+                      <a:tailEnd type="none" w="med" len="med"/>
+                    </a:lnL>
+                    <a:lnR w="12700" cap="flat" cmpd="sng" algn="ctr">
+                      <a:solidFill>
+                        <a:schemeClr val="tx1"/>
+                      </a:solidFill>
+                      <a:prstDash val="solid"/>
+                      <a:round/>
+                      <a:headEnd type="none" w="med" len="med"/>
+                      <a:tailEnd type="none" w="med" len="med"/>
+                    </a:lnR>
+                    <a:lnT w="12700" cap="flat" cmpd="sng" algn="ctr">
+                      <a:solidFill>
+                        <a:schemeClr val="tx1"/>
+                      </a:solidFill>
+                      <a:prstDash val="solid"/>
+                      <a:round/>
+                      <a:headEnd type="none" w="med" len="med"/>
+                      <a:tailEnd type="none" w="med" len="med"/>
+                    </a:lnT>
+                    <a:lnB w="12700" cap="flat" cmpd="sng" algn="ctr">
+                      <a:solidFill>
+                        <a:schemeClr val="tx1"/>
+                      </a:solidFill>
+                      <a:prstDash val="solid"/>
+                      <a:round/>
+                      <a:headEnd type="none" w="med" len="med"/>
+                      <a:tailEnd type="none" w="med" len="med"/>
+                    </a:lnB>
+                    <a:solidFill>
+                      <a:srgbClr val="9966FF">
+                        <a:alpha val="71765"/>
+                      </a:srgbClr>
+                    </a:solidFill>
+                  </a:tcPr>
+                </a:tc>
+                <a:tc>
+                  <a:txBody>
+                    <a:bodyPr/>
+                    <a:lstStyle/>
+                    <a:p>
+                      <a:pPr algn="ctr" latinLnBrk="1"/>
+                      <a:r>
+                        <a:rPr lang="ko-KR" altLang="en-US" sz="2400" spc="600">
+                          <a:solidFill>
+                            <a:schemeClr val="tx1"/>
+                          </a:solidFill>
+                          <a:latin typeface="스스로넷 설립체" panose="00000500000000000000" pitchFamily="2" charset="-127"/>
+                          <a:ea typeface="스스로넷 설립체" panose="00000500000000000000" pitchFamily="2" charset="-127"/>
+                        </a:rPr>
+                        <a:t>일정</a:t>
+                      </a:r>
+                    </a:p>
+                  </a:txBody>
+                  <a:tcPr anchor="ctr">
+                    <a:lnL w="12700" cap="flat" cmpd="sng" algn="ctr">
+                      <a:solidFill>
+                        <a:schemeClr val="tx1"/>
+                      </a:solidFill>
+                      <a:prstDash val="solid"/>
+                      <a:round/>
+                      <a:headEnd type="none" w="med" len="med"/>
+                      <a:tailEnd type="none" w="med" len="med"/>
+                    </a:lnL>
+                    <a:lnR w="12700" cap="flat" cmpd="sng" algn="ctr">
+                      <a:solidFill>
+                        <a:schemeClr val="tx1"/>
+                      </a:solidFill>
+                      <a:prstDash val="solid"/>
+                      <a:round/>
+                      <a:headEnd type="none" w="med" len="med"/>
+                      <a:tailEnd type="none" w="med" len="med"/>
+                    </a:lnR>
+                    <a:lnT w="12700" cap="flat" cmpd="sng" algn="ctr">
+                      <a:solidFill>
+                        <a:schemeClr val="tx1"/>
+                      </a:solidFill>
+                      <a:prstDash val="solid"/>
+                      <a:round/>
+                      <a:headEnd type="none" w="med" len="med"/>
+                      <a:tailEnd type="none" w="med" len="med"/>
+                    </a:lnT>
+                    <a:lnB w="12700" cap="flat" cmpd="sng" algn="ctr">
+                      <a:solidFill>
+                        <a:schemeClr val="tx1"/>
+                      </a:solidFill>
+                      <a:prstDash val="solid"/>
+                      <a:round/>
+                      <a:headEnd type="none" w="med" len="med"/>
+                      <a:tailEnd type="none" w="med" len="med"/>
+                    </a:lnB>
+                    <a:solidFill>
+                      <a:srgbClr val="9966FF">
+                        <a:alpha val="71765"/>
+                      </a:srgbClr>
+                    </a:solidFill>
+                  </a:tcPr>
+                </a:tc>
+                <a:extLst>
+                  <a:ext uri="{0D108BD9-81ED-4DB2-BD59-A6C34878D82A}">
+                    <a16:rowId xmlns:a16="http://schemas.microsoft.com/office/drawing/2014/main" val="528053541"/>
+                  </a:ext>
+                </a:extLst>
+              </a:tr>
+              <a:tr h="891108">
+                <a:tc>
+                  <a:txBody>
+                    <a:bodyPr/>
+                    <a:lstStyle/>
+                    <a:p>
+                      <a:pPr algn="ctr" latinLnBrk="1"/>
+                      <a:r>
+                        <a:rPr lang="en-US" altLang="ko-KR">
+                          <a:solidFill>
+                            <a:schemeClr val="tx1"/>
+                          </a:solidFill>
+                          <a:latin typeface="스스로넷 설립체" panose="00000500000000000000" pitchFamily="2" charset="-127"/>
+                          <a:ea typeface="스스로넷 설립체" panose="00000500000000000000" pitchFamily="2" charset="-127"/>
+                        </a:rPr>
+                        <a:t>5</a:t>
+                      </a:r>
+                      <a:r>
+                        <a:rPr lang="ko-KR" altLang="en-US">
+                          <a:solidFill>
+                            <a:schemeClr val="tx1"/>
+                          </a:solidFill>
+                          <a:latin typeface="스스로넷 설립체" panose="00000500000000000000" pitchFamily="2" charset="-127"/>
+                          <a:ea typeface="스스로넷 설립체" panose="00000500000000000000" pitchFamily="2" charset="-127"/>
+                        </a:rPr>
+                        <a:t>주차</a:t>
+                      </a:r>
+                    </a:p>
+                  </a:txBody>
+                  <a:tcPr anchor="ctr">
+                    <a:lnL w="12700" cap="flat" cmpd="sng" algn="ctr">
+                      <a:solidFill>
+                        <a:schemeClr val="tx1"/>
+                      </a:solidFill>
+                      <a:prstDash val="solid"/>
+                      <a:round/>
+                      <a:headEnd type="none" w="med" len="med"/>
+                      <a:tailEnd type="none" w="med" len="med"/>
+                    </a:lnL>
+                    <a:lnR w="12700" cap="flat" cmpd="sng" algn="ctr">
+                      <a:solidFill>
+                        <a:schemeClr val="tx1"/>
+                      </a:solidFill>
+                      <a:prstDash val="solid"/>
+                      <a:round/>
+                      <a:headEnd type="none" w="med" len="med"/>
+                      <a:tailEnd type="none" w="med" len="med"/>
+                    </a:lnR>
+                    <a:lnT w="12700" cap="flat" cmpd="sng" algn="ctr">
+                      <a:solidFill>
+                        <a:schemeClr val="tx1"/>
+                      </a:solidFill>
+                      <a:prstDash val="solid"/>
+                      <a:round/>
+                      <a:headEnd type="none" w="med" len="med"/>
+                      <a:tailEnd type="none" w="med" len="med"/>
+                    </a:lnT>
+                    <a:lnB w="12700" cap="flat" cmpd="sng" algn="ctr">
+                      <a:solidFill>
+                        <a:schemeClr val="tx1"/>
+                      </a:solidFill>
+                      <a:prstDash val="solid"/>
+                      <a:round/>
+                      <a:headEnd type="none" w="med" len="med"/>
+                      <a:tailEnd type="none" w="med" len="med"/>
+                    </a:lnB>
+                    <a:solidFill>
+                      <a:schemeClr val="bg1">
+                        <a:alpha val="72000"/>
+                      </a:schemeClr>
+                    </a:solidFill>
+                  </a:tcPr>
+                </a:tc>
+                <a:tc>
+                  <a:txBody>
+                    <a:bodyPr/>
+                    <a:lstStyle/>
+                    <a:p>
+                      <a:pPr algn="ctr" latinLnBrk="1"/>
+                      <a:r>
+                        <a:rPr lang="ko-KR" altLang="en-US" b="1">
+                          <a:solidFill>
+                            <a:schemeClr val="tx1"/>
+                          </a:solidFill>
+                          <a:latin typeface="이사만루체 Light" panose="00000300000000000000" pitchFamily="2" charset="-127"/>
+                          <a:ea typeface="이사만루체 Light" panose="00000300000000000000" pitchFamily="2" charset="-127"/>
+                        </a:rPr>
+                        <a:t>맵 스크롤링 및 구조물 배치</a:t>
+                      </a:r>
+                    </a:p>
+                  </a:txBody>
+                  <a:tcPr anchor="ctr">
+                    <a:lnL w="12700" cap="flat" cmpd="sng" algn="ctr">
+                      <a:solidFill>
+                        <a:schemeClr val="tx1"/>
+                      </a:solidFill>
+                      <a:prstDash val="solid"/>
+                      <a:round/>
+                      <a:headEnd type="none" w="med" len="med"/>
+                      <a:tailEnd type="none" w="med" len="med"/>
+                    </a:lnL>
+                    <a:lnR w="12700" cap="flat" cmpd="sng" algn="ctr">
+                      <a:solidFill>
+                        <a:schemeClr val="tx1"/>
+                      </a:solidFill>
+                      <a:prstDash val="solid"/>
+                      <a:round/>
+                      <a:headEnd type="none" w="med" len="med"/>
+                      <a:tailEnd type="none" w="med" len="med"/>
+                    </a:lnR>
+                    <a:lnT w="12700" cap="flat" cmpd="sng" algn="ctr">
+                      <a:solidFill>
+                        <a:schemeClr val="tx1"/>
+                      </a:solidFill>
+                      <a:prstDash val="solid"/>
+                      <a:round/>
+                      <a:headEnd type="none" w="med" len="med"/>
+                      <a:tailEnd type="none" w="med" len="med"/>
+                    </a:lnT>
+                    <a:lnB w="12700" cap="flat" cmpd="sng" algn="ctr">
+                      <a:solidFill>
+                        <a:schemeClr val="tx1"/>
+                      </a:solidFill>
+                      <a:prstDash val="solid"/>
+                      <a:round/>
+                      <a:headEnd type="none" w="med" len="med"/>
+                      <a:tailEnd type="none" w="med" len="med"/>
+                    </a:lnB>
+                    <a:solidFill>
+                      <a:schemeClr val="bg1">
+                        <a:alpha val="72000"/>
+                      </a:schemeClr>
+                    </a:solidFill>
+                  </a:tcPr>
+                </a:tc>
+                <a:extLst>
+                  <a:ext uri="{0D108BD9-81ED-4DB2-BD59-A6C34878D82A}">
+                    <a16:rowId xmlns:a16="http://schemas.microsoft.com/office/drawing/2014/main" val="400980576"/>
+                  </a:ext>
+                </a:extLst>
+              </a:tr>
+              <a:tr h="891108">
+                <a:tc>
+                  <a:txBody>
+                    <a:bodyPr/>
+                    <a:lstStyle/>
+                    <a:p>
+                      <a:pPr algn="ctr" latinLnBrk="1"/>
+                      <a:r>
+                        <a:rPr lang="en-US" altLang="ko-KR">
+                          <a:solidFill>
+                            <a:schemeClr val="tx1"/>
+                          </a:solidFill>
+                          <a:latin typeface="스스로넷 설립체" panose="00000500000000000000" pitchFamily="2" charset="-127"/>
+                          <a:ea typeface="스스로넷 설립체" panose="00000500000000000000" pitchFamily="2" charset="-127"/>
+                        </a:rPr>
+                        <a:t>6</a:t>
+                      </a:r>
+                      <a:r>
+                        <a:rPr lang="ko-KR" altLang="en-US">
+                          <a:solidFill>
+                            <a:schemeClr val="tx1"/>
+                          </a:solidFill>
+                          <a:latin typeface="스스로넷 설립체" panose="00000500000000000000" pitchFamily="2" charset="-127"/>
+                          <a:ea typeface="스스로넷 설립체" panose="00000500000000000000" pitchFamily="2" charset="-127"/>
+                        </a:rPr>
+                        <a:t>주차</a:t>
+                      </a:r>
+                    </a:p>
+                  </a:txBody>
+                  <a:tcPr anchor="ctr">
+                    <a:lnL w="12700" cap="flat" cmpd="sng" algn="ctr">
+                      <a:solidFill>
+                        <a:schemeClr val="tx1"/>
+                      </a:solidFill>
+                      <a:prstDash val="solid"/>
+                      <a:round/>
+                      <a:headEnd type="none" w="med" len="med"/>
+                      <a:tailEnd type="none" w="med" len="med"/>
+                    </a:lnL>
+                    <a:lnR w="12700" cap="flat" cmpd="sng" algn="ctr">
+                      <a:solidFill>
+                        <a:schemeClr val="tx1"/>
+                      </a:solidFill>
+                      <a:prstDash val="solid"/>
+                      <a:round/>
+                      <a:headEnd type="none" w="med" len="med"/>
+                      <a:tailEnd type="none" w="med" len="med"/>
+                    </a:lnR>
+                    <a:lnT w="12700" cap="flat" cmpd="sng" algn="ctr">
+                      <a:solidFill>
+                        <a:schemeClr val="tx1"/>
+                      </a:solidFill>
+                      <a:prstDash val="solid"/>
+                      <a:round/>
+                      <a:headEnd type="none" w="med" len="med"/>
+                      <a:tailEnd type="none" w="med" len="med"/>
+                    </a:lnT>
+                    <a:lnB w="12700" cap="flat" cmpd="sng" algn="ctr">
+                      <a:solidFill>
+                        <a:schemeClr val="tx1"/>
+                      </a:solidFill>
+                      <a:prstDash val="solid"/>
+                      <a:round/>
+                      <a:headEnd type="none" w="med" len="med"/>
+                      <a:tailEnd type="none" w="med" len="med"/>
+                    </a:lnB>
+                    <a:solidFill>
+                      <a:schemeClr val="bg1">
+                        <a:alpha val="72000"/>
+                      </a:schemeClr>
+                    </a:solidFill>
+                  </a:tcPr>
+                </a:tc>
+                <a:tc>
+                  <a:txBody>
+                    <a:bodyPr/>
+                    <a:lstStyle/>
+                    <a:p>
+                      <a:pPr algn="ctr" latinLnBrk="1"/>
+                      <a:r>
+                        <a:rPr lang="ko-KR" altLang="en-US" b="1">
+                          <a:solidFill>
+                            <a:schemeClr val="tx1"/>
+                          </a:solidFill>
+                          <a:latin typeface="이사만루체 Light" panose="00000300000000000000" pitchFamily="2" charset="-127"/>
+                          <a:ea typeface="이사만루체 Light" panose="00000300000000000000" pitchFamily="2" charset="-127"/>
+                        </a:rPr>
+                        <a:t>보스 스테이지</a:t>
+                      </a:r>
+                      <a:r>
+                        <a:rPr lang="en-US" altLang="ko-KR" b="1">
+                          <a:solidFill>
+                            <a:schemeClr val="tx1"/>
+                          </a:solidFill>
+                          <a:latin typeface="이사만루체 Light" panose="00000300000000000000" pitchFamily="2" charset="-127"/>
+                          <a:ea typeface="이사만루체 Light" panose="00000300000000000000" pitchFamily="2" charset="-127"/>
+                        </a:rPr>
+                        <a:t>, </a:t>
+                      </a:r>
+                      <a:r>
+                        <a:rPr lang="ko-KR" altLang="en-US" b="1">
+                          <a:solidFill>
+                            <a:schemeClr val="tx1"/>
+                          </a:solidFill>
+                          <a:latin typeface="이사만루체 Light" panose="00000300000000000000" pitchFamily="2" charset="-127"/>
+                          <a:ea typeface="이사만루체 Light" panose="00000300000000000000" pitchFamily="2" charset="-127"/>
+                        </a:rPr>
+                        <a:t>보너스 스테이지 구현</a:t>
+                      </a:r>
+                    </a:p>
+                  </a:txBody>
+                  <a:tcPr anchor="ctr">
+                    <a:lnL w="12700" cap="flat" cmpd="sng" algn="ctr">
+                      <a:solidFill>
+                        <a:schemeClr val="tx1"/>
+                      </a:solidFill>
+                      <a:prstDash val="solid"/>
+                      <a:round/>
+                      <a:headEnd type="none" w="med" len="med"/>
+                      <a:tailEnd type="none" w="med" len="med"/>
+                    </a:lnL>
+                    <a:lnR w="12700" cap="flat" cmpd="sng" algn="ctr">
+                      <a:solidFill>
+                        <a:schemeClr val="tx1"/>
+                      </a:solidFill>
+                      <a:prstDash val="solid"/>
+                      <a:round/>
+                      <a:headEnd type="none" w="med" len="med"/>
+                      <a:tailEnd type="none" w="med" len="med"/>
+                    </a:lnR>
+                    <a:lnT w="12700" cap="flat" cmpd="sng" algn="ctr">
+                      <a:solidFill>
+                        <a:schemeClr val="tx1"/>
+                      </a:solidFill>
+                      <a:prstDash val="solid"/>
+                      <a:round/>
+                      <a:headEnd type="none" w="med" len="med"/>
+                      <a:tailEnd type="none" w="med" len="med"/>
+                    </a:lnT>
+                    <a:lnB w="12700" cap="flat" cmpd="sng" algn="ctr">
+                      <a:solidFill>
+                        <a:schemeClr val="tx1"/>
+                      </a:solidFill>
+                      <a:prstDash val="solid"/>
+                      <a:round/>
+                      <a:headEnd type="none" w="med" len="med"/>
+                      <a:tailEnd type="none" w="med" len="med"/>
+                    </a:lnB>
+                    <a:solidFill>
+                      <a:schemeClr val="bg1">
+                        <a:alpha val="72000"/>
+                      </a:schemeClr>
+                    </a:solidFill>
+                  </a:tcPr>
+                </a:tc>
+                <a:extLst>
+                  <a:ext uri="{0D108BD9-81ED-4DB2-BD59-A6C34878D82A}">
+                    <a16:rowId xmlns:a16="http://schemas.microsoft.com/office/drawing/2014/main" val="3882554321"/>
+                  </a:ext>
+                </a:extLst>
+              </a:tr>
+              <a:tr h="891108">
+                <a:tc>
+                  <a:txBody>
+                    <a:bodyPr/>
+                    <a:lstStyle/>
+                    <a:p>
+                      <a:pPr algn="ctr" latinLnBrk="1"/>
+                      <a:r>
+                        <a:rPr lang="en-US" altLang="ko-KR">
+                          <a:solidFill>
+                            <a:schemeClr val="tx1"/>
+                          </a:solidFill>
+                          <a:latin typeface="스스로넷 설립체" panose="00000500000000000000" pitchFamily="2" charset="-127"/>
+                          <a:ea typeface="스스로넷 설립체" panose="00000500000000000000" pitchFamily="2" charset="-127"/>
+                        </a:rPr>
+                        <a:t>7</a:t>
+                      </a:r>
+                      <a:r>
+                        <a:rPr lang="ko-KR" altLang="en-US">
+                          <a:solidFill>
+                            <a:schemeClr val="tx1"/>
+                          </a:solidFill>
+                          <a:latin typeface="스스로넷 설립체" panose="00000500000000000000" pitchFamily="2" charset="-127"/>
+                          <a:ea typeface="스스로넷 설립체" panose="00000500000000000000" pitchFamily="2" charset="-127"/>
+                        </a:rPr>
+                        <a:t>주차</a:t>
+                      </a:r>
+                    </a:p>
+                  </a:txBody>
+                  <a:tcPr anchor="ctr">
+                    <a:lnL w="12700" cap="flat" cmpd="sng" algn="ctr">
+                      <a:solidFill>
+                        <a:schemeClr val="tx1"/>
+                      </a:solidFill>
+                      <a:prstDash val="solid"/>
+                      <a:round/>
+                      <a:headEnd type="none" w="med" len="med"/>
+                      <a:tailEnd type="none" w="med" len="med"/>
+                    </a:lnL>
+                    <a:lnR w="12700" cap="flat" cmpd="sng" algn="ctr">
+                      <a:solidFill>
+                        <a:schemeClr val="tx1"/>
+                      </a:solidFill>
+                      <a:prstDash val="solid"/>
+                      <a:round/>
+                      <a:headEnd type="none" w="med" len="med"/>
+                      <a:tailEnd type="none" w="med" len="med"/>
+                    </a:lnR>
+                    <a:lnT w="12700" cap="flat" cmpd="sng" algn="ctr">
+                      <a:solidFill>
+                        <a:schemeClr val="tx1"/>
+                      </a:solidFill>
+                      <a:prstDash val="solid"/>
+                      <a:round/>
+                      <a:headEnd type="none" w="med" len="med"/>
+                      <a:tailEnd type="none" w="med" len="med"/>
+                    </a:lnT>
+                    <a:lnB w="12700" cap="flat" cmpd="sng" algn="ctr">
+                      <a:solidFill>
+                        <a:schemeClr val="tx1"/>
+                      </a:solidFill>
+                      <a:prstDash val="solid"/>
+                      <a:round/>
+                      <a:headEnd type="none" w="med" len="med"/>
+                      <a:tailEnd type="none" w="med" len="med"/>
+                    </a:lnB>
+                    <a:solidFill>
+                      <a:schemeClr val="bg1">
+                        <a:alpha val="72000"/>
+                      </a:schemeClr>
+                    </a:solidFill>
+                  </a:tcPr>
+                </a:tc>
+                <a:tc>
+                  <a:txBody>
+                    <a:bodyPr/>
+                    <a:lstStyle/>
+                    <a:p>
+                      <a:pPr algn="ctr" latinLnBrk="1"/>
+                      <a:r>
+                        <a:rPr lang="ko-KR" altLang="en-US" b="1">
+                          <a:solidFill>
+                            <a:schemeClr val="tx1"/>
+                          </a:solidFill>
+                          <a:latin typeface="이사만루체 Light" panose="00000300000000000000" pitchFamily="2" charset="-127"/>
+                          <a:ea typeface="이사만루체 Light" panose="00000300000000000000" pitchFamily="2" charset="-127"/>
+                        </a:rPr>
+                        <a:t>게임 데이터 처리</a:t>
+                      </a:r>
+                      <a:r>
+                        <a:rPr lang="en-US" altLang="ko-KR" b="1">
+                          <a:solidFill>
+                            <a:schemeClr val="tx1"/>
+                          </a:solidFill>
+                          <a:latin typeface="이사만루체 Light" panose="00000300000000000000" pitchFamily="2" charset="-127"/>
+                          <a:ea typeface="이사만루체 Light" panose="00000300000000000000" pitchFamily="2" charset="-127"/>
+                        </a:rPr>
+                        <a:t>, </a:t>
+                      </a:r>
+                      <a:r>
+                        <a:rPr lang="ko-KR" altLang="en-US" b="1">
+                          <a:solidFill>
+                            <a:schemeClr val="tx1"/>
+                          </a:solidFill>
+                          <a:latin typeface="이사만루체 Light" panose="00000300000000000000" pitchFamily="2" charset="-127"/>
+                          <a:ea typeface="이사만루체 Light" panose="00000300000000000000" pitchFamily="2" charset="-127"/>
+                        </a:rPr>
+                        <a:t>미구현 사항 구현</a:t>
+                      </a:r>
+                    </a:p>
+                  </a:txBody>
+                  <a:tcPr anchor="ctr">
+                    <a:lnL w="12700" cap="flat" cmpd="sng" algn="ctr">
+                      <a:solidFill>
+                        <a:schemeClr val="tx1"/>
+                      </a:solidFill>
+                      <a:prstDash val="solid"/>
+                      <a:round/>
+                      <a:headEnd type="none" w="med" len="med"/>
+                      <a:tailEnd type="none" w="med" len="med"/>
+                    </a:lnL>
+                    <a:lnR w="12700" cap="flat" cmpd="sng" algn="ctr">
+                      <a:solidFill>
+                        <a:schemeClr val="tx1"/>
+                      </a:solidFill>
+                      <a:prstDash val="solid"/>
+                      <a:round/>
+                      <a:headEnd type="none" w="med" len="med"/>
+                      <a:tailEnd type="none" w="med" len="med"/>
+                    </a:lnR>
+                    <a:lnT w="12700" cap="flat" cmpd="sng" algn="ctr">
+                      <a:solidFill>
+                        <a:schemeClr val="tx1"/>
+                      </a:solidFill>
+                      <a:prstDash val="solid"/>
+                      <a:round/>
+                      <a:headEnd type="none" w="med" len="med"/>
+                      <a:tailEnd type="none" w="med" len="med"/>
+                    </a:lnT>
+                    <a:lnB w="12700" cap="flat" cmpd="sng" algn="ctr">
+                      <a:solidFill>
+                        <a:schemeClr val="tx1"/>
+                      </a:solidFill>
+                      <a:prstDash val="solid"/>
+                      <a:round/>
+                      <a:headEnd type="none" w="med" len="med"/>
+                      <a:tailEnd type="none" w="med" len="med"/>
+                    </a:lnB>
+                    <a:solidFill>
+                      <a:schemeClr val="bg1">
+                        <a:alpha val="72000"/>
+                      </a:schemeClr>
+                    </a:solidFill>
+                  </a:tcPr>
+                </a:tc>
+                <a:extLst>
+                  <a:ext uri="{0D108BD9-81ED-4DB2-BD59-A6C34878D82A}">
+                    <a16:rowId xmlns:a16="http://schemas.microsoft.com/office/drawing/2014/main" val="3331547934"/>
+                  </a:ext>
+                </a:extLst>
+              </a:tr>
+              <a:tr h="891108">
+                <a:tc>
+                  <a:txBody>
+                    <a:bodyPr/>
+                    <a:lstStyle/>
+                    <a:p>
+                      <a:pPr algn="ctr" latinLnBrk="1"/>
+                      <a:r>
+                        <a:rPr lang="en-US" altLang="ko-KR">
+                          <a:solidFill>
+                            <a:schemeClr val="tx1"/>
+                          </a:solidFill>
+                          <a:latin typeface="스스로넷 설립체" panose="00000500000000000000" pitchFamily="2" charset="-127"/>
+                          <a:ea typeface="스스로넷 설립체" panose="00000500000000000000" pitchFamily="2" charset="-127"/>
+                        </a:rPr>
+                        <a:t>8</a:t>
+                      </a:r>
+                      <a:r>
+                        <a:rPr lang="ko-KR" altLang="en-US">
+                          <a:solidFill>
+                            <a:schemeClr val="tx1"/>
+                          </a:solidFill>
+                          <a:latin typeface="스스로넷 설립체" panose="00000500000000000000" pitchFamily="2" charset="-127"/>
+                          <a:ea typeface="스스로넷 설립체" panose="00000500000000000000" pitchFamily="2" charset="-127"/>
+                        </a:rPr>
+                        <a:t>주차</a:t>
+                      </a:r>
+                    </a:p>
+                  </a:txBody>
+                  <a:tcPr anchor="ctr">
+                    <a:lnL w="12700" cap="flat" cmpd="sng" algn="ctr">
+                      <a:solidFill>
+                        <a:schemeClr val="tx1"/>
+                      </a:solidFill>
+                      <a:prstDash val="solid"/>
+                      <a:round/>
+                      <a:headEnd type="none" w="med" len="med"/>
+                      <a:tailEnd type="none" w="med" len="med"/>
+                    </a:lnL>
+                    <a:lnR w="12700" cap="flat" cmpd="sng" algn="ctr">
+                      <a:solidFill>
+                        <a:schemeClr val="tx1"/>
+                      </a:solidFill>
+                      <a:prstDash val="solid"/>
+                      <a:round/>
+                      <a:headEnd type="none" w="med" len="med"/>
+                      <a:tailEnd type="none" w="med" len="med"/>
+                    </a:lnR>
+                    <a:lnT w="12700" cap="flat" cmpd="sng" algn="ctr">
+                      <a:solidFill>
+                        <a:schemeClr val="tx1"/>
+                      </a:solidFill>
+                      <a:prstDash val="solid"/>
+                      <a:round/>
+                      <a:headEnd type="none" w="med" len="med"/>
+                      <a:tailEnd type="none" w="med" len="med"/>
+                    </a:lnT>
+                    <a:lnB w="12700" cap="flat" cmpd="sng" algn="ctr">
+                      <a:solidFill>
+                        <a:schemeClr val="tx1"/>
+                      </a:solidFill>
+                      <a:prstDash val="solid"/>
+                      <a:round/>
+                      <a:headEnd type="none" w="med" len="med"/>
+                      <a:tailEnd type="none" w="med" len="med"/>
+                    </a:lnB>
+                    <a:solidFill>
+                      <a:schemeClr val="bg1">
+                        <a:alpha val="72000"/>
+                      </a:schemeClr>
+                    </a:solidFill>
+                  </a:tcPr>
+                </a:tc>
+                <a:tc>
+                  <a:txBody>
+                    <a:bodyPr/>
+                    <a:lstStyle/>
+                    <a:p>
+                      <a:pPr algn="ctr" latinLnBrk="1"/>
+                      <a:r>
+                        <a:rPr lang="ko-KR" altLang="en-US" b="1">
+                          <a:solidFill>
+                            <a:schemeClr val="tx1"/>
+                          </a:solidFill>
+                          <a:latin typeface="이사만루체 Light" panose="00000300000000000000" pitchFamily="2" charset="-127"/>
+                          <a:ea typeface="이사만루체 Light" panose="00000300000000000000" pitchFamily="2" charset="-127"/>
+                        </a:rPr>
+                        <a:t>최종 테스트 및 최종발표 준비</a:t>
+                      </a:r>
+                    </a:p>
+                  </a:txBody>
+                  <a:tcPr anchor="ctr">
+                    <a:lnL w="12700" cap="flat" cmpd="sng" algn="ctr">
+                      <a:solidFill>
+                        <a:schemeClr val="tx1"/>
+                      </a:solidFill>
+                      <a:prstDash val="solid"/>
+                      <a:round/>
+                      <a:headEnd type="none" w="med" len="med"/>
+                      <a:tailEnd type="none" w="med" len="med"/>
+                    </a:lnL>
+                    <a:lnR w="12700" cap="flat" cmpd="sng" algn="ctr">
+                      <a:solidFill>
+                        <a:schemeClr val="tx1"/>
+                      </a:solidFill>
+                      <a:prstDash val="solid"/>
+                      <a:round/>
+                      <a:headEnd type="none" w="med" len="med"/>
+                      <a:tailEnd type="none" w="med" len="med"/>
+                    </a:lnR>
+                    <a:lnT w="12700" cap="flat" cmpd="sng" algn="ctr">
+                      <a:solidFill>
+                        <a:schemeClr val="tx1"/>
+                      </a:solidFill>
+                      <a:prstDash val="solid"/>
+                      <a:round/>
+                      <a:headEnd type="none" w="med" len="med"/>
+                      <a:tailEnd type="none" w="med" len="med"/>
+                    </a:lnT>
+                    <a:lnB w="12700" cap="flat" cmpd="sng" algn="ctr">
+                      <a:solidFill>
+                        <a:schemeClr val="tx1"/>
+                      </a:solidFill>
+                      <a:prstDash val="solid"/>
+                      <a:round/>
+                      <a:headEnd type="none" w="med" len="med"/>
+                      <a:tailEnd type="none" w="med" len="med"/>
+                    </a:lnB>
+                    <a:solidFill>
+                      <a:schemeClr val="bg1">
+                        <a:alpha val="72000"/>
+                      </a:schemeClr>
+                    </a:solidFill>
+                  </a:tcPr>
+                </a:tc>
+                <a:extLst>
+                  <a:ext uri="{0D108BD9-81ED-4DB2-BD59-A6C34878D82A}">
+                    <a16:rowId xmlns:a16="http://schemas.microsoft.com/office/drawing/2014/main" val="2158615244"/>
+                  </a:ext>
+                </a:extLst>
+              </a:tr>
+            </a:tbl>
+          </a:graphicData>
+        </a:graphic>
+      </p:graphicFrame>
     </p:spTree>
     <p:extLst>
       <p:ext uri="{BB962C8B-B14F-4D97-AF65-F5344CB8AC3E}">
-        <p14:creationId xmlns:p14="http://schemas.microsoft.com/office/powerpoint/2010/main" val="338725340"/>
+        <p14:creationId xmlns:p14="http://schemas.microsoft.com/office/powerpoint/2010/main" val="99505275"/>
       </p:ext>
     </p:extLst>
   </p:cSld>
@@ -5230,12 +8229,228 @@
           </a:p>
         </p:txBody>
       </p:sp>
+      <p:pic>
+        <p:nvPicPr>
+          <p:cNvPr id="15" name="그림 14" descr="사각형, 스크린샷, 다채로움, 픽셀이(가) 표시된 사진&#10;&#10;자동 생성된 설명">
+            <a:extLst>
+              <a:ext uri="{FF2B5EF4-FFF2-40B4-BE49-F238E27FC236}">
+                <a16:creationId xmlns:a16="http://schemas.microsoft.com/office/drawing/2014/main" id="{AEFE007F-A3BE-A310-7401-BF7570AB064F}"/>
+              </a:ext>
+            </a:extLst>
+          </p:cNvPr>
+          <p:cNvPicPr>
+            <a:picLocks noChangeAspect="1"/>
+          </p:cNvPicPr>
+          <p:nvPr/>
+        </p:nvPicPr>
+        <p:blipFill>
+          <a:blip r:embed="rId3">
+            <a:extLst>
+              <a:ext uri="{28A0092B-C50C-407E-A947-70E740481C1C}">
+                <a14:useLocalDpi xmlns:a14="http://schemas.microsoft.com/office/drawing/2010/main" val="0"/>
+              </a:ext>
+            </a:extLst>
+          </a:blip>
+          <a:stretch>
+            <a:fillRect/>
+          </a:stretch>
+        </p:blipFill>
+        <p:spPr>
+          <a:xfrm>
+            <a:off x="222083" y="4936958"/>
+            <a:ext cx="1809750" cy="1581150"/>
+          </a:xfrm>
+          <a:prstGeom prst="rect">
+            <a:avLst/>
+          </a:prstGeom>
+        </p:spPr>
+      </p:pic>
+      <p:pic>
+        <p:nvPicPr>
+          <p:cNvPr id="16" name="그림 15" descr="노랑, 사각형, 패턴, 호박이(가) 표시된 사진&#10;&#10;자동 생성된 설명">
+            <a:extLst>
+              <a:ext uri="{FF2B5EF4-FFF2-40B4-BE49-F238E27FC236}">
+                <a16:creationId xmlns:a16="http://schemas.microsoft.com/office/drawing/2014/main" id="{33B694C9-F026-9AD7-3B2E-F7A9E79D6A3E}"/>
+              </a:ext>
+            </a:extLst>
+          </p:cNvPr>
+          <p:cNvPicPr>
+            <a:picLocks noChangeAspect="1"/>
+          </p:cNvPicPr>
+          <p:nvPr/>
+        </p:nvPicPr>
+        <p:blipFill>
+          <a:blip r:embed="rId4">
+            <a:extLst>
+              <a:ext uri="{28A0092B-C50C-407E-A947-70E740481C1C}">
+                <a14:useLocalDpi xmlns:a14="http://schemas.microsoft.com/office/drawing/2010/main" val="0"/>
+              </a:ext>
+            </a:extLst>
+          </a:blip>
+          <a:stretch>
+            <a:fillRect/>
+          </a:stretch>
+        </p:blipFill>
+        <p:spPr>
+          <a:xfrm>
+            <a:off x="5359527" y="5514724"/>
+            <a:ext cx="1466850" cy="552450"/>
+          </a:xfrm>
+          <a:prstGeom prst="rect">
+            <a:avLst/>
+          </a:prstGeom>
+        </p:spPr>
+      </p:pic>
+      <p:pic>
+        <p:nvPicPr>
+          <p:cNvPr id="17" name="그림 16" descr="사각형, 스크린샷, 직사각형, 블랙이(가) 표시된 사진&#10;&#10;자동 생성된 설명">
+            <a:extLst>
+              <a:ext uri="{FF2B5EF4-FFF2-40B4-BE49-F238E27FC236}">
+                <a16:creationId xmlns:a16="http://schemas.microsoft.com/office/drawing/2014/main" id="{80A8C15E-1F67-997B-0069-4538433A0F99}"/>
+              </a:ext>
+            </a:extLst>
+          </p:cNvPr>
+          <p:cNvPicPr>
+            <a:picLocks noChangeAspect="1"/>
+          </p:cNvPicPr>
+          <p:nvPr/>
+        </p:nvPicPr>
+        <p:blipFill>
+          <a:blip r:embed="rId5">
+            <a:extLst>
+              <a:ext uri="{28A0092B-C50C-407E-A947-70E740481C1C}">
+                <a14:useLocalDpi xmlns:a14="http://schemas.microsoft.com/office/drawing/2010/main" val="0"/>
+              </a:ext>
+            </a:extLst>
+          </a:blip>
+          <a:stretch>
+            <a:fillRect/>
+          </a:stretch>
+        </p:blipFill>
+        <p:spPr>
+          <a:xfrm>
+            <a:off x="3624012" y="5567112"/>
+            <a:ext cx="781050" cy="781050"/>
+          </a:xfrm>
+          <a:prstGeom prst="rect">
+            <a:avLst/>
+          </a:prstGeom>
+        </p:spPr>
+      </p:pic>
+      <p:pic>
+        <p:nvPicPr>
+          <p:cNvPr id="18" name="그림 17" descr="사각형, 스크린샷, 직사각형, 라인이(가) 표시된 사진&#10;&#10;자동 생성된 설명">
+            <a:extLst>
+              <a:ext uri="{FF2B5EF4-FFF2-40B4-BE49-F238E27FC236}">
+                <a16:creationId xmlns:a16="http://schemas.microsoft.com/office/drawing/2014/main" id="{658C6519-DA1F-AE5E-C72C-B70519E5906F}"/>
+              </a:ext>
+            </a:extLst>
+          </p:cNvPr>
+          <p:cNvPicPr>
+            <a:picLocks noChangeAspect="1"/>
+          </p:cNvPicPr>
+          <p:nvPr/>
+        </p:nvPicPr>
+        <p:blipFill>
+          <a:blip r:embed="rId6">
+            <a:extLst>
+              <a:ext uri="{28A0092B-C50C-407E-A947-70E740481C1C}">
+                <a14:useLocalDpi xmlns:a14="http://schemas.microsoft.com/office/drawing/2010/main" val="0"/>
+              </a:ext>
+            </a:extLst>
+          </a:blip>
+          <a:stretch>
+            <a:fillRect/>
+          </a:stretch>
+        </p:blipFill>
+        <p:spPr>
+          <a:xfrm>
+            <a:off x="8022543" y="5527007"/>
+            <a:ext cx="781050" cy="781050"/>
+          </a:xfrm>
+          <a:prstGeom prst="rect">
+            <a:avLst/>
+          </a:prstGeom>
+        </p:spPr>
+      </p:pic>
+      <p:pic>
+        <p:nvPicPr>
+          <p:cNvPr id="19" name="그림 18" descr="사각형, 다채로움, 패턴, 직사각형이(가) 표시된 사진&#10;&#10;자동 생성된 설명">
+            <a:extLst>
+              <a:ext uri="{FF2B5EF4-FFF2-40B4-BE49-F238E27FC236}">
+                <a16:creationId xmlns:a16="http://schemas.microsoft.com/office/drawing/2014/main" id="{E83AA0E8-0594-4183-BBB7-57C34B2B14FC}"/>
+              </a:ext>
+            </a:extLst>
+          </p:cNvPr>
+          <p:cNvPicPr>
+            <a:picLocks noChangeAspect="1"/>
+          </p:cNvPicPr>
+          <p:nvPr/>
+        </p:nvPicPr>
+        <p:blipFill>
+          <a:blip r:embed="rId7">
+            <a:extLst>
+              <a:ext uri="{28A0092B-C50C-407E-A947-70E740481C1C}">
+                <a14:useLocalDpi xmlns:a14="http://schemas.microsoft.com/office/drawing/2010/main" val="0"/>
+              </a:ext>
+            </a:extLst>
+          </a:blip>
+          <a:stretch>
+            <a:fillRect/>
+          </a:stretch>
+        </p:blipFill>
+        <p:spPr>
+          <a:xfrm>
+            <a:off x="9999759" y="4725653"/>
+            <a:ext cx="1416746" cy="1341521"/>
+          </a:xfrm>
+          <a:prstGeom prst="rect">
+            <a:avLst/>
+          </a:prstGeom>
+        </p:spPr>
+      </p:pic>
+      <p:pic>
+        <p:nvPicPr>
+          <p:cNvPr id="3" name="그림 2" descr="텍스트, 라인, 도표, 그래프이(가) 표시된 사진">
+            <a:extLst>
+              <a:ext uri="{FF2B5EF4-FFF2-40B4-BE49-F238E27FC236}">
+                <a16:creationId xmlns:a16="http://schemas.microsoft.com/office/drawing/2014/main" id="{4327A673-55C4-CC01-7216-1581DBAD89EF}"/>
+              </a:ext>
+            </a:extLst>
+          </p:cNvPr>
+          <p:cNvPicPr>
+            <a:picLocks noChangeAspect="1"/>
+          </p:cNvPicPr>
+          <p:nvPr/>
+        </p:nvPicPr>
+        <p:blipFill>
+          <a:blip r:embed="rId8">
+            <a:extLst>
+              <a:ext uri="{28A0092B-C50C-407E-A947-70E740481C1C}">
+                <a14:useLocalDpi xmlns:a14="http://schemas.microsoft.com/office/drawing/2010/main" val="0"/>
+              </a:ext>
+            </a:extLst>
+          </a:blip>
+          <a:stretch>
+            <a:fillRect/>
+          </a:stretch>
+        </p:blipFill>
+        <p:spPr>
+          <a:xfrm>
+            <a:off x="1362769" y="1707032"/>
+            <a:ext cx="9466462" cy="4165734"/>
+          </a:xfrm>
+          <a:prstGeom prst="rect">
+            <a:avLst/>
+          </a:prstGeom>
+        </p:spPr>
+      </p:pic>
       <p:sp>
         <p:nvSpPr>
-          <p:cNvPr id="4" name="사각형: 둥근 모서리 3">
-            <a:extLst>
-              <a:ext uri="{FF2B5EF4-FFF2-40B4-BE49-F238E27FC236}">
-                <a16:creationId xmlns:a16="http://schemas.microsoft.com/office/drawing/2014/main" id="{4E86DA91-818B-2FBB-A837-F45194304DEE}"/>
+          <p:cNvPr id="11" name="직사각형 10">
+            <a:extLst>
+              <a:ext uri="{FF2B5EF4-FFF2-40B4-BE49-F238E27FC236}">
+                <a16:creationId xmlns:a16="http://schemas.microsoft.com/office/drawing/2014/main" id="{C78E1D12-4D76-49E7-1461-A89C91BFFB04}"/>
               </a:ext>
             </a:extLst>
           </p:cNvPr>
@@ -5244,80 +8459,18 @@
         </p:nvSpPr>
         <p:spPr>
           <a:xfrm>
-            <a:off x="1629283" y="3051008"/>
-            <a:ext cx="1148053" cy="755984"/>
+            <a:off x="9414164" y="2410691"/>
+            <a:ext cx="1070263" cy="1018309"/>
           </a:xfrm>
-          <a:prstGeom prst="roundRect">
-            <a:avLst>
-              <a:gd name="adj" fmla="val 43723"/>
-            </a:avLst>
+          <a:prstGeom prst="rect">
+            <a:avLst/>
           </a:prstGeom>
-          <a:ln/>
-        </p:spPr>
-        <p:style>
-          <a:lnRef idx="2">
-            <a:schemeClr val="accent2">
-              <a:shade val="15000"/>
-            </a:schemeClr>
-          </a:lnRef>
-          <a:fillRef idx="1">
-            <a:schemeClr val="accent2"/>
-          </a:fillRef>
-          <a:effectRef idx="0">
-            <a:schemeClr val="accent2"/>
-          </a:effectRef>
-          <a:fontRef idx="minor">
-            <a:schemeClr val="lt1"/>
-          </a:fontRef>
-        </p:style>
-        <p:txBody>
-          <a:bodyPr rtlCol="0" anchor="ctr"/>
-          <a:lstStyle/>
-          <a:p>
-            <a:pPr algn="dist"/>
-            <a:r>
-              <a:rPr lang="ko-KR" altLang="en-US" sz="2000">
-                <a:ln w="12700">
-                  <a:noFill/>
-                </a:ln>
-                <a:latin typeface="스스로넷 설립체" panose="00000500000000000000" pitchFamily="2" charset="-127"/>
-                <a:ea typeface="스스로넷 설립체" panose="00000500000000000000" pitchFamily="2" charset="-127"/>
-              </a:rPr>
-              <a:t>타이틀</a:t>
-            </a:r>
-            <a:endParaRPr lang="en-US" altLang="ko-KR" sz="2000">
-              <a:ln w="12700">
-                <a:noFill/>
-              </a:ln>
-              <a:latin typeface="스스로넷 설립체" panose="00000500000000000000" pitchFamily="2" charset="-127"/>
-              <a:ea typeface="스스로넷 설립체" panose="00000500000000000000" pitchFamily="2" charset="-127"/>
-            </a:endParaRPr>
-          </a:p>
-        </p:txBody>
-      </p:sp>
-      <p:sp>
-        <p:nvSpPr>
-          <p:cNvPr id="6" name="사각형: 둥근 모서리 5">
-            <a:extLst>
-              <a:ext uri="{FF2B5EF4-FFF2-40B4-BE49-F238E27FC236}">
-                <a16:creationId xmlns:a16="http://schemas.microsoft.com/office/drawing/2014/main" id="{EF573AC4-5081-5A1B-E6EE-083A31663D6A}"/>
-              </a:ext>
-            </a:extLst>
-          </p:cNvPr>
-          <p:cNvSpPr/>
-          <p:nvPr/>
-        </p:nvSpPr>
-        <p:spPr>
-          <a:xfrm>
-            <a:off x="3169744" y="3075071"/>
-            <a:ext cx="1500980" cy="755984"/>
-          </a:xfrm>
-          <a:prstGeom prst="roundRect">
-            <a:avLst>
-              <a:gd name="adj" fmla="val 43723"/>
-            </a:avLst>
-          </a:prstGeom>
-          <a:ln/>
+          <a:noFill/>
+          <a:ln w="19050">
+            <a:solidFill>
+              <a:schemeClr val="tx1"/>
+            </a:solidFill>
+          </a:ln>
         </p:spPr>
         <p:style>
           <a:lnRef idx="2">
@@ -5339,53 +8492,17 @@
           <a:bodyPr rtlCol="0" anchor="ctr"/>
           <a:lstStyle/>
           <a:p>
-            <a:pPr algn="dist"/>
-            <a:r>
-              <a:rPr lang="ko-KR" altLang="en-US" sz="2000">
-                <a:ln w="12700">
-                  <a:noFill/>
-                </a:ln>
-                <a:latin typeface="스스로넷 설립체" panose="00000500000000000000" pitchFamily="2" charset="-127"/>
-                <a:ea typeface="스스로넷 설립체" panose="00000500000000000000" pitchFamily="2" charset="-127"/>
-              </a:rPr>
-              <a:t>스테이지</a:t>
-            </a:r>
-            <a:endParaRPr lang="en-US" altLang="ko-KR" sz="2000">
-              <a:ln w="12700">
-                <a:noFill/>
-              </a:ln>
-              <a:latin typeface="스스로넷 설립체" panose="00000500000000000000" pitchFamily="2" charset="-127"/>
-              <a:ea typeface="스스로넷 설립체" panose="00000500000000000000" pitchFamily="2" charset="-127"/>
-            </a:endParaRPr>
-          </a:p>
-          <a:p>
-            <a:pPr algn="dist"/>
-            <a:r>
-              <a:rPr lang="ko-KR" altLang="en-US" sz="2000">
-                <a:ln w="12700">
-                  <a:noFill/>
-                </a:ln>
-                <a:latin typeface="스스로넷 설립체" panose="00000500000000000000" pitchFamily="2" charset="-127"/>
-                <a:ea typeface="스스로넷 설립체" panose="00000500000000000000" pitchFamily="2" charset="-127"/>
-              </a:rPr>
-              <a:t>선택</a:t>
-            </a:r>
-            <a:endParaRPr lang="en-US" altLang="ko-KR" sz="2000">
-              <a:ln w="12700">
-                <a:noFill/>
-              </a:ln>
-              <a:latin typeface="스스로넷 설립체" panose="00000500000000000000" pitchFamily="2" charset="-127"/>
-              <a:ea typeface="스스로넷 설립체" panose="00000500000000000000" pitchFamily="2" charset="-127"/>
-            </a:endParaRPr>
+            <a:pPr algn="ctr"/>
+            <a:endParaRPr lang="ko-KR" altLang="en-US"/>
           </a:p>
         </p:txBody>
       </p:sp>
       <p:sp>
         <p:nvSpPr>
-          <p:cNvPr id="7" name="사각형: 둥근 모서리 6">
-            <a:extLst>
-              <a:ext uri="{FF2B5EF4-FFF2-40B4-BE49-F238E27FC236}">
-                <a16:creationId xmlns:a16="http://schemas.microsoft.com/office/drawing/2014/main" id="{ADB738A1-4D35-46B1-FB7D-C14BD1D1DBD8}"/>
+          <p:cNvPr id="22" name="직사각형 21">
+            <a:extLst>
+              <a:ext uri="{FF2B5EF4-FFF2-40B4-BE49-F238E27FC236}">
+                <a16:creationId xmlns:a16="http://schemas.microsoft.com/office/drawing/2014/main" id="{075269B4-B7FC-066A-57A5-DBFF6AE6E0DA}"/>
               </a:ext>
             </a:extLst>
           </p:cNvPr>
@@ -5394,27 +8511,30 @@
         </p:nvSpPr>
         <p:spPr>
           <a:xfrm>
-            <a:off x="5063132" y="3075071"/>
-            <a:ext cx="1500980" cy="755984"/>
+            <a:off x="1638299" y="1758988"/>
+            <a:ext cx="1385455" cy="267240"/>
           </a:xfrm>
-          <a:prstGeom prst="roundRect">
-            <a:avLst>
-              <a:gd name="adj" fmla="val 43723"/>
-            </a:avLst>
+          <a:prstGeom prst="rect">
+            <a:avLst/>
           </a:prstGeom>
-          <a:ln/>
+          <a:noFill/>
+          <a:ln w="19050">
+            <a:solidFill>
+              <a:schemeClr val="tx1"/>
+            </a:solidFill>
+          </a:ln>
         </p:spPr>
         <p:style>
           <a:lnRef idx="2">
-            <a:schemeClr val="accent5">
+            <a:schemeClr val="accent1">
               <a:shade val="15000"/>
             </a:schemeClr>
           </a:lnRef>
           <a:fillRef idx="1">
-            <a:schemeClr val="accent5"/>
+            <a:schemeClr val="accent1"/>
           </a:fillRef>
           <a:effectRef idx="0">
-            <a:schemeClr val="accent5"/>
+            <a:schemeClr val="accent1"/>
           </a:effectRef>
           <a:fontRef idx="minor">
             <a:schemeClr val="lt1"/>
@@ -5424,581 +8544,11 @@
           <a:bodyPr rtlCol="0" anchor="ctr"/>
           <a:lstStyle/>
           <a:p>
-            <a:pPr algn="dist"/>
-            <a:r>
-              <a:rPr lang="ko-KR" altLang="en-US" sz="2000">
-                <a:ln w="12700">
-                  <a:noFill/>
-                </a:ln>
-                <a:latin typeface="스스로넷 설립체" panose="00000500000000000000" pitchFamily="2" charset="-127"/>
-                <a:ea typeface="스스로넷 설립체" panose="00000500000000000000" pitchFamily="2" charset="-127"/>
-              </a:rPr>
-              <a:t>러닝</a:t>
-            </a:r>
-            <a:endParaRPr lang="en-US" altLang="ko-KR" sz="2000">
-              <a:ln w="12700">
-                <a:noFill/>
-              </a:ln>
-              <a:latin typeface="스스로넷 설립체" panose="00000500000000000000" pitchFamily="2" charset="-127"/>
-              <a:ea typeface="스스로넷 설립체" panose="00000500000000000000" pitchFamily="2" charset="-127"/>
-            </a:endParaRPr>
-          </a:p>
-          <a:p>
-            <a:pPr algn="dist"/>
-            <a:r>
-              <a:rPr lang="ko-KR" altLang="en-US" sz="2000">
-                <a:ln w="12700">
-                  <a:noFill/>
-                </a:ln>
-                <a:latin typeface="스스로넷 설립체" panose="00000500000000000000" pitchFamily="2" charset="-127"/>
-                <a:ea typeface="스스로넷 설립체" panose="00000500000000000000" pitchFamily="2" charset="-127"/>
-              </a:rPr>
-              <a:t>스테이지</a:t>
-            </a:r>
-            <a:endParaRPr lang="en-US" altLang="ko-KR" sz="2000">
-              <a:ln w="12700">
-                <a:noFill/>
-              </a:ln>
-              <a:latin typeface="스스로넷 설립체" panose="00000500000000000000" pitchFamily="2" charset="-127"/>
-              <a:ea typeface="스스로넷 설립체" panose="00000500000000000000" pitchFamily="2" charset="-127"/>
-            </a:endParaRPr>
+            <a:pPr algn="ctr"/>
+            <a:endParaRPr lang="ko-KR" altLang="en-US"/>
           </a:p>
         </p:txBody>
       </p:sp>
-      <p:sp>
-        <p:nvSpPr>
-          <p:cNvPr id="8" name="사각형: 둥근 모서리 7">
-            <a:extLst>
-              <a:ext uri="{FF2B5EF4-FFF2-40B4-BE49-F238E27FC236}">
-                <a16:creationId xmlns:a16="http://schemas.microsoft.com/office/drawing/2014/main" id="{FD6A69F3-3A9B-1EA8-A67B-4A7005A56FCA}"/>
-              </a:ext>
-            </a:extLst>
-          </p:cNvPr>
-          <p:cNvSpPr/>
-          <p:nvPr/>
-        </p:nvSpPr>
-        <p:spPr>
-          <a:xfrm>
-            <a:off x="6956520" y="3075071"/>
-            <a:ext cx="1500980" cy="755984"/>
-          </a:xfrm>
-          <a:prstGeom prst="roundRect">
-            <a:avLst>
-              <a:gd name="adj" fmla="val 43723"/>
-            </a:avLst>
-          </a:prstGeom>
-          <a:ln/>
-        </p:spPr>
-        <p:style>
-          <a:lnRef idx="2">
-            <a:schemeClr val="accent5">
-              <a:shade val="15000"/>
-            </a:schemeClr>
-          </a:lnRef>
-          <a:fillRef idx="1">
-            <a:schemeClr val="accent5"/>
-          </a:fillRef>
-          <a:effectRef idx="0">
-            <a:schemeClr val="accent5"/>
-          </a:effectRef>
-          <a:fontRef idx="minor">
-            <a:schemeClr val="lt1"/>
-          </a:fontRef>
-        </p:style>
-        <p:txBody>
-          <a:bodyPr rtlCol="0" anchor="ctr"/>
-          <a:lstStyle/>
-          <a:p>
-            <a:pPr algn="dist"/>
-            <a:r>
-              <a:rPr lang="ko-KR" altLang="en-US" sz="2000">
-                <a:ln w="12700">
-                  <a:noFill/>
-                </a:ln>
-                <a:latin typeface="스스로넷 설립체" panose="00000500000000000000" pitchFamily="2" charset="-127"/>
-                <a:ea typeface="스스로넷 설립체" panose="00000500000000000000" pitchFamily="2" charset="-127"/>
-              </a:rPr>
-              <a:t>보스</a:t>
-            </a:r>
-            <a:endParaRPr lang="en-US" altLang="ko-KR" sz="2000">
-              <a:ln w="12700">
-                <a:noFill/>
-              </a:ln>
-              <a:latin typeface="스스로넷 설립체" panose="00000500000000000000" pitchFamily="2" charset="-127"/>
-              <a:ea typeface="스스로넷 설립체" panose="00000500000000000000" pitchFamily="2" charset="-127"/>
-            </a:endParaRPr>
-          </a:p>
-          <a:p>
-            <a:pPr algn="dist"/>
-            <a:r>
-              <a:rPr lang="ko-KR" altLang="en-US" sz="2000">
-                <a:ln w="12700">
-                  <a:noFill/>
-                </a:ln>
-                <a:latin typeface="스스로넷 설립체" panose="00000500000000000000" pitchFamily="2" charset="-127"/>
-                <a:ea typeface="스스로넷 설립체" panose="00000500000000000000" pitchFamily="2" charset="-127"/>
-              </a:rPr>
-              <a:t>스테이지</a:t>
-            </a:r>
-            <a:endParaRPr lang="en-US" altLang="ko-KR" sz="2000">
-              <a:ln w="12700">
-                <a:noFill/>
-              </a:ln>
-              <a:latin typeface="스스로넷 설립체" panose="00000500000000000000" pitchFamily="2" charset="-127"/>
-              <a:ea typeface="스스로넷 설립체" panose="00000500000000000000" pitchFamily="2" charset="-127"/>
-            </a:endParaRPr>
-          </a:p>
-        </p:txBody>
-      </p:sp>
-      <p:sp>
-        <p:nvSpPr>
-          <p:cNvPr id="9" name="사각형: 둥근 모서리 8">
-            <a:extLst>
-              <a:ext uri="{FF2B5EF4-FFF2-40B4-BE49-F238E27FC236}">
-                <a16:creationId xmlns:a16="http://schemas.microsoft.com/office/drawing/2014/main" id="{8779C64A-1730-9C6A-4F11-4A54CF01D8BB}"/>
-              </a:ext>
-            </a:extLst>
-          </p:cNvPr>
-          <p:cNvSpPr/>
-          <p:nvPr/>
-        </p:nvSpPr>
-        <p:spPr>
-          <a:xfrm>
-            <a:off x="8849908" y="3051008"/>
-            <a:ext cx="1500980" cy="755984"/>
-          </a:xfrm>
-          <a:prstGeom prst="roundRect">
-            <a:avLst>
-              <a:gd name="adj" fmla="val 43723"/>
-            </a:avLst>
-          </a:prstGeom>
-          <a:ln/>
-        </p:spPr>
-        <p:style>
-          <a:lnRef idx="2">
-            <a:schemeClr val="accent4">
-              <a:shade val="15000"/>
-            </a:schemeClr>
-          </a:lnRef>
-          <a:fillRef idx="1">
-            <a:schemeClr val="accent4"/>
-          </a:fillRef>
-          <a:effectRef idx="0">
-            <a:schemeClr val="accent4"/>
-          </a:effectRef>
-          <a:fontRef idx="minor">
-            <a:schemeClr val="lt1"/>
-          </a:fontRef>
-        </p:style>
-        <p:txBody>
-          <a:bodyPr rtlCol="0" anchor="ctr"/>
-          <a:lstStyle/>
-          <a:p>
-            <a:pPr algn="dist"/>
-            <a:r>
-              <a:rPr lang="ko-KR" altLang="en-US" sz="2000">
-                <a:ln w="12700">
-                  <a:noFill/>
-                </a:ln>
-                <a:latin typeface="스스로넷 설립체" panose="00000500000000000000" pitchFamily="2" charset="-127"/>
-                <a:ea typeface="스스로넷 설립체" panose="00000500000000000000" pitchFamily="2" charset="-127"/>
-              </a:rPr>
-              <a:t>보너스</a:t>
-            </a:r>
-            <a:endParaRPr lang="en-US" altLang="ko-KR" sz="2000">
-              <a:ln w="12700">
-                <a:noFill/>
-              </a:ln>
-              <a:latin typeface="스스로넷 설립체" panose="00000500000000000000" pitchFamily="2" charset="-127"/>
-              <a:ea typeface="스스로넷 설립체" panose="00000500000000000000" pitchFamily="2" charset="-127"/>
-            </a:endParaRPr>
-          </a:p>
-          <a:p>
-            <a:pPr algn="dist"/>
-            <a:r>
-              <a:rPr lang="ko-KR" altLang="en-US" sz="2000">
-                <a:ln w="12700">
-                  <a:noFill/>
-                </a:ln>
-                <a:latin typeface="스스로넷 설립체" panose="00000500000000000000" pitchFamily="2" charset="-127"/>
-                <a:ea typeface="스스로넷 설립체" panose="00000500000000000000" pitchFamily="2" charset="-127"/>
-              </a:rPr>
-              <a:t>스테이지</a:t>
-            </a:r>
-            <a:endParaRPr lang="en-US" altLang="ko-KR" sz="2000">
-              <a:ln w="12700">
-                <a:noFill/>
-              </a:ln>
-              <a:latin typeface="스스로넷 설립체" panose="00000500000000000000" pitchFamily="2" charset="-127"/>
-              <a:ea typeface="스스로넷 설립체" panose="00000500000000000000" pitchFamily="2" charset="-127"/>
-            </a:endParaRPr>
-          </a:p>
-        </p:txBody>
-      </p:sp>
-      <p:sp>
-        <p:nvSpPr>
-          <p:cNvPr id="10" name="화살표: 오른쪽 9">
-            <a:extLst>
-              <a:ext uri="{FF2B5EF4-FFF2-40B4-BE49-F238E27FC236}">
-                <a16:creationId xmlns:a16="http://schemas.microsoft.com/office/drawing/2014/main" id="{7B49CD0A-6254-E403-BE37-81B087D7789C}"/>
-              </a:ext>
-            </a:extLst>
-          </p:cNvPr>
-          <p:cNvSpPr/>
-          <p:nvPr/>
-        </p:nvSpPr>
-        <p:spPr>
-          <a:xfrm>
-            <a:off x="2820879" y="3332747"/>
-            <a:ext cx="305321" cy="240632"/>
-          </a:xfrm>
-          <a:prstGeom prst="rightArrow">
-            <a:avLst/>
-          </a:prstGeom>
-        </p:spPr>
-        <p:style>
-          <a:lnRef idx="2">
-            <a:schemeClr val="dk1">
-              <a:shade val="15000"/>
-            </a:schemeClr>
-          </a:lnRef>
-          <a:fillRef idx="1">
-            <a:schemeClr val="dk1"/>
-          </a:fillRef>
-          <a:effectRef idx="0">
-            <a:schemeClr val="dk1"/>
-          </a:effectRef>
-          <a:fontRef idx="minor">
-            <a:schemeClr val="lt1"/>
-          </a:fontRef>
-        </p:style>
-        <p:txBody>
-          <a:bodyPr rtlCol="0" anchor="ctr"/>
-          <a:lstStyle/>
-          <a:p>
-            <a:pPr algn="ctr"/>
-            <a:endParaRPr lang="ko-KR" altLang="en-US"/>
-          </a:p>
-        </p:txBody>
-      </p:sp>
-      <p:sp>
-        <p:nvSpPr>
-          <p:cNvPr id="12" name="화살표: 오른쪽 11">
-            <a:extLst>
-              <a:ext uri="{FF2B5EF4-FFF2-40B4-BE49-F238E27FC236}">
-                <a16:creationId xmlns:a16="http://schemas.microsoft.com/office/drawing/2014/main" id="{8448ED23-1BB6-3E0C-05A5-0FA75F1D6968}"/>
-              </a:ext>
-            </a:extLst>
-          </p:cNvPr>
-          <p:cNvSpPr/>
-          <p:nvPr/>
-        </p:nvSpPr>
-        <p:spPr>
-          <a:xfrm>
-            <a:off x="4712478" y="3332747"/>
-            <a:ext cx="305321" cy="240632"/>
-          </a:xfrm>
-          <a:prstGeom prst="rightArrow">
-            <a:avLst/>
-          </a:prstGeom>
-        </p:spPr>
-        <p:style>
-          <a:lnRef idx="2">
-            <a:schemeClr val="dk1">
-              <a:shade val="15000"/>
-            </a:schemeClr>
-          </a:lnRef>
-          <a:fillRef idx="1">
-            <a:schemeClr val="dk1"/>
-          </a:fillRef>
-          <a:effectRef idx="0">
-            <a:schemeClr val="dk1"/>
-          </a:effectRef>
-          <a:fontRef idx="minor">
-            <a:schemeClr val="lt1"/>
-          </a:fontRef>
-        </p:style>
-        <p:txBody>
-          <a:bodyPr rtlCol="0" anchor="ctr"/>
-          <a:lstStyle/>
-          <a:p>
-            <a:pPr algn="ctr"/>
-            <a:endParaRPr lang="ko-KR" altLang="en-US"/>
-          </a:p>
-        </p:txBody>
-      </p:sp>
-      <p:sp>
-        <p:nvSpPr>
-          <p:cNvPr id="13" name="화살표: 오른쪽 12">
-            <a:extLst>
-              <a:ext uri="{FF2B5EF4-FFF2-40B4-BE49-F238E27FC236}">
-                <a16:creationId xmlns:a16="http://schemas.microsoft.com/office/drawing/2014/main" id="{C5D0E4CB-1097-DAE7-9731-6FF405069DA4}"/>
-              </a:ext>
-            </a:extLst>
-          </p:cNvPr>
-          <p:cNvSpPr/>
-          <p:nvPr/>
-        </p:nvSpPr>
-        <p:spPr>
-          <a:xfrm>
-            <a:off x="6607655" y="3332747"/>
-            <a:ext cx="305321" cy="240632"/>
-          </a:xfrm>
-          <a:prstGeom prst="rightArrow">
-            <a:avLst/>
-          </a:prstGeom>
-        </p:spPr>
-        <p:style>
-          <a:lnRef idx="2">
-            <a:schemeClr val="dk1">
-              <a:shade val="15000"/>
-            </a:schemeClr>
-          </a:lnRef>
-          <a:fillRef idx="1">
-            <a:schemeClr val="dk1"/>
-          </a:fillRef>
-          <a:effectRef idx="0">
-            <a:schemeClr val="dk1"/>
-          </a:effectRef>
-          <a:fontRef idx="minor">
-            <a:schemeClr val="lt1"/>
-          </a:fontRef>
-        </p:style>
-        <p:txBody>
-          <a:bodyPr rtlCol="0" anchor="ctr"/>
-          <a:lstStyle/>
-          <a:p>
-            <a:pPr algn="ctr"/>
-            <a:endParaRPr lang="ko-KR" altLang="en-US"/>
-          </a:p>
-        </p:txBody>
-      </p:sp>
-      <p:sp>
-        <p:nvSpPr>
-          <p:cNvPr id="14" name="화살표: 오른쪽 13">
-            <a:extLst>
-              <a:ext uri="{FF2B5EF4-FFF2-40B4-BE49-F238E27FC236}">
-                <a16:creationId xmlns:a16="http://schemas.microsoft.com/office/drawing/2014/main" id="{05A58869-7608-7BDB-1344-77EB08CAE8FA}"/>
-              </a:ext>
-            </a:extLst>
-          </p:cNvPr>
-          <p:cNvSpPr/>
-          <p:nvPr/>
-        </p:nvSpPr>
-        <p:spPr>
-          <a:xfrm>
-            <a:off x="8501043" y="3332747"/>
-            <a:ext cx="305321" cy="240632"/>
-          </a:xfrm>
-          <a:prstGeom prst="rightArrow">
-            <a:avLst/>
-          </a:prstGeom>
-        </p:spPr>
-        <p:style>
-          <a:lnRef idx="2">
-            <a:schemeClr val="dk1">
-              <a:shade val="15000"/>
-            </a:schemeClr>
-          </a:lnRef>
-          <a:fillRef idx="1">
-            <a:schemeClr val="dk1"/>
-          </a:fillRef>
-          <a:effectRef idx="0">
-            <a:schemeClr val="dk1"/>
-          </a:effectRef>
-          <a:fontRef idx="minor">
-            <a:schemeClr val="lt1"/>
-          </a:fontRef>
-        </p:style>
-        <p:txBody>
-          <a:bodyPr rtlCol="0" anchor="ctr"/>
-          <a:lstStyle/>
-          <a:p>
-            <a:pPr algn="ctr"/>
-            <a:endParaRPr lang="ko-KR" altLang="en-US"/>
-          </a:p>
-        </p:txBody>
-      </p:sp>
-      <p:pic>
-        <p:nvPicPr>
-          <p:cNvPr id="15" name="그림 14" descr="사각형, 스크린샷, 다채로움, 픽셀이(가) 표시된 사진&#10;&#10;자동 생성된 설명">
-            <a:extLst>
-              <a:ext uri="{FF2B5EF4-FFF2-40B4-BE49-F238E27FC236}">
-                <a16:creationId xmlns:a16="http://schemas.microsoft.com/office/drawing/2014/main" id="{AEFE007F-A3BE-A310-7401-BF7570AB064F}"/>
-              </a:ext>
-            </a:extLst>
-          </p:cNvPr>
-          <p:cNvPicPr>
-            <a:picLocks noChangeAspect="1"/>
-          </p:cNvPicPr>
-          <p:nvPr/>
-        </p:nvPicPr>
-        <p:blipFill>
-          <a:blip r:embed="rId3">
-            <a:extLst>
-              <a:ext uri="{28A0092B-C50C-407E-A947-70E740481C1C}">
-                <a14:useLocalDpi xmlns:a14="http://schemas.microsoft.com/office/drawing/2010/main" val="0"/>
-              </a:ext>
-            </a:extLst>
-          </a:blip>
-          <a:stretch>
-            <a:fillRect/>
-          </a:stretch>
-        </p:blipFill>
-        <p:spPr>
-          <a:xfrm>
-            <a:off x="222083" y="4936958"/>
-            <a:ext cx="1809750" cy="1581150"/>
-          </a:xfrm>
-          <a:prstGeom prst="rect">
-            <a:avLst/>
-          </a:prstGeom>
-        </p:spPr>
-      </p:pic>
-      <p:pic>
-        <p:nvPicPr>
-          <p:cNvPr id="16" name="그림 15" descr="노랑, 사각형, 패턴, 호박이(가) 표시된 사진&#10;&#10;자동 생성된 설명">
-            <a:extLst>
-              <a:ext uri="{FF2B5EF4-FFF2-40B4-BE49-F238E27FC236}">
-                <a16:creationId xmlns:a16="http://schemas.microsoft.com/office/drawing/2014/main" id="{33B694C9-F026-9AD7-3B2E-F7A9E79D6A3E}"/>
-              </a:ext>
-            </a:extLst>
-          </p:cNvPr>
-          <p:cNvPicPr>
-            <a:picLocks noChangeAspect="1"/>
-          </p:cNvPicPr>
-          <p:nvPr/>
-        </p:nvPicPr>
-        <p:blipFill>
-          <a:blip r:embed="rId4">
-            <a:extLst>
-              <a:ext uri="{28A0092B-C50C-407E-A947-70E740481C1C}">
-                <a14:useLocalDpi xmlns:a14="http://schemas.microsoft.com/office/drawing/2010/main" val="0"/>
-              </a:ext>
-            </a:extLst>
-          </a:blip>
-          <a:stretch>
-            <a:fillRect/>
-          </a:stretch>
-        </p:blipFill>
-        <p:spPr>
-          <a:xfrm>
-            <a:off x="5359527" y="5514724"/>
-            <a:ext cx="1466850" cy="552450"/>
-          </a:xfrm>
-          <a:prstGeom prst="rect">
-            <a:avLst/>
-          </a:prstGeom>
-        </p:spPr>
-      </p:pic>
-      <p:pic>
-        <p:nvPicPr>
-          <p:cNvPr id="17" name="그림 16" descr="사각형, 스크린샷, 직사각형, 블랙이(가) 표시된 사진&#10;&#10;자동 생성된 설명">
-            <a:extLst>
-              <a:ext uri="{FF2B5EF4-FFF2-40B4-BE49-F238E27FC236}">
-                <a16:creationId xmlns:a16="http://schemas.microsoft.com/office/drawing/2014/main" id="{80A8C15E-1F67-997B-0069-4538433A0F99}"/>
-              </a:ext>
-            </a:extLst>
-          </p:cNvPr>
-          <p:cNvPicPr>
-            <a:picLocks noChangeAspect="1"/>
-          </p:cNvPicPr>
-          <p:nvPr/>
-        </p:nvPicPr>
-        <p:blipFill>
-          <a:blip r:embed="rId5">
-            <a:extLst>
-              <a:ext uri="{28A0092B-C50C-407E-A947-70E740481C1C}">
-                <a14:useLocalDpi xmlns:a14="http://schemas.microsoft.com/office/drawing/2010/main" val="0"/>
-              </a:ext>
-            </a:extLst>
-          </a:blip>
-          <a:stretch>
-            <a:fillRect/>
-          </a:stretch>
-        </p:blipFill>
-        <p:spPr>
-          <a:xfrm>
-            <a:off x="3624012" y="5567112"/>
-            <a:ext cx="781050" cy="781050"/>
-          </a:xfrm>
-          <a:prstGeom prst="rect">
-            <a:avLst/>
-          </a:prstGeom>
-        </p:spPr>
-      </p:pic>
-      <p:pic>
-        <p:nvPicPr>
-          <p:cNvPr id="18" name="그림 17" descr="사각형, 스크린샷, 직사각형, 라인이(가) 표시된 사진&#10;&#10;자동 생성된 설명">
-            <a:extLst>
-              <a:ext uri="{FF2B5EF4-FFF2-40B4-BE49-F238E27FC236}">
-                <a16:creationId xmlns:a16="http://schemas.microsoft.com/office/drawing/2014/main" id="{658C6519-DA1F-AE5E-C72C-B70519E5906F}"/>
-              </a:ext>
-            </a:extLst>
-          </p:cNvPr>
-          <p:cNvPicPr>
-            <a:picLocks noChangeAspect="1"/>
-          </p:cNvPicPr>
-          <p:nvPr/>
-        </p:nvPicPr>
-        <p:blipFill>
-          <a:blip r:embed="rId6">
-            <a:extLst>
-              <a:ext uri="{28A0092B-C50C-407E-A947-70E740481C1C}">
-                <a14:useLocalDpi xmlns:a14="http://schemas.microsoft.com/office/drawing/2010/main" val="0"/>
-              </a:ext>
-            </a:extLst>
-          </a:blip>
-          <a:stretch>
-            <a:fillRect/>
-          </a:stretch>
-        </p:blipFill>
-        <p:spPr>
-          <a:xfrm>
-            <a:off x="8022543" y="5527007"/>
-            <a:ext cx="781050" cy="781050"/>
-          </a:xfrm>
-          <a:prstGeom prst="rect">
-            <a:avLst/>
-          </a:prstGeom>
-        </p:spPr>
-      </p:pic>
-      <p:pic>
-        <p:nvPicPr>
-          <p:cNvPr id="19" name="그림 18" descr="사각형, 다채로움, 패턴, 직사각형이(가) 표시된 사진&#10;&#10;자동 생성된 설명">
-            <a:extLst>
-              <a:ext uri="{FF2B5EF4-FFF2-40B4-BE49-F238E27FC236}">
-                <a16:creationId xmlns:a16="http://schemas.microsoft.com/office/drawing/2014/main" id="{E83AA0E8-0594-4183-BBB7-57C34B2B14FC}"/>
-              </a:ext>
-            </a:extLst>
-          </p:cNvPr>
-          <p:cNvPicPr>
-            <a:picLocks noChangeAspect="1"/>
-          </p:cNvPicPr>
-          <p:nvPr/>
-        </p:nvPicPr>
-        <p:blipFill>
-          <a:blip r:embed="rId7">
-            <a:extLst>
-              <a:ext uri="{28A0092B-C50C-407E-A947-70E740481C1C}">
-                <a14:useLocalDpi xmlns:a14="http://schemas.microsoft.com/office/drawing/2010/main" val="0"/>
-              </a:ext>
-            </a:extLst>
-          </a:blip>
-          <a:stretch>
-            <a:fillRect/>
-          </a:stretch>
-        </p:blipFill>
-        <p:spPr>
-          <a:xfrm>
-            <a:off x="9999759" y="4725653"/>
-            <a:ext cx="1416746" cy="1341521"/>
-          </a:xfrm>
-          <a:prstGeom prst="rect">
-            <a:avLst/>
-          </a:prstGeom>
-        </p:spPr>
-      </p:pic>
     </p:spTree>
     <p:extLst>
       <p:ext uri="{BB962C8B-B14F-4D97-AF65-F5344CB8AC3E}">
@@ -6118,8 +8668,50 @@
                 <a:spcPct val="150000"/>
               </a:lnSpc>
             </a:pPr>
+            <a:endParaRPr lang="en-US" altLang="ko-KR" sz="3000">
+              <a:ln w="12700">
+                <a:noFill/>
+              </a:ln>
+              <a:latin typeface="스스로넷 설립체" panose="00000500000000000000" pitchFamily="2" charset="-127"/>
+              <a:ea typeface="스스로넷 설립체" panose="00000500000000000000" pitchFamily="2" charset="-127"/>
+            </a:endParaRPr>
+          </a:p>
+          <a:p>
+            <a:pPr algn="ctr">
+              <a:lnSpc>
+                <a:spcPct val="150000"/>
+              </a:lnSpc>
+            </a:pPr>
+            <a:endParaRPr lang="en-US" altLang="ko-KR" sz="3000">
+              <a:ln w="12700">
+                <a:noFill/>
+              </a:ln>
+              <a:latin typeface="스스로넷 설립체" panose="00000500000000000000" pitchFamily="2" charset="-127"/>
+              <a:ea typeface="스스로넷 설립체" panose="00000500000000000000" pitchFamily="2" charset="-127"/>
+            </a:endParaRPr>
+          </a:p>
+          <a:p>
+            <a:pPr algn="ctr">
+              <a:lnSpc>
+                <a:spcPct val="150000"/>
+              </a:lnSpc>
+            </a:pPr>
+            <a:endParaRPr lang="en-US" altLang="ko-KR" sz="3000">
+              <a:ln w="12700">
+                <a:noFill/>
+              </a:ln>
+              <a:latin typeface="스스로넷 설립체" panose="00000500000000000000" pitchFamily="2" charset="-127"/>
+              <a:ea typeface="스스로넷 설립체" panose="00000500000000000000" pitchFamily="2" charset="-127"/>
+            </a:endParaRPr>
+          </a:p>
+          <a:p>
+            <a:pPr algn="ctr">
+              <a:lnSpc>
+                <a:spcPct val="150000"/>
+              </a:lnSpc>
+            </a:pPr>
             <a:r>
-              <a:rPr lang="en-US" altLang="ko-KR" sz="3000">
+              <a:rPr lang="en-US" altLang="ko-KR" sz="5000">
                 <a:ln w="12700">
                   <a:noFill/>
                 </a:ln>
@@ -6129,7 +8721,7 @@
               <a:t>3. </a:t>
             </a:r>
             <a:r>
-              <a:rPr lang="ko-KR" altLang="en-US" sz="3000">
+              <a:rPr lang="ko-KR" altLang="en-US" sz="5000">
                 <a:ln w="12700">
                   <a:noFill/>
                 </a:ln>
@@ -6138,602 +8730,13 @@
               </a:rPr>
               <a:t>데모 실행</a:t>
             </a:r>
-            <a:endParaRPr lang="en-US" altLang="ko-KR" sz="3000">
+            <a:endParaRPr lang="en-US" altLang="ko-KR" sz="5000">
               <a:ln w="12700">
                 <a:noFill/>
               </a:ln>
               <a:latin typeface="스스로넷 설립체" panose="00000500000000000000" pitchFamily="2" charset="-127"/>
               <a:ea typeface="스스로넷 설립체" panose="00000500000000000000" pitchFamily="2" charset="-127"/>
             </a:endParaRPr>
-          </a:p>
-        </p:txBody>
-      </p:sp>
-      <p:sp>
-        <p:nvSpPr>
-          <p:cNvPr id="4" name="사각형: 둥근 모서리 3">
-            <a:extLst>
-              <a:ext uri="{FF2B5EF4-FFF2-40B4-BE49-F238E27FC236}">
-                <a16:creationId xmlns:a16="http://schemas.microsoft.com/office/drawing/2014/main" id="{4E86DA91-818B-2FBB-A837-F45194304DEE}"/>
-              </a:ext>
-            </a:extLst>
-          </p:cNvPr>
-          <p:cNvSpPr/>
-          <p:nvPr/>
-        </p:nvSpPr>
-        <p:spPr>
-          <a:xfrm>
-            <a:off x="1629283" y="3051008"/>
-            <a:ext cx="1148053" cy="755984"/>
-          </a:xfrm>
-          <a:prstGeom prst="roundRect">
-            <a:avLst>
-              <a:gd name="adj" fmla="val 43723"/>
-            </a:avLst>
-          </a:prstGeom>
-          <a:ln/>
-        </p:spPr>
-        <p:style>
-          <a:lnRef idx="2">
-            <a:schemeClr val="accent2">
-              <a:shade val="15000"/>
-            </a:schemeClr>
-          </a:lnRef>
-          <a:fillRef idx="1">
-            <a:schemeClr val="accent2"/>
-          </a:fillRef>
-          <a:effectRef idx="0">
-            <a:schemeClr val="accent2"/>
-          </a:effectRef>
-          <a:fontRef idx="minor">
-            <a:schemeClr val="lt1"/>
-          </a:fontRef>
-        </p:style>
-        <p:txBody>
-          <a:bodyPr rtlCol="0" anchor="ctr"/>
-          <a:lstStyle/>
-          <a:p>
-            <a:pPr algn="dist"/>
-            <a:r>
-              <a:rPr lang="ko-KR" altLang="en-US" sz="2000">
-                <a:ln w="12700">
-                  <a:noFill/>
-                </a:ln>
-                <a:latin typeface="스스로넷 설립체" panose="00000500000000000000" pitchFamily="2" charset="-127"/>
-                <a:ea typeface="스스로넷 설립체" panose="00000500000000000000" pitchFamily="2" charset="-127"/>
-              </a:rPr>
-              <a:t>타이틀</a:t>
-            </a:r>
-            <a:endParaRPr lang="en-US" altLang="ko-KR" sz="2000">
-              <a:ln w="12700">
-                <a:noFill/>
-              </a:ln>
-              <a:latin typeface="스스로넷 설립체" panose="00000500000000000000" pitchFamily="2" charset="-127"/>
-              <a:ea typeface="스스로넷 설립체" panose="00000500000000000000" pitchFamily="2" charset="-127"/>
-            </a:endParaRPr>
-          </a:p>
-        </p:txBody>
-      </p:sp>
-      <p:sp>
-        <p:nvSpPr>
-          <p:cNvPr id="6" name="사각형: 둥근 모서리 5">
-            <a:extLst>
-              <a:ext uri="{FF2B5EF4-FFF2-40B4-BE49-F238E27FC236}">
-                <a16:creationId xmlns:a16="http://schemas.microsoft.com/office/drawing/2014/main" id="{EF573AC4-5081-5A1B-E6EE-083A31663D6A}"/>
-              </a:ext>
-            </a:extLst>
-          </p:cNvPr>
-          <p:cNvSpPr/>
-          <p:nvPr/>
-        </p:nvSpPr>
-        <p:spPr>
-          <a:xfrm>
-            <a:off x="3169744" y="3075071"/>
-            <a:ext cx="1500980" cy="755984"/>
-          </a:xfrm>
-          <a:prstGeom prst="roundRect">
-            <a:avLst>
-              <a:gd name="adj" fmla="val 43723"/>
-            </a:avLst>
-          </a:prstGeom>
-          <a:ln/>
-        </p:spPr>
-        <p:style>
-          <a:lnRef idx="2">
-            <a:schemeClr val="accent1">
-              <a:shade val="15000"/>
-            </a:schemeClr>
-          </a:lnRef>
-          <a:fillRef idx="1">
-            <a:schemeClr val="accent1"/>
-          </a:fillRef>
-          <a:effectRef idx="0">
-            <a:schemeClr val="accent1"/>
-          </a:effectRef>
-          <a:fontRef idx="minor">
-            <a:schemeClr val="lt1"/>
-          </a:fontRef>
-        </p:style>
-        <p:txBody>
-          <a:bodyPr rtlCol="0" anchor="ctr"/>
-          <a:lstStyle/>
-          <a:p>
-            <a:pPr algn="dist"/>
-            <a:r>
-              <a:rPr lang="ko-KR" altLang="en-US" sz="2000">
-                <a:ln w="12700">
-                  <a:noFill/>
-                </a:ln>
-                <a:latin typeface="스스로넷 설립체" panose="00000500000000000000" pitchFamily="2" charset="-127"/>
-                <a:ea typeface="스스로넷 설립체" panose="00000500000000000000" pitchFamily="2" charset="-127"/>
-              </a:rPr>
-              <a:t>스테이지</a:t>
-            </a:r>
-            <a:endParaRPr lang="en-US" altLang="ko-KR" sz="2000">
-              <a:ln w="12700">
-                <a:noFill/>
-              </a:ln>
-              <a:latin typeface="스스로넷 설립체" panose="00000500000000000000" pitchFamily="2" charset="-127"/>
-              <a:ea typeface="스스로넷 설립체" panose="00000500000000000000" pitchFamily="2" charset="-127"/>
-            </a:endParaRPr>
-          </a:p>
-          <a:p>
-            <a:pPr algn="dist"/>
-            <a:r>
-              <a:rPr lang="ko-KR" altLang="en-US" sz="2000">
-                <a:ln w="12700">
-                  <a:noFill/>
-                </a:ln>
-                <a:latin typeface="스스로넷 설립체" panose="00000500000000000000" pitchFamily="2" charset="-127"/>
-                <a:ea typeface="스스로넷 설립체" panose="00000500000000000000" pitchFamily="2" charset="-127"/>
-              </a:rPr>
-              <a:t>선택</a:t>
-            </a:r>
-            <a:endParaRPr lang="en-US" altLang="ko-KR" sz="2000">
-              <a:ln w="12700">
-                <a:noFill/>
-              </a:ln>
-              <a:latin typeface="스스로넷 설립체" panose="00000500000000000000" pitchFamily="2" charset="-127"/>
-              <a:ea typeface="스스로넷 설립체" panose="00000500000000000000" pitchFamily="2" charset="-127"/>
-            </a:endParaRPr>
-          </a:p>
-        </p:txBody>
-      </p:sp>
-      <p:sp>
-        <p:nvSpPr>
-          <p:cNvPr id="7" name="사각형: 둥근 모서리 6">
-            <a:extLst>
-              <a:ext uri="{FF2B5EF4-FFF2-40B4-BE49-F238E27FC236}">
-                <a16:creationId xmlns:a16="http://schemas.microsoft.com/office/drawing/2014/main" id="{ADB738A1-4D35-46B1-FB7D-C14BD1D1DBD8}"/>
-              </a:ext>
-            </a:extLst>
-          </p:cNvPr>
-          <p:cNvSpPr/>
-          <p:nvPr/>
-        </p:nvSpPr>
-        <p:spPr>
-          <a:xfrm>
-            <a:off x="5063132" y="3075071"/>
-            <a:ext cx="1500980" cy="755984"/>
-          </a:xfrm>
-          <a:prstGeom prst="roundRect">
-            <a:avLst>
-              <a:gd name="adj" fmla="val 43723"/>
-            </a:avLst>
-          </a:prstGeom>
-          <a:ln/>
-        </p:spPr>
-        <p:style>
-          <a:lnRef idx="2">
-            <a:schemeClr val="accent5">
-              <a:shade val="15000"/>
-            </a:schemeClr>
-          </a:lnRef>
-          <a:fillRef idx="1">
-            <a:schemeClr val="accent5"/>
-          </a:fillRef>
-          <a:effectRef idx="0">
-            <a:schemeClr val="accent5"/>
-          </a:effectRef>
-          <a:fontRef idx="minor">
-            <a:schemeClr val="lt1"/>
-          </a:fontRef>
-        </p:style>
-        <p:txBody>
-          <a:bodyPr rtlCol="0" anchor="ctr"/>
-          <a:lstStyle/>
-          <a:p>
-            <a:pPr algn="dist"/>
-            <a:r>
-              <a:rPr lang="ko-KR" altLang="en-US" sz="2000">
-                <a:ln w="12700">
-                  <a:noFill/>
-                </a:ln>
-                <a:latin typeface="스스로넷 설립체" panose="00000500000000000000" pitchFamily="2" charset="-127"/>
-                <a:ea typeface="스스로넷 설립체" panose="00000500000000000000" pitchFamily="2" charset="-127"/>
-              </a:rPr>
-              <a:t>러닝</a:t>
-            </a:r>
-            <a:endParaRPr lang="en-US" altLang="ko-KR" sz="2000">
-              <a:ln w="12700">
-                <a:noFill/>
-              </a:ln>
-              <a:latin typeface="스스로넷 설립체" panose="00000500000000000000" pitchFamily="2" charset="-127"/>
-              <a:ea typeface="스스로넷 설립체" panose="00000500000000000000" pitchFamily="2" charset="-127"/>
-            </a:endParaRPr>
-          </a:p>
-          <a:p>
-            <a:pPr algn="dist"/>
-            <a:r>
-              <a:rPr lang="ko-KR" altLang="en-US" sz="2000">
-                <a:ln w="12700">
-                  <a:noFill/>
-                </a:ln>
-                <a:latin typeface="스스로넷 설립체" panose="00000500000000000000" pitchFamily="2" charset="-127"/>
-                <a:ea typeface="스스로넷 설립체" panose="00000500000000000000" pitchFamily="2" charset="-127"/>
-              </a:rPr>
-              <a:t>스테이지</a:t>
-            </a:r>
-            <a:endParaRPr lang="en-US" altLang="ko-KR" sz="2000">
-              <a:ln w="12700">
-                <a:noFill/>
-              </a:ln>
-              <a:latin typeface="스스로넷 설립체" panose="00000500000000000000" pitchFamily="2" charset="-127"/>
-              <a:ea typeface="스스로넷 설립체" panose="00000500000000000000" pitchFamily="2" charset="-127"/>
-            </a:endParaRPr>
-          </a:p>
-        </p:txBody>
-      </p:sp>
-      <p:sp>
-        <p:nvSpPr>
-          <p:cNvPr id="8" name="사각형: 둥근 모서리 7">
-            <a:extLst>
-              <a:ext uri="{FF2B5EF4-FFF2-40B4-BE49-F238E27FC236}">
-                <a16:creationId xmlns:a16="http://schemas.microsoft.com/office/drawing/2014/main" id="{FD6A69F3-3A9B-1EA8-A67B-4A7005A56FCA}"/>
-              </a:ext>
-            </a:extLst>
-          </p:cNvPr>
-          <p:cNvSpPr/>
-          <p:nvPr/>
-        </p:nvSpPr>
-        <p:spPr>
-          <a:xfrm>
-            <a:off x="6956520" y="3075071"/>
-            <a:ext cx="1500980" cy="755984"/>
-          </a:xfrm>
-          <a:prstGeom prst="roundRect">
-            <a:avLst>
-              <a:gd name="adj" fmla="val 43723"/>
-            </a:avLst>
-          </a:prstGeom>
-          <a:ln/>
-        </p:spPr>
-        <p:style>
-          <a:lnRef idx="2">
-            <a:schemeClr val="accent5">
-              <a:shade val="15000"/>
-            </a:schemeClr>
-          </a:lnRef>
-          <a:fillRef idx="1">
-            <a:schemeClr val="accent5"/>
-          </a:fillRef>
-          <a:effectRef idx="0">
-            <a:schemeClr val="accent5"/>
-          </a:effectRef>
-          <a:fontRef idx="minor">
-            <a:schemeClr val="lt1"/>
-          </a:fontRef>
-        </p:style>
-        <p:txBody>
-          <a:bodyPr rtlCol="0" anchor="ctr"/>
-          <a:lstStyle/>
-          <a:p>
-            <a:pPr algn="dist"/>
-            <a:r>
-              <a:rPr lang="ko-KR" altLang="en-US" sz="2000">
-                <a:ln w="12700">
-                  <a:noFill/>
-                </a:ln>
-                <a:latin typeface="스스로넷 설립체" panose="00000500000000000000" pitchFamily="2" charset="-127"/>
-                <a:ea typeface="스스로넷 설립체" panose="00000500000000000000" pitchFamily="2" charset="-127"/>
-              </a:rPr>
-              <a:t>보스</a:t>
-            </a:r>
-            <a:endParaRPr lang="en-US" altLang="ko-KR" sz="2000">
-              <a:ln w="12700">
-                <a:noFill/>
-              </a:ln>
-              <a:latin typeface="스스로넷 설립체" panose="00000500000000000000" pitchFamily="2" charset="-127"/>
-              <a:ea typeface="스스로넷 설립체" panose="00000500000000000000" pitchFamily="2" charset="-127"/>
-            </a:endParaRPr>
-          </a:p>
-          <a:p>
-            <a:pPr algn="dist"/>
-            <a:r>
-              <a:rPr lang="ko-KR" altLang="en-US" sz="2000">
-                <a:ln w="12700">
-                  <a:noFill/>
-                </a:ln>
-                <a:latin typeface="스스로넷 설립체" panose="00000500000000000000" pitchFamily="2" charset="-127"/>
-                <a:ea typeface="스스로넷 설립체" panose="00000500000000000000" pitchFamily="2" charset="-127"/>
-              </a:rPr>
-              <a:t>스테이지</a:t>
-            </a:r>
-            <a:endParaRPr lang="en-US" altLang="ko-KR" sz="2000">
-              <a:ln w="12700">
-                <a:noFill/>
-              </a:ln>
-              <a:latin typeface="스스로넷 설립체" panose="00000500000000000000" pitchFamily="2" charset="-127"/>
-              <a:ea typeface="스스로넷 설립체" panose="00000500000000000000" pitchFamily="2" charset="-127"/>
-            </a:endParaRPr>
-          </a:p>
-        </p:txBody>
-      </p:sp>
-      <p:sp>
-        <p:nvSpPr>
-          <p:cNvPr id="9" name="사각형: 둥근 모서리 8">
-            <a:extLst>
-              <a:ext uri="{FF2B5EF4-FFF2-40B4-BE49-F238E27FC236}">
-                <a16:creationId xmlns:a16="http://schemas.microsoft.com/office/drawing/2014/main" id="{8779C64A-1730-9C6A-4F11-4A54CF01D8BB}"/>
-              </a:ext>
-            </a:extLst>
-          </p:cNvPr>
-          <p:cNvSpPr/>
-          <p:nvPr/>
-        </p:nvSpPr>
-        <p:spPr>
-          <a:xfrm>
-            <a:off x="8849908" y="3051008"/>
-            <a:ext cx="1500980" cy="755984"/>
-          </a:xfrm>
-          <a:prstGeom prst="roundRect">
-            <a:avLst>
-              <a:gd name="adj" fmla="val 43723"/>
-            </a:avLst>
-          </a:prstGeom>
-          <a:ln/>
-        </p:spPr>
-        <p:style>
-          <a:lnRef idx="2">
-            <a:schemeClr val="accent4">
-              <a:shade val="15000"/>
-            </a:schemeClr>
-          </a:lnRef>
-          <a:fillRef idx="1">
-            <a:schemeClr val="accent4"/>
-          </a:fillRef>
-          <a:effectRef idx="0">
-            <a:schemeClr val="accent4"/>
-          </a:effectRef>
-          <a:fontRef idx="minor">
-            <a:schemeClr val="lt1"/>
-          </a:fontRef>
-        </p:style>
-        <p:txBody>
-          <a:bodyPr rtlCol="0" anchor="ctr"/>
-          <a:lstStyle/>
-          <a:p>
-            <a:pPr algn="dist"/>
-            <a:r>
-              <a:rPr lang="ko-KR" altLang="en-US" sz="2000">
-                <a:ln w="12700">
-                  <a:noFill/>
-                </a:ln>
-                <a:latin typeface="스스로넷 설립체" panose="00000500000000000000" pitchFamily="2" charset="-127"/>
-                <a:ea typeface="스스로넷 설립체" panose="00000500000000000000" pitchFamily="2" charset="-127"/>
-              </a:rPr>
-              <a:t>보너스</a:t>
-            </a:r>
-            <a:endParaRPr lang="en-US" altLang="ko-KR" sz="2000">
-              <a:ln w="12700">
-                <a:noFill/>
-              </a:ln>
-              <a:latin typeface="스스로넷 설립체" panose="00000500000000000000" pitchFamily="2" charset="-127"/>
-              <a:ea typeface="스스로넷 설립체" panose="00000500000000000000" pitchFamily="2" charset="-127"/>
-            </a:endParaRPr>
-          </a:p>
-          <a:p>
-            <a:pPr algn="dist"/>
-            <a:r>
-              <a:rPr lang="ko-KR" altLang="en-US" sz="2000">
-                <a:ln w="12700">
-                  <a:noFill/>
-                </a:ln>
-                <a:latin typeface="스스로넷 설립체" panose="00000500000000000000" pitchFamily="2" charset="-127"/>
-                <a:ea typeface="스스로넷 설립체" panose="00000500000000000000" pitchFamily="2" charset="-127"/>
-              </a:rPr>
-              <a:t>스테이지</a:t>
-            </a:r>
-            <a:endParaRPr lang="en-US" altLang="ko-KR" sz="2000">
-              <a:ln w="12700">
-                <a:noFill/>
-              </a:ln>
-              <a:latin typeface="스스로넷 설립체" panose="00000500000000000000" pitchFamily="2" charset="-127"/>
-              <a:ea typeface="스스로넷 설립체" panose="00000500000000000000" pitchFamily="2" charset="-127"/>
-            </a:endParaRPr>
-          </a:p>
-        </p:txBody>
-      </p:sp>
-      <p:sp>
-        <p:nvSpPr>
-          <p:cNvPr id="10" name="화살표: 오른쪽 9">
-            <a:extLst>
-              <a:ext uri="{FF2B5EF4-FFF2-40B4-BE49-F238E27FC236}">
-                <a16:creationId xmlns:a16="http://schemas.microsoft.com/office/drawing/2014/main" id="{7B49CD0A-6254-E403-BE37-81B087D7789C}"/>
-              </a:ext>
-            </a:extLst>
-          </p:cNvPr>
-          <p:cNvSpPr/>
-          <p:nvPr/>
-        </p:nvSpPr>
-        <p:spPr>
-          <a:xfrm>
-            <a:off x="2820879" y="3332747"/>
-            <a:ext cx="305321" cy="240632"/>
-          </a:xfrm>
-          <a:prstGeom prst="rightArrow">
-            <a:avLst/>
-          </a:prstGeom>
-        </p:spPr>
-        <p:style>
-          <a:lnRef idx="2">
-            <a:schemeClr val="dk1">
-              <a:shade val="15000"/>
-            </a:schemeClr>
-          </a:lnRef>
-          <a:fillRef idx="1">
-            <a:schemeClr val="dk1"/>
-          </a:fillRef>
-          <a:effectRef idx="0">
-            <a:schemeClr val="dk1"/>
-          </a:effectRef>
-          <a:fontRef idx="minor">
-            <a:schemeClr val="lt1"/>
-          </a:fontRef>
-        </p:style>
-        <p:txBody>
-          <a:bodyPr rtlCol="0" anchor="ctr"/>
-          <a:lstStyle/>
-          <a:p>
-            <a:pPr algn="ctr"/>
-            <a:endParaRPr lang="ko-KR" altLang="en-US"/>
-          </a:p>
-        </p:txBody>
-      </p:sp>
-      <p:sp>
-        <p:nvSpPr>
-          <p:cNvPr id="12" name="화살표: 오른쪽 11">
-            <a:extLst>
-              <a:ext uri="{FF2B5EF4-FFF2-40B4-BE49-F238E27FC236}">
-                <a16:creationId xmlns:a16="http://schemas.microsoft.com/office/drawing/2014/main" id="{8448ED23-1BB6-3E0C-05A5-0FA75F1D6968}"/>
-              </a:ext>
-            </a:extLst>
-          </p:cNvPr>
-          <p:cNvSpPr/>
-          <p:nvPr/>
-        </p:nvSpPr>
-        <p:spPr>
-          <a:xfrm>
-            <a:off x="4712478" y="3332747"/>
-            <a:ext cx="305321" cy="240632"/>
-          </a:xfrm>
-          <a:prstGeom prst="rightArrow">
-            <a:avLst/>
-          </a:prstGeom>
-        </p:spPr>
-        <p:style>
-          <a:lnRef idx="2">
-            <a:schemeClr val="dk1">
-              <a:shade val="15000"/>
-            </a:schemeClr>
-          </a:lnRef>
-          <a:fillRef idx="1">
-            <a:schemeClr val="dk1"/>
-          </a:fillRef>
-          <a:effectRef idx="0">
-            <a:schemeClr val="dk1"/>
-          </a:effectRef>
-          <a:fontRef idx="minor">
-            <a:schemeClr val="lt1"/>
-          </a:fontRef>
-        </p:style>
-        <p:txBody>
-          <a:bodyPr rtlCol="0" anchor="ctr"/>
-          <a:lstStyle/>
-          <a:p>
-            <a:pPr algn="ctr"/>
-            <a:endParaRPr lang="ko-KR" altLang="en-US"/>
-          </a:p>
-        </p:txBody>
-      </p:sp>
-      <p:sp>
-        <p:nvSpPr>
-          <p:cNvPr id="13" name="화살표: 오른쪽 12">
-            <a:extLst>
-              <a:ext uri="{FF2B5EF4-FFF2-40B4-BE49-F238E27FC236}">
-                <a16:creationId xmlns:a16="http://schemas.microsoft.com/office/drawing/2014/main" id="{C5D0E4CB-1097-DAE7-9731-6FF405069DA4}"/>
-              </a:ext>
-            </a:extLst>
-          </p:cNvPr>
-          <p:cNvSpPr/>
-          <p:nvPr/>
-        </p:nvSpPr>
-        <p:spPr>
-          <a:xfrm>
-            <a:off x="6607655" y="3332747"/>
-            <a:ext cx="305321" cy="240632"/>
-          </a:xfrm>
-          <a:prstGeom prst="rightArrow">
-            <a:avLst/>
-          </a:prstGeom>
-        </p:spPr>
-        <p:style>
-          <a:lnRef idx="2">
-            <a:schemeClr val="dk1">
-              <a:shade val="15000"/>
-            </a:schemeClr>
-          </a:lnRef>
-          <a:fillRef idx="1">
-            <a:schemeClr val="dk1"/>
-          </a:fillRef>
-          <a:effectRef idx="0">
-            <a:schemeClr val="dk1"/>
-          </a:effectRef>
-          <a:fontRef idx="minor">
-            <a:schemeClr val="lt1"/>
-          </a:fontRef>
-        </p:style>
-        <p:txBody>
-          <a:bodyPr rtlCol="0" anchor="ctr"/>
-          <a:lstStyle/>
-          <a:p>
-            <a:pPr algn="ctr"/>
-            <a:endParaRPr lang="ko-KR" altLang="en-US"/>
-          </a:p>
-        </p:txBody>
-      </p:sp>
-      <p:sp>
-        <p:nvSpPr>
-          <p:cNvPr id="14" name="화살표: 오른쪽 13">
-            <a:extLst>
-              <a:ext uri="{FF2B5EF4-FFF2-40B4-BE49-F238E27FC236}">
-                <a16:creationId xmlns:a16="http://schemas.microsoft.com/office/drawing/2014/main" id="{05A58869-7608-7BDB-1344-77EB08CAE8FA}"/>
-              </a:ext>
-            </a:extLst>
-          </p:cNvPr>
-          <p:cNvSpPr/>
-          <p:nvPr/>
-        </p:nvSpPr>
-        <p:spPr>
-          <a:xfrm>
-            <a:off x="8501043" y="3332747"/>
-            <a:ext cx="305321" cy="240632"/>
-          </a:xfrm>
-          <a:prstGeom prst="rightArrow">
-            <a:avLst/>
-          </a:prstGeom>
-        </p:spPr>
-        <p:style>
-          <a:lnRef idx="2">
-            <a:schemeClr val="dk1">
-              <a:shade val="15000"/>
-            </a:schemeClr>
-          </a:lnRef>
-          <a:fillRef idx="1">
-            <a:schemeClr val="dk1"/>
-          </a:fillRef>
-          <a:effectRef idx="0">
-            <a:schemeClr val="dk1"/>
-          </a:effectRef>
-          <a:fontRef idx="minor">
-            <a:schemeClr val="lt1"/>
-          </a:fontRef>
-        </p:style>
-        <p:txBody>
-          <a:bodyPr rtlCol="0" anchor="ctr"/>
-          <a:lstStyle/>
-          <a:p>
-            <a:pPr algn="ctr"/>
-            <a:endParaRPr lang="ko-KR" altLang="en-US"/>
           </a:p>
         </p:txBody>
       </p:sp>
@@ -6921,1460 +8924,6 @@
     <p:extLst>
       <p:ext uri="{BB962C8B-B14F-4D97-AF65-F5344CB8AC3E}">
         <p14:creationId xmlns:p14="http://schemas.microsoft.com/office/powerpoint/2010/main" val="3269138480"/>
-      </p:ext>
-    </p:extLst>
-  </p:cSld>
-  <p:clrMapOvr>
-    <a:masterClrMapping/>
-  </p:clrMapOvr>
-</p:sld>
-</file>
-
-<file path=ppt/slides/slide7.xml><?xml version="1.0" encoding="utf-8"?>
-<p:sld xmlns:a="http://schemas.openxmlformats.org/drawingml/2006/main" xmlns:r="http://schemas.openxmlformats.org/officeDocument/2006/relationships" xmlns:p="http://schemas.openxmlformats.org/presentationml/2006/main">
-  <p:cSld>
-    <p:bg>
-      <p:bgPr>
-        <a:solidFill>
-          <a:schemeClr val="bg1"/>
-        </a:solidFill>
-        <a:effectLst/>
-      </p:bgPr>
-    </p:bg>
-    <p:spTree>
-      <p:nvGrpSpPr>
-        <p:cNvPr id="1" name=""/>
-        <p:cNvGrpSpPr/>
-        <p:nvPr/>
-      </p:nvGrpSpPr>
-      <p:grpSpPr>
-        <a:xfrm>
-          <a:off x="0" y="0"/>
-          <a:ext cx="0" cy="0"/>
-          <a:chOff x="0" y="0"/>
-          <a:chExt cx="0" cy="0"/>
-        </a:xfrm>
-      </p:grpSpPr>
-      <p:sp useBgFill="1">
-        <p:nvSpPr>
-          <p:cNvPr id="10" name="Rectangle 9">
-            <a:extLst>
-              <a:ext uri="{FF2B5EF4-FFF2-40B4-BE49-F238E27FC236}">
-                <a16:creationId xmlns:a16="http://schemas.microsoft.com/office/drawing/2014/main" id="{C1DD1A8A-57D5-4A81-AD04-532B043C5611}"/>
-              </a:ext>
-              <a:ext uri="{C183D7F6-B498-43B3-948B-1728B52AA6E4}">
-                <adec:decorative xmlns:adec="http://schemas.microsoft.com/office/drawing/2017/decorative" val="1"/>
-              </a:ext>
-            </a:extLst>
-          </p:cNvPr>
-          <p:cNvSpPr>
-            <a:spLocks noGrp="1" noRot="1" noChangeAspect="1" noMove="1" noResize="1" noEditPoints="1" noAdjustHandles="1" noChangeArrowheads="1" noChangeShapeType="1" noTextEdit="1"/>
-          </p:cNvSpPr>
-          <p:nvPr>
-            <p:extLst>
-              <p:ext uri="{386F3935-93C4-4BCD-93E2-E3B085C9AB24}">
-                <p16:designElem xmlns:p16="http://schemas.microsoft.com/office/powerpoint/2015/main" val="1"/>
-              </p:ext>
-            </p:extLst>
-          </p:nvPr>
-        </p:nvSpPr>
-        <p:spPr>
-          <a:xfrm>
-            <a:off x="-1" y="0"/>
-            <a:ext cx="12188952" cy="6858000"/>
-          </a:xfrm>
-          <a:prstGeom prst="rect">
-            <a:avLst/>
-          </a:prstGeom>
-          <a:ln>
-            <a:noFill/>
-          </a:ln>
-        </p:spPr>
-        <p:style>
-          <a:lnRef idx="2">
-            <a:schemeClr val="accent1">
-              <a:shade val="50000"/>
-            </a:schemeClr>
-          </a:lnRef>
-          <a:fillRef idx="1">
-            <a:schemeClr val="accent1"/>
-          </a:fillRef>
-          <a:effectRef idx="0">
-            <a:schemeClr val="accent1"/>
-          </a:effectRef>
-          <a:fontRef idx="minor">
-            <a:schemeClr val="lt1"/>
-          </a:fontRef>
-        </p:style>
-        <p:txBody>
-          <a:bodyPr rtlCol="0" anchor="ctr"/>
-          <a:lstStyle/>
-          <a:p>
-            <a:pPr algn="ctr"/>
-            <a:endParaRPr lang="en-US"/>
-          </a:p>
-        </p:txBody>
-      </p:sp>
-      <p:pic>
-        <p:nvPicPr>
-          <p:cNvPr id="5" name="그림 4" descr="텍스트, 스크린샷, 라인이(가) 표시된 사진&#10;&#10;자동 생성된 설명">
-            <a:extLst>
-              <a:ext uri="{FF2B5EF4-FFF2-40B4-BE49-F238E27FC236}">
-                <a16:creationId xmlns:a16="http://schemas.microsoft.com/office/drawing/2014/main" id="{AFCE5F72-D023-3D9D-24CB-758AFD7D132C}"/>
-              </a:ext>
-            </a:extLst>
-          </p:cNvPr>
-          <p:cNvPicPr>
-            <a:picLocks noChangeAspect="1"/>
-          </p:cNvPicPr>
-          <p:nvPr/>
-        </p:nvPicPr>
-        <p:blipFill rotWithShape="1">
-          <a:blip r:embed="rId2">
-            <a:extLst>
-              <a:ext uri="{28A0092B-C50C-407E-A947-70E740481C1C}">
-                <a14:useLocalDpi xmlns:a14="http://schemas.microsoft.com/office/drawing/2010/main" val="0"/>
-              </a:ext>
-            </a:extLst>
-          </a:blip>
-          <a:srcRect t="14814" b="51436"/>
-          <a:stretch/>
-        </p:blipFill>
-        <p:spPr>
-          <a:xfrm>
-            <a:off x="-3047" y="10"/>
-            <a:ext cx="12191999" cy="6857990"/>
-          </a:xfrm>
-          <a:prstGeom prst="rect">
-            <a:avLst/>
-          </a:prstGeom>
-        </p:spPr>
-      </p:pic>
-      <p:sp>
-        <p:nvSpPr>
-          <p:cNvPr id="12" name="Rectangle 11">
-            <a:extLst>
-              <a:ext uri="{FF2B5EF4-FFF2-40B4-BE49-F238E27FC236}">
-                <a16:creationId xmlns:a16="http://schemas.microsoft.com/office/drawing/2014/main" id="{007891EC-4501-44ED-A8C8-B11B6DB767AB}"/>
-              </a:ext>
-              <a:ext uri="{C183D7F6-B498-43B3-948B-1728B52AA6E4}">
-                <adec:decorative xmlns:adec="http://schemas.microsoft.com/office/drawing/2017/decorative" val="1"/>
-              </a:ext>
-            </a:extLst>
-          </p:cNvPr>
-          <p:cNvSpPr>
-            <a:spLocks noGrp="1" noRot="1" noChangeAspect="1" noMove="1" noResize="1" noEditPoints="1" noAdjustHandles="1" noChangeArrowheads="1" noChangeShapeType="1" noTextEdit="1"/>
-          </p:cNvSpPr>
-          <p:nvPr>
-            <p:extLst>
-              <p:ext uri="{386F3935-93C4-4BCD-93E2-E3B085C9AB24}">
-                <p16:designElem xmlns:p16="http://schemas.microsoft.com/office/powerpoint/2015/main" val="1"/>
-              </p:ext>
-            </p:extLst>
-          </p:nvPr>
-        </p:nvSpPr>
-        <p:spPr>
-          <a:xfrm>
-            <a:off x="0" y="2207602"/>
-            <a:ext cx="12191999" cy="3162146"/>
-          </a:xfrm>
-          <a:prstGeom prst="rect">
-            <a:avLst/>
-          </a:prstGeom>
-          <a:gradFill flip="none" rotWithShape="1">
-            <a:gsLst>
-              <a:gs pos="0">
-                <a:srgbClr val="000000">
-                  <a:alpha val="0"/>
-                </a:srgbClr>
-              </a:gs>
-              <a:gs pos="25000">
-                <a:srgbClr val="000000">
-                  <a:alpha val="15000"/>
-                </a:srgbClr>
-              </a:gs>
-              <a:gs pos="75000">
-                <a:srgbClr val="000000">
-                  <a:alpha val="15000"/>
-                </a:srgbClr>
-              </a:gs>
-              <a:gs pos="50000">
-                <a:srgbClr val="000000">
-                  <a:alpha val="30000"/>
-                </a:srgbClr>
-              </a:gs>
-              <a:gs pos="100000">
-                <a:srgbClr val="000000">
-                  <a:alpha val="0"/>
-                </a:srgbClr>
-              </a:gs>
-            </a:gsLst>
-            <a:lin ang="16200000" scaled="1"/>
-            <a:tileRect/>
-          </a:gradFill>
-          <a:ln>
-            <a:noFill/>
-          </a:ln>
-        </p:spPr>
-        <p:style>
-          <a:lnRef idx="2">
-            <a:schemeClr val="accent1">
-              <a:shade val="50000"/>
-            </a:schemeClr>
-          </a:lnRef>
-          <a:fillRef idx="1">
-            <a:schemeClr val="accent1"/>
-          </a:fillRef>
-          <a:effectRef idx="0">
-            <a:schemeClr val="accent1"/>
-          </a:effectRef>
-          <a:fontRef idx="minor">
-            <a:schemeClr val="lt1"/>
-          </a:fontRef>
-        </p:style>
-        <p:txBody>
-          <a:bodyPr rtlCol="0" anchor="ctr"/>
-          <a:lstStyle/>
-          <a:p>
-            <a:pPr algn="ctr"/>
-            <a:endParaRPr lang="en-US"/>
-          </a:p>
-        </p:txBody>
-      </p:sp>
-      <p:graphicFrame>
-        <p:nvGraphicFramePr>
-          <p:cNvPr id="2" name="표 1">
-            <a:extLst>
-              <a:ext uri="{FF2B5EF4-FFF2-40B4-BE49-F238E27FC236}">
-                <a16:creationId xmlns:a16="http://schemas.microsoft.com/office/drawing/2014/main" id="{8350D3EC-7571-B7C4-2D80-458FFF20AC11}"/>
-              </a:ext>
-            </a:extLst>
-          </p:cNvPr>
-          <p:cNvGraphicFramePr>
-            <a:graphicFrameLocks noGrp="1"/>
-          </p:cNvGraphicFramePr>
-          <p:nvPr>
-            <p:extLst>
-              <p:ext uri="{D42A27DB-BD31-4B8C-83A1-F6EECF244321}">
-                <p14:modId xmlns:p14="http://schemas.microsoft.com/office/powerpoint/2010/main" val="3052900140"/>
-              </p:ext>
-            </p:extLst>
-          </p:nvPr>
-        </p:nvGraphicFramePr>
-        <p:xfrm>
-          <a:off x="1818765" y="1290453"/>
-          <a:ext cx="8548369" cy="5032863"/>
-        </p:xfrm>
-        <a:graphic>
-          <a:graphicData uri="http://schemas.openxmlformats.org/drawingml/2006/table">
-            <a:tbl>
-              <a:tblPr firstRow="1" bandRow="1">
-                <a:tableStyleId>{5C22544A-7EE6-4342-B048-85BDC9FD1C3A}</a:tableStyleId>
-              </a:tblPr>
-              <a:tblGrid>
-                <a:gridCol w="1368797">
-                  <a:extLst>
-                    <a:ext uri="{9D8B030D-6E8A-4147-A177-3AD203B41FA5}">
-                      <a16:colId xmlns:a16="http://schemas.microsoft.com/office/drawing/2014/main" val="3453044630"/>
-                    </a:ext>
-                  </a:extLst>
-                </a:gridCol>
-                <a:gridCol w="7179572">
-                  <a:extLst>
-                    <a:ext uri="{9D8B030D-6E8A-4147-A177-3AD203B41FA5}">
-                      <a16:colId xmlns:a16="http://schemas.microsoft.com/office/drawing/2014/main" val="402735792"/>
-                    </a:ext>
-                  </a:extLst>
-                </a:gridCol>
-              </a:tblGrid>
-              <a:tr h="559207">
-                <a:tc>
-                  <a:txBody>
-                    <a:bodyPr/>
-                    <a:lstStyle/>
-                    <a:p>
-                      <a:pPr algn="ctr" latinLnBrk="1"/>
-                      <a:r>
-                        <a:rPr lang="ko-KR" altLang="en-US" sz="2400" spc="600">
-                          <a:solidFill>
-                            <a:schemeClr val="tx1"/>
-                          </a:solidFill>
-                          <a:latin typeface="스스로넷 설립체" panose="00000500000000000000" pitchFamily="2" charset="-127"/>
-                          <a:ea typeface="스스로넷 설립체" panose="00000500000000000000" pitchFamily="2" charset="-127"/>
-                        </a:rPr>
-                        <a:t>주차</a:t>
-                      </a:r>
-                    </a:p>
-                  </a:txBody>
-                  <a:tcPr anchor="ctr">
-                    <a:solidFill>
-                      <a:srgbClr val="9966FF">
-                        <a:alpha val="71765"/>
-                      </a:srgbClr>
-                    </a:solidFill>
-                  </a:tcPr>
-                </a:tc>
-                <a:tc>
-                  <a:txBody>
-                    <a:bodyPr/>
-                    <a:lstStyle/>
-                    <a:p>
-                      <a:pPr algn="ctr" latinLnBrk="1"/>
-                      <a:r>
-                        <a:rPr lang="ko-KR" altLang="en-US" sz="2400" spc="600">
-                          <a:solidFill>
-                            <a:schemeClr val="tx1"/>
-                          </a:solidFill>
-                          <a:latin typeface="스스로넷 설립체" panose="00000500000000000000" pitchFamily="2" charset="-127"/>
-                          <a:ea typeface="스스로넷 설립체" panose="00000500000000000000" pitchFamily="2" charset="-127"/>
-                        </a:rPr>
-                        <a:t>일정</a:t>
-                      </a:r>
-                    </a:p>
-                  </a:txBody>
-                  <a:tcPr anchor="ctr">
-                    <a:solidFill>
-                      <a:srgbClr val="9966FF">
-                        <a:alpha val="71765"/>
-                      </a:srgbClr>
-                    </a:solidFill>
-                  </a:tcPr>
-                </a:tc>
-                <a:extLst>
-                  <a:ext uri="{0D108BD9-81ED-4DB2-BD59-A6C34878D82A}">
-                    <a16:rowId xmlns:a16="http://schemas.microsoft.com/office/drawing/2014/main" val="528053541"/>
-                  </a:ext>
-                </a:extLst>
-              </a:tr>
-              <a:tr h="559207">
-                <a:tc>
-                  <a:txBody>
-                    <a:bodyPr/>
-                    <a:lstStyle/>
-                    <a:p>
-                      <a:pPr algn="ctr" latinLnBrk="1"/>
-                      <a:r>
-                        <a:rPr lang="en-US" altLang="ko-KR">
-                          <a:solidFill>
-                            <a:schemeClr val="tx1"/>
-                          </a:solidFill>
-                          <a:latin typeface="스스로넷 설립체" panose="00000500000000000000" pitchFamily="2" charset="-127"/>
-                          <a:ea typeface="스스로넷 설립체" panose="00000500000000000000" pitchFamily="2" charset="-127"/>
-                        </a:rPr>
-                        <a:t>1</a:t>
-                      </a:r>
-                      <a:r>
-                        <a:rPr lang="ko-KR" altLang="en-US">
-                          <a:solidFill>
-                            <a:schemeClr val="tx1"/>
-                          </a:solidFill>
-                          <a:latin typeface="스스로넷 설립체" panose="00000500000000000000" pitchFamily="2" charset="-127"/>
-                          <a:ea typeface="스스로넷 설립체" panose="00000500000000000000" pitchFamily="2" charset="-127"/>
-                        </a:rPr>
-                        <a:t>주차</a:t>
-                      </a:r>
-                    </a:p>
-                  </a:txBody>
-                  <a:tcPr anchor="ctr">
-                    <a:solidFill>
-                      <a:schemeClr val="bg1">
-                        <a:alpha val="72000"/>
-                      </a:schemeClr>
-                    </a:solidFill>
-                  </a:tcPr>
-                </a:tc>
-                <a:tc>
-                  <a:txBody>
-                    <a:bodyPr/>
-                    <a:lstStyle/>
-                    <a:p>
-                      <a:pPr algn="ctr" latinLnBrk="1"/>
-                      <a:r>
-                        <a:rPr lang="ko-KR" altLang="en-US" b="1">
-                          <a:solidFill>
-                            <a:schemeClr val="tx1"/>
-                          </a:solidFill>
-                          <a:latin typeface="이사만루체 Light" panose="00000300000000000000" pitchFamily="2" charset="-127"/>
-                          <a:ea typeface="이사만루체 Light" panose="00000300000000000000" pitchFamily="2" charset="-127"/>
-                        </a:rPr>
-                        <a:t>부족한 리소스 수집 </a:t>
-                      </a:r>
-                      <a:r>
-                        <a:rPr lang="en-US" altLang="ko-KR" b="1">
-                          <a:solidFill>
-                            <a:schemeClr val="tx1"/>
-                          </a:solidFill>
-                          <a:latin typeface="이사만루체 Light" panose="00000300000000000000" pitchFamily="2" charset="-127"/>
-                          <a:ea typeface="이사만루체 Light" panose="00000300000000000000" pitchFamily="2" charset="-127"/>
-                        </a:rPr>
-                        <a:t>(sound </a:t>
-                      </a:r>
-                      <a:r>
-                        <a:rPr lang="ko-KR" altLang="en-US" b="1">
-                          <a:solidFill>
-                            <a:schemeClr val="tx1"/>
-                          </a:solidFill>
-                          <a:latin typeface="이사만루체 Light" panose="00000300000000000000" pitchFamily="2" charset="-127"/>
-                          <a:ea typeface="이사만루체 Light" panose="00000300000000000000" pitchFamily="2" charset="-127"/>
-                        </a:rPr>
-                        <a:t>등</a:t>
-                      </a:r>
-                      <a:r>
-                        <a:rPr lang="en-US" altLang="ko-KR" b="1">
-                          <a:solidFill>
-                            <a:schemeClr val="tx1"/>
-                          </a:solidFill>
-                          <a:latin typeface="이사만루체 Light" panose="00000300000000000000" pitchFamily="2" charset="-127"/>
-                          <a:ea typeface="이사만루체 Light" panose="00000300000000000000" pitchFamily="2" charset="-127"/>
-                        </a:rPr>
-                        <a:t>)</a:t>
-                      </a:r>
-                      <a:endParaRPr lang="ko-KR" altLang="en-US" b="1">
-                        <a:solidFill>
-                          <a:schemeClr val="tx1"/>
-                        </a:solidFill>
-                        <a:latin typeface="이사만루체 Light" panose="00000300000000000000" pitchFamily="2" charset="-127"/>
-                        <a:ea typeface="이사만루체 Light" panose="00000300000000000000" pitchFamily="2" charset="-127"/>
-                      </a:endParaRPr>
-                    </a:p>
-                  </a:txBody>
-                  <a:tcPr anchor="ctr">
-                    <a:solidFill>
-                      <a:schemeClr val="bg1">
-                        <a:alpha val="72000"/>
-                      </a:schemeClr>
-                    </a:solidFill>
-                  </a:tcPr>
-                </a:tc>
-                <a:extLst>
-                  <a:ext uri="{0D108BD9-81ED-4DB2-BD59-A6C34878D82A}">
-                    <a16:rowId xmlns:a16="http://schemas.microsoft.com/office/drawing/2014/main" val="2578804122"/>
-                  </a:ext>
-                </a:extLst>
-              </a:tr>
-              <a:tr h="559207">
-                <a:tc>
-                  <a:txBody>
-                    <a:bodyPr/>
-                    <a:lstStyle/>
-                    <a:p>
-                      <a:pPr algn="ctr" latinLnBrk="1"/>
-                      <a:r>
-                        <a:rPr lang="en-US" altLang="ko-KR">
-                          <a:solidFill>
-                            <a:schemeClr val="tx1"/>
-                          </a:solidFill>
-                          <a:latin typeface="스스로넷 설립체" panose="00000500000000000000" pitchFamily="2" charset="-127"/>
-                          <a:ea typeface="스스로넷 설립체" panose="00000500000000000000" pitchFamily="2" charset="-127"/>
-                        </a:rPr>
-                        <a:t>2</a:t>
-                      </a:r>
-                      <a:r>
-                        <a:rPr lang="ko-KR" altLang="en-US">
-                          <a:solidFill>
-                            <a:schemeClr val="tx1"/>
-                          </a:solidFill>
-                          <a:latin typeface="스스로넷 설립체" panose="00000500000000000000" pitchFamily="2" charset="-127"/>
-                          <a:ea typeface="스스로넷 설립체" panose="00000500000000000000" pitchFamily="2" charset="-127"/>
-                        </a:rPr>
-                        <a:t>주차</a:t>
-                      </a:r>
-                    </a:p>
-                  </a:txBody>
-                  <a:tcPr anchor="ctr">
-                    <a:solidFill>
-                      <a:schemeClr val="bg1">
-                        <a:alpha val="72000"/>
-                      </a:schemeClr>
-                    </a:solidFill>
-                  </a:tcPr>
-                </a:tc>
-                <a:tc>
-                  <a:txBody>
-                    <a:bodyPr/>
-                    <a:lstStyle/>
-                    <a:p>
-                      <a:pPr algn="ctr" latinLnBrk="1"/>
-                      <a:r>
-                        <a:rPr lang="ko-KR" altLang="en-US" b="1">
-                          <a:solidFill>
-                            <a:schemeClr val="tx1"/>
-                          </a:solidFill>
-                          <a:latin typeface="이사만루체 Light" panose="00000300000000000000" pitchFamily="2" charset="-127"/>
-                          <a:ea typeface="이사만루체 Light" panose="00000300000000000000" pitchFamily="2" charset="-127"/>
-                        </a:rPr>
-                        <a:t>리소스 렌더러</a:t>
-                      </a:r>
-                      <a:r>
-                        <a:rPr lang="en-US" altLang="ko-KR" b="1">
-                          <a:solidFill>
-                            <a:schemeClr val="tx1"/>
-                          </a:solidFill>
-                          <a:latin typeface="이사만루체 Light" panose="00000300000000000000" pitchFamily="2" charset="-127"/>
-                          <a:ea typeface="이사만루체 Light" panose="00000300000000000000" pitchFamily="2" charset="-127"/>
-                        </a:rPr>
-                        <a:t>, </a:t>
-                      </a:r>
-                      <a:r>
-                        <a:rPr lang="ko-KR" altLang="en-US" b="1">
-                          <a:solidFill>
-                            <a:schemeClr val="tx1"/>
-                          </a:solidFill>
-                          <a:latin typeface="이사만루체 Light" panose="00000300000000000000" pitchFamily="2" charset="-127"/>
-                          <a:ea typeface="이사만루체 Light" panose="00000300000000000000" pitchFamily="2" charset="-127"/>
-                        </a:rPr>
-                        <a:t>기본적인 캐릭터 컨트롤러 구현</a:t>
-                      </a:r>
-                    </a:p>
-                  </a:txBody>
-                  <a:tcPr anchor="ctr">
-                    <a:solidFill>
-                      <a:schemeClr val="bg1">
-                        <a:alpha val="72000"/>
-                      </a:schemeClr>
-                    </a:solidFill>
-                  </a:tcPr>
-                </a:tc>
-                <a:extLst>
-                  <a:ext uri="{0D108BD9-81ED-4DB2-BD59-A6C34878D82A}">
-                    <a16:rowId xmlns:a16="http://schemas.microsoft.com/office/drawing/2014/main" val="1893897210"/>
-                  </a:ext>
-                </a:extLst>
-              </a:tr>
-              <a:tr h="559207">
-                <a:tc>
-                  <a:txBody>
-                    <a:bodyPr/>
-                    <a:lstStyle/>
-                    <a:p>
-                      <a:pPr algn="ctr" latinLnBrk="1"/>
-                      <a:r>
-                        <a:rPr lang="en-US" altLang="ko-KR">
-                          <a:solidFill>
-                            <a:schemeClr val="tx1"/>
-                          </a:solidFill>
-                          <a:latin typeface="스스로넷 설립체" panose="00000500000000000000" pitchFamily="2" charset="-127"/>
-                          <a:ea typeface="스스로넷 설립체" panose="00000500000000000000" pitchFamily="2" charset="-127"/>
-                        </a:rPr>
-                        <a:t>3</a:t>
-                      </a:r>
-                      <a:r>
-                        <a:rPr lang="ko-KR" altLang="en-US">
-                          <a:solidFill>
-                            <a:schemeClr val="tx1"/>
-                          </a:solidFill>
-                          <a:latin typeface="스스로넷 설립체" panose="00000500000000000000" pitchFamily="2" charset="-127"/>
-                          <a:ea typeface="스스로넷 설립체" panose="00000500000000000000" pitchFamily="2" charset="-127"/>
-                        </a:rPr>
-                        <a:t>주차</a:t>
-                      </a:r>
-                    </a:p>
-                  </a:txBody>
-                  <a:tcPr anchor="ctr">
-                    <a:solidFill>
-                      <a:schemeClr val="bg1">
-                        <a:alpha val="72000"/>
-                      </a:schemeClr>
-                    </a:solidFill>
-                  </a:tcPr>
-                </a:tc>
-                <a:tc>
-                  <a:txBody>
-                    <a:bodyPr/>
-                    <a:lstStyle/>
-                    <a:p>
-                      <a:pPr algn="ctr" latinLnBrk="1"/>
-                      <a:r>
-                        <a:rPr lang="ko-KR" altLang="en-US" b="1">
-                          <a:solidFill>
-                            <a:schemeClr val="tx1"/>
-                          </a:solidFill>
-                          <a:latin typeface="이사만루체 Light" panose="00000300000000000000" pitchFamily="2" charset="-127"/>
-                          <a:ea typeface="이사만루체 Light" panose="00000300000000000000" pitchFamily="2" charset="-127"/>
-                        </a:rPr>
-                        <a:t>충돌처리 </a:t>
-                      </a:r>
-                    </a:p>
-                  </a:txBody>
-                  <a:tcPr anchor="ctr">
-                    <a:solidFill>
-                      <a:schemeClr val="bg1">
-                        <a:alpha val="72000"/>
-                      </a:schemeClr>
-                    </a:solidFill>
-                  </a:tcPr>
-                </a:tc>
-                <a:extLst>
-                  <a:ext uri="{0D108BD9-81ED-4DB2-BD59-A6C34878D82A}">
-                    <a16:rowId xmlns:a16="http://schemas.microsoft.com/office/drawing/2014/main" val="3073544646"/>
-                  </a:ext>
-                </a:extLst>
-              </a:tr>
-              <a:tr h="559207">
-                <a:tc>
-                  <a:txBody>
-                    <a:bodyPr/>
-                    <a:lstStyle/>
-                    <a:p>
-                      <a:pPr algn="ctr" latinLnBrk="1"/>
-                      <a:r>
-                        <a:rPr lang="en-US" altLang="ko-KR">
-                          <a:solidFill>
-                            <a:schemeClr val="tx1"/>
-                          </a:solidFill>
-                          <a:latin typeface="스스로넷 설립체" panose="00000500000000000000" pitchFamily="2" charset="-127"/>
-                          <a:ea typeface="스스로넷 설립체" panose="00000500000000000000" pitchFamily="2" charset="-127"/>
-                        </a:rPr>
-                        <a:t>4</a:t>
-                      </a:r>
-                      <a:r>
-                        <a:rPr lang="ko-KR" altLang="en-US">
-                          <a:solidFill>
-                            <a:schemeClr val="tx1"/>
-                          </a:solidFill>
-                          <a:latin typeface="스스로넷 설립체" panose="00000500000000000000" pitchFamily="2" charset="-127"/>
-                          <a:ea typeface="스스로넷 설립체" panose="00000500000000000000" pitchFamily="2" charset="-127"/>
-                        </a:rPr>
-                        <a:t>주차</a:t>
-                      </a:r>
-                    </a:p>
-                  </a:txBody>
-                  <a:tcPr anchor="ctr">
-                    <a:solidFill>
-                      <a:schemeClr val="bg1">
-                        <a:alpha val="72000"/>
-                      </a:schemeClr>
-                    </a:solidFill>
-                  </a:tcPr>
-                </a:tc>
-                <a:tc>
-                  <a:txBody>
-                    <a:bodyPr/>
-                    <a:lstStyle/>
-                    <a:p>
-                      <a:pPr algn="ctr" latinLnBrk="1"/>
-                      <a:r>
-                        <a:rPr lang="ko-KR" altLang="en-US" b="1">
-                          <a:solidFill>
-                            <a:schemeClr val="tx1"/>
-                          </a:solidFill>
-                          <a:latin typeface="이사만루체 Light" panose="00000300000000000000" pitchFamily="2" charset="-127"/>
-                          <a:ea typeface="이사만루체 Light" panose="00000300000000000000" pitchFamily="2" charset="-127"/>
-                        </a:rPr>
-                        <a:t>타이틀 씬</a:t>
-                      </a:r>
-                      <a:r>
-                        <a:rPr lang="en-US" altLang="ko-KR" b="1">
-                          <a:solidFill>
-                            <a:schemeClr val="tx1"/>
-                          </a:solidFill>
-                          <a:latin typeface="이사만루체 Light" panose="00000300000000000000" pitchFamily="2" charset="-127"/>
-                          <a:ea typeface="이사만루체 Light" panose="00000300000000000000" pitchFamily="2" charset="-127"/>
-                        </a:rPr>
-                        <a:t>, </a:t>
-                      </a:r>
-                      <a:r>
-                        <a:rPr lang="ko-KR" altLang="en-US" b="1">
-                          <a:solidFill>
-                            <a:schemeClr val="tx1"/>
-                          </a:solidFill>
-                          <a:latin typeface="이사만루체 Light" panose="00000300000000000000" pitchFamily="2" charset="-127"/>
-                          <a:ea typeface="이사만루체 Light" panose="00000300000000000000" pitchFamily="2" charset="-127"/>
-                        </a:rPr>
-                        <a:t>메뉴 씬 및 게임 프레임워크 구현</a:t>
-                      </a:r>
-                    </a:p>
-                  </a:txBody>
-                  <a:tcPr anchor="ctr">
-                    <a:solidFill>
-                      <a:schemeClr val="bg1">
-                        <a:alpha val="72000"/>
-                      </a:schemeClr>
-                    </a:solidFill>
-                  </a:tcPr>
-                </a:tc>
-                <a:extLst>
-                  <a:ext uri="{0D108BD9-81ED-4DB2-BD59-A6C34878D82A}">
-                    <a16:rowId xmlns:a16="http://schemas.microsoft.com/office/drawing/2014/main" val="3066327540"/>
-                  </a:ext>
-                </a:extLst>
-              </a:tr>
-              <a:tr h="559207">
-                <a:tc>
-                  <a:txBody>
-                    <a:bodyPr/>
-                    <a:lstStyle/>
-                    <a:p>
-                      <a:pPr algn="ctr" latinLnBrk="1"/>
-                      <a:r>
-                        <a:rPr lang="en-US" altLang="ko-KR">
-                          <a:solidFill>
-                            <a:schemeClr val="tx1"/>
-                          </a:solidFill>
-                          <a:latin typeface="스스로넷 설립체" panose="00000500000000000000" pitchFamily="2" charset="-127"/>
-                          <a:ea typeface="스스로넷 설립체" panose="00000500000000000000" pitchFamily="2" charset="-127"/>
-                        </a:rPr>
-                        <a:t>5</a:t>
-                      </a:r>
-                      <a:r>
-                        <a:rPr lang="ko-KR" altLang="en-US">
-                          <a:solidFill>
-                            <a:schemeClr val="tx1"/>
-                          </a:solidFill>
-                          <a:latin typeface="스스로넷 설립체" panose="00000500000000000000" pitchFamily="2" charset="-127"/>
-                          <a:ea typeface="스스로넷 설립체" panose="00000500000000000000" pitchFamily="2" charset="-127"/>
-                        </a:rPr>
-                        <a:t>주차</a:t>
-                      </a:r>
-                    </a:p>
-                  </a:txBody>
-                  <a:tcPr anchor="ctr">
-                    <a:solidFill>
-                      <a:schemeClr val="bg1">
-                        <a:alpha val="72000"/>
-                      </a:schemeClr>
-                    </a:solidFill>
-                  </a:tcPr>
-                </a:tc>
-                <a:tc>
-                  <a:txBody>
-                    <a:bodyPr/>
-                    <a:lstStyle/>
-                    <a:p>
-                      <a:pPr algn="ctr" latinLnBrk="1"/>
-                      <a:r>
-                        <a:rPr lang="ko-KR" altLang="en-US" b="1">
-                          <a:solidFill>
-                            <a:schemeClr val="tx1"/>
-                          </a:solidFill>
-                          <a:latin typeface="이사만루체 Light" panose="00000300000000000000" pitchFamily="2" charset="-127"/>
-                          <a:ea typeface="이사만루체 Light" panose="00000300000000000000" pitchFamily="2" charset="-127"/>
-                        </a:rPr>
-                        <a:t>맵 스크롤링 및 구조물 배치</a:t>
-                      </a:r>
-                    </a:p>
-                  </a:txBody>
-                  <a:tcPr anchor="ctr">
-                    <a:solidFill>
-                      <a:schemeClr val="bg1">
-                        <a:alpha val="72000"/>
-                      </a:schemeClr>
-                    </a:solidFill>
-                  </a:tcPr>
-                </a:tc>
-                <a:extLst>
-                  <a:ext uri="{0D108BD9-81ED-4DB2-BD59-A6C34878D82A}">
-                    <a16:rowId xmlns:a16="http://schemas.microsoft.com/office/drawing/2014/main" val="400980576"/>
-                  </a:ext>
-                </a:extLst>
-              </a:tr>
-              <a:tr h="559207">
-                <a:tc>
-                  <a:txBody>
-                    <a:bodyPr/>
-                    <a:lstStyle/>
-                    <a:p>
-                      <a:pPr algn="ctr" latinLnBrk="1"/>
-                      <a:r>
-                        <a:rPr lang="en-US" altLang="ko-KR">
-                          <a:solidFill>
-                            <a:schemeClr val="tx1"/>
-                          </a:solidFill>
-                          <a:latin typeface="스스로넷 설립체" panose="00000500000000000000" pitchFamily="2" charset="-127"/>
-                          <a:ea typeface="스스로넷 설립체" panose="00000500000000000000" pitchFamily="2" charset="-127"/>
-                        </a:rPr>
-                        <a:t>6</a:t>
-                      </a:r>
-                      <a:r>
-                        <a:rPr lang="ko-KR" altLang="en-US">
-                          <a:solidFill>
-                            <a:schemeClr val="tx1"/>
-                          </a:solidFill>
-                          <a:latin typeface="스스로넷 설립체" panose="00000500000000000000" pitchFamily="2" charset="-127"/>
-                          <a:ea typeface="스스로넷 설립체" panose="00000500000000000000" pitchFamily="2" charset="-127"/>
-                        </a:rPr>
-                        <a:t>주차</a:t>
-                      </a:r>
-                    </a:p>
-                  </a:txBody>
-                  <a:tcPr anchor="ctr">
-                    <a:solidFill>
-                      <a:schemeClr val="bg1">
-                        <a:alpha val="72000"/>
-                      </a:schemeClr>
-                    </a:solidFill>
-                  </a:tcPr>
-                </a:tc>
-                <a:tc>
-                  <a:txBody>
-                    <a:bodyPr/>
-                    <a:lstStyle/>
-                    <a:p>
-                      <a:pPr algn="ctr" latinLnBrk="1"/>
-                      <a:r>
-                        <a:rPr lang="ko-KR" altLang="en-US" b="1">
-                          <a:solidFill>
-                            <a:schemeClr val="tx1"/>
-                          </a:solidFill>
-                          <a:latin typeface="이사만루체 Light" panose="00000300000000000000" pitchFamily="2" charset="-127"/>
-                          <a:ea typeface="이사만루체 Light" panose="00000300000000000000" pitchFamily="2" charset="-127"/>
-                        </a:rPr>
-                        <a:t>보스 스테이지</a:t>
-                      </a:r>
-                      <a:r>
-                        <a:rPr lang="en-US" altLang="ko-KR" b="1">
-                          <a:solidFill>
-                            <a:schemeClr val="tx1"/>
-                          </a:solidFill>
-                          <a:latin typeface="이사만루체 Light" panose="00000300000000000000" pitchFamily="2" charset="-127"/>
-                          <a:ea typeface="이사만루체 Light" panose="00000300000000000000" pitchFamily="2" charset="-127"/>
-                        </a:rPr>
-                        <a:t>, </a:t>
-                      </a:r>
-                      <a:r>
-                        <a:rPr lang="ko-KR" altLang="en-US" b="1">
-                          <a:solidFill>
-                            <a:schemeClr val="tx1"/>
-                          </a:solidFill>
-                          <a:latin typeface="이사만루체 Light" panose="00000300000000000000" pitchFamily="2" charset="-127"/>
-                          <a:ea typeface="이사만루체 Light" panose="00000300000000000000" pitchFamily="2" charset="-127"/>
-                        </a:rPr>
-                        <a:t>보너스 스테이지 구현</a:t>
-                      </a:r>
-                    </a:p>
-                  </a:txBody>
-                  <a:tcPr anchor="ctr">
-                    <a:solidFill>
-                      <a:schemeClr val="bg1">
-                        <a:alpha val="72000"/>
-                      </a:schemeClr>
-                    </a:solidFill>
-                  </a:tcPr>
-                </a:tc>
-                <a:extLst>
-                  <a:ext uri="{0D108BD9-81ED-4DB2-BD59-A6C34878D82A}">
-                    <a16:rowId xmlns:a16="http://schemas.microsoft.com/office/drawing/2014/main" val="3882554321"/>
-                  </a:ext>
-                </a:extLst>
-              </a:tr>
-              <a:tr h="559207">
-                <a:tc>
-                  <a:txBody>
-                    <a:bodyPr/>
-                    <a:lstStyle/>
-                    <a:p>
-                      <a:pPr algn="ctr" latinLnBrk="1"/>
-                      <a:r>
-                        <a:rPr lang="en-US" altLang="ko-KR">
-                          <a:solidFill>
-                            <a:schemeClr val="tx1"/>
-                          </a:solidFill>
-                          <a:latin typeface="스스로넷 설립체" panose="00000500000000000000" pitchFamily="2" charset="-127"/>
-                          <a:ea typeface="스스로넷 설립체" panose="00000500000000000000" pitchFamily="2" charset="-127"/>
-                        </a:rPr>
-                        <a:t>7</a:t>
-                      </a:r>
-                      <a:r>
-                        <a:rPr lang="ko-KR" altLang="en-US">
-                          <a:solidFill>
-                            <a:schemeClr val="tx1"/>
-                          </a:solidFill>
-                          <a:latin typeface="스스로넷 설립체" panose="00000500000000000000" pitchFamily="2" charset="-127"/>
-                          <a:ea typeface="스스로넷 설립체" panose="00000500000000000000" pitchFamily="2" charset="-127"/>
-                        </a:rPr>
-                        <a:t>주차</a:t>
-                      </a:r>
-                    </a:p>
-                  </a:txBody>
-                  <a:tcPr anchor="ctr">
-                    <a:solidFill>
-                      <a:schemeClr val="bg1">
-                        <a:alpha val="72000"/>
-                      </a:schemeClr>
-                    </a:solidFill>
-                  </a:tcPr>
-                </a:tc>
-                <a:tc>
-                  <a:txBody>
-                    <a:bodyPr/>
-                    <a:lstStyle/>
-                    <a:p>
-                      <a:pPr algn="ctr" latinLnBrk="1"/>
-                      <a:r>
-                        <a:rPr lang="ko-KR" altLang="en-US" b="1">
-                          <a:solidFill>
-                            <a:schemeClr val="tx1"/>
-                          </a:solidFill>
-                          <a:latin typeface="이사만루체 Light" panose="00000300000000000000" pitchFamily="2" charset="-127"/>
-                          <a:ea typeface="이사만루체 Light" panose="00000300000000000000" pitchFamily="2" charset="-127"/>
-                        </a:rPr>
-                        <a:t>게임 데이터 처리</a:t>
-                      </a:r>
-                      <a:r>
-                        <a:rPr lang="en-US" altLang="ko-KR" b="1">
-                          <a:solidFill>
-                            <a:schemeClr val="tx1"/>
-                          </a:solidFill>
-                          <a:latin typeface="이사만루체 Light" panose="00000300000000000000" pitchFamily="2" charset="-127"/>
-                          <a:ea typeface="이사만루체 Light" panose="00000300000000000000" pitchFamily="2" charset="-127"/>
-                        </a:rPr>
-                        <a:t>, </a:t>
-                      </a:r>
-                      <a:r>
-                        <a:rPr lang="ko-KR" altLang="en-US" b="1">
-                          <a:solidFill>
-                            <a:schemeClr val="tx1"/>
-                          </a:solidFill>
-                          <a:latin typeface="이사만루체 Light" panose="00000300000000000000" pitchFamily="2" charset="-127"/>
-                          <a:ea typeface="이사만루체 Light" panose="00000300000000000000" pitchFamily="2" charset="-127"/>
-                        </a:rPr>
-                        <a:t>미구현 사항 구현</a:t>
-                      </a:r>
-                    </a:p>
-                  </a:txBody>
-                  <a:tcPr anchor="ctr">
-                    <a:solidFill>
-                      <a:schemeClr val="bg1">
-                        <a:alpha val="72000"/>
-                      </a:schemeClr>
-                    </a:solidFill>
-                  </a:tcPr>
-                </a:tc>
-                <a:extLst>
-                  <a:ext uri="{0D108BD9-81ED-4DB2-BD59-A6C34878D82A}">
-                    <a16:rowId xmlns:a16="http://schemas.microsoft.com/office/drawing/2014/main" val="3331547934"/>
-                  </a:ext>
-                </a:extLst>
-              </a:tr>
-              <a:tr h="559207">
-                <a:tc>
-                  <a:txBody>
-                    <a:bodyPr/>
-                    <a:lstStyle/>
-                    <a:p>
-                      <a:pPr algn="ctr" latinLnBrk="1"/>
-                      <a:r>
-                        <a:rPr lang="en-US" altLang="ko-KR">
-                          <a:solidFill>
-                            <a:schemeClr val="tx1"/>
-                          </a:solidFill>
-                          <a:latin typeface="스스로넷 설립체" panose="00000500000000000000" pitchFamily="2" charset="-127"/>
-                          <a:ea typeface="스스로넷 설립체" panose="00000500000000000000" pitchFamily="2" charset="-127"/>
-                        </a:rPr>
-                        <a:t>8</a:t>
-                      </a:r>
-                      <a:r>
-                        <a:rPr lang="ko-KR" altLang="en-US">
-                          <a:solidFill>
-                            <a:schemeClr val="tx1"/>
-                          </a:solidFill>
-                          <a:latin typeface="스스로넷 설립체" panose="00000500000000000000" pitchFamily="2" charset="-127"/>
-                          <a:ea typeface="스스로넷 설립체" panose="00000500000000000000" pitchFamily="2" charset="-127"/>
-                        </a:rPr>
-                        <a:t>주차</a:t>
-                      </a:r>
-                    </a:p>
-                  </a:txBody>
-                  <a:tcPr anchor="ctr">
-                    <a:solidFill>
-                      <a:schemeClr val="bg1">
-                        <a:alpha val="72000"/>
-                      </a:schemeClr>
-                    </a:solidFill>
-                  </a:tcPr>
-                </a:tc>
-                <a:tc>
-                  <a:txBody>
-                    <a:bodyPr/>
-                    <a:lstStyle/>
-                    <a:p>
-                      <a:pPr algn="ctr" latinLnBrk="1"/>
-                      <a:r>
-                        <a:rPr lang="ko-KR" altLang="en-US" b="1">
-                          <a:solidFill>
-                            <a:schemeClr val="tx1"/>
-                          </a:solidFill>
-                          <a:latin typeface="이사만루체 Light" panose="00000300000000000000" pitchFamily="2" charset="-127"/>
-                          <a:ea typeface="이사만루체 Light" panose="00000300000000000000" pitchFamily="2" charset="-127"/>
-                        </a:rPr>
-                        <a:t>최종 테스트 및 최종발표 준비</a:t>
-                      </a:r>
-                    </a:p>
-                  </a:txBody>
-                  <a:tcPr anchor="ctr">
-                    <a:solidFill>
-                      <a:schemeClr val="bg1">
-                        <a:alpha val="72000"/>
-                      </a:schemeClr>
-                    </a:solidFill>
-                  </a:tcPr>
-                </a:tc>
-                <a:extLst>
-                  <a:ext uri="{0D108BD9-81ED-4DB2-BD59-A6C34878D82A}">
-                    <a16:rowId xmlns:a16="http://schemas.microsoft.com/office/drawing/2014/main" val="2158615244"/>
-                  </a:ext>
-                </a:extLst>
-              </a:tr>
-            </a:tbl>
-          </a:graphicData>
-        </a:graphic>
-      </p:graphicFrame>
-      <p:sp>
-        <p:nvSpPr>
-          <p:cNvPr id="6" name="TextBox 5">
-            <a:extLst>
-              <a:ext uri="{FF2B5EF4-FFF2-40B4-BE49-F238E27FC236}">
-                <a16:creationId xmlns:a16="http://schemas.microsoft.com/office/drawing/2014/main" id="{28EBFA83-7C05-84D8-CF2E-EC0B197CA009}"/>
-              </a:ext>
-            </a:extLst>
-          </p:cNvPr>
-          <p:cNvSpPr txBox="1"/>
-          <p:nvPr/>
-        </p:nvSpPr>
-        <p:spPr>
-          <a:xfrm>
-            <a:off x="4942910" y="478770"/>
-            <a:ext cx="2300077" cy="553998"/>
-          </a:xfrm>
-          <a:prstGeom prst="rect">
-            <a:avLst/>
-          </a:prstGeom>
-          <a:solidFill>
-            <a:schemeClr val="lt1">
-              <a:alpha val="70000"/>
-            </a:schemeClr>
-          </a:solidFill>
-        </p:spPr>
-        <p:style>
-          <a:lnRef idx="2">
-            <a:schemeClr val="dk1"/>
-          </a:lnRef>
-          <a:fillRef idx="1">
-            <a:schemeClr val="lt1"/>
-          </a:fillRef>
-          <a:effectRef idx="0">
-            <a:schemeClr val="dk1"/>
-          </a:effectRef>
-          <a:fontRef idx="minor">
-            <a:schemeClr val="dk1"/>
-          </a:fontRef>
-        </p:style>
-        <p:txBody>
-          <a:bodyPr wrap="square">
-            <a:spAutoFit/>
-          </a:bodyPr>
-          <a:lstStyle/>
-          <a:p>
-            <a:pPr algn="ctr"/>
-            <a:r>
-              <a:rPr lang="en-US" altLang="ko-KR" sz="3000">
-                <a:ln w="12700">
-                  <a:noFill/>
-                </a:ln>
-                <a:latin typeface="스스로넷 설립체" panose="00000500000000000000" pitchFamily="2" charset="-127"/>
-                <a:ea typeface="스스로넷 설립체" panose="00000500000000000000" pitchFamily="2" charset="-127"/>
-              </a:rPr>
-              <a:t>3. </a:t>
-            </a:r>
-            <a:r>
-              <a:rPr lang="ko-KR" altLang="en-US" sz="3000">
-                <a:ln w="12700">
-                  <a:noFill/>
-                </a:ln>
-                <a:latin typeface="스스로넷 설립체" panose="00000500000000000000" pitchFamily="2" charset="-127"/>
-                <a:ea typeface="스스로넷 설립체" panose="00000500000000000000" pitchFamily="2" charset="-127"/>
-              </a:rPr>
-              <a:t>개발 일정</a:t>
-            </a:r>
-            <a:endParaRPr lang="en-US" altLang="ko-KR" sz="3000">
-              <a:ln w="12700">
-                <a:noFill/>
-              </a:ln>
-              <a:latin typeface="스스로넷 설립체" panose="00000500000000000000" pitchFamily="2" charset="-127"/>
-              <a:ea typeface="스스로넷 설립체" panose="00000500000000000000" pitchFamily="2" charset="-127"/>
-            </a:endParaRPr>
-          </a:p>
-        </p:txBody>
-      </p:sp>
-    </p:spTree>
-    <p:extLst>
-      <p:ext uri="{BB962C8B-B14F-4D97-AF65-F5344CB8AC3E}">
-        <p14:creationId xmlns:p14="http://schemas.microsoft.com/office/powerpoint/2010/main" val="98356947"/>
-      </p:ext>
-    </p:extLst>
-  </p:cSld>
-  <p:clrMapOvr>
-    <a:masterClrMapping/>
-  </p:clrMapOvr>
-</p:sld>
-</file>
-
-<file path=ppt/slides/slide8.xml><?xml version="1.0" encoding="utf-8"?>
-<p:sld xmlns:a="http://schemas.openxmlformats.org/drawingml/2006/main" xmlns:r="http://schemas.openxmlformats.org/officeDocument/2006/relationships" xmlns:p="http://schemas.openxmlformats.org/presentationml/2006/main">
-  <p:cSld>
-    <p:bg>
-      <p:bgPr>
-        <a:solidFill>
-          <a:schemeClr val="bg1"/>
-        </a:solidFill>
-        <a:effectLst/>
-      </p:bgPr>
-    </p:bg>
-    <p:spTree>
-      <p:nvGrpSpPr>
-        <p:cNvPr id="1" name=""/>
-        <p:cNvGrpSpPr/>
-        <p:nvPr/>
-      </p:nvGrpSpPr>
-      <p:grpSpPr>
-        <a:xfrm>
-          <a:off x="0" y="0"/>
-          <a:ext cx="0" cy="0"/>
-          <a:chOff x="0" y="0"/>
-          <a:chExt cx="0" cy="0"/>
-        </a:xfrm>
-      </p:grpSpPr>
-      <p:sp useBgFill="1">
-        <p:nvSpPr>
-          <p:cNvPr id="10" name="Rectangle 9">
-            <a:extLst>
-              <a:ext uri="{FF2B5EF4-FFF2-40B4-BE49-F238E27FC236}">
-                <a16:creationId xmlns:a16="http://schemas.microsoft.com/office/drawing/2014/main" id="{C1DD1A8A-57D5-4A81-AD04-532B043C5611}"/>
-              </a:ext>
-              <a:ext uri="{C183D7F6-B498-43B3-948B-1728B52AA6E4}">
-                <adec:decorative xmlns:adec="http://schemas.microsoft.com/office/drawing/2017/decorative" val="1"/>
-              </a:ext>
-            </a:extLst>
-          </p:cNvPr>
-          <p:cNvSpPr>
-            <a:spLocks noGrp="1" noRot="1" noChangeAspect="1" noMove="1" noResize="1" noEditPoints="1" noAdjustHandles="1" noChangeArrowheads="1" noChangeShapeType="1" noTextEdit="1"/>
-          </p:cNvSpPr>
-          <p:nvPr>
-            <p:extLst>
-              <p:ext uri="{386F3935-93C4-4BCD-93E2-E3B085C9AB24}">
-                <p16:designElem xmlns:p16="http://schemas.microsoft.com/office/powerpoint/2015/main" val="1"/>
-              </p:ext>
-            </p:extLst>
-          </p:nvPr>
-        </p:nvSpPr>
-        <p:spPr>
-          <a:xfrm>
-            <a:off x="-1" y="0"/>
-            <a:ext cx="12188952" cy="6858000"/>
-          </a:xfrm>
-          <a:prstGeom prst="rect">
-            <a:avLst/>
-          </a:prstGeom>
-          <a:ln>
-            <a:noFill/>
-          </a:ln>
-        </p:spPr>
-        <p:style>
-          <a:lnRef idx="2">
-            <a:schemeClr val="accent1">
-              <a:shade val="50000"/>
-            </a:schemeClr>
-          </a:lnRef>
-          <a:fillRef idx="1">
-            <a:schemeClr val="accent1"/>
-          </a:fillRef>
-          <a:effectRef idx="0">
-            <a:schemeClr val="accent1"/>
-          </a:effectRef>
-          <a:fontRef idx="minor">
-            <a:schemeClr val="lt1"/>
-          </a:fontRef>
-        </p:style>
-        <p:txBody>
-          <a:bodyPr rtlCol="0" anchor="ctr"/>
-          <a:lstStyle/>
-          <a:p>
-            <a:pPr algn="ctr"/>
-            <a:endParaRPr lang="en-US"/>
-          </a:p>
-        </p:txBody>
-      </p:sp>
-      <p:pic>
-        <p:nvPicPr>
-          <p:cNvPr id="5" name="그림 4" descr="텍스트, 스크린샷, 라인이(가) 표시된 사진&#10;&#10;자동 생성된 설명">
-            <a:extLst>
-              <a:ext uri="{FF2B5EF4-FFF2-40B4-BE49-F238E27FC236}">
-                <a16:creationId xmlns:a16="http://schemas.microsoft.com/office/drawing/2014/main" id="{AFCE5F72-D023-3D9D-24CB-758AFD7D132C}"/>
-              </a:ext>
-            </a:extLst>
-          </p:cNvPr>
-          <p:cNvPicPr>
-            <a:picLocks noChangeAspect="1"/>
-          </p:cNvPicPr>
-          <p:nvPr/>
-        </p:nvPicPr>
-        <p:blipFill rotWithShape="1">
-          <a:blip r:embed="rId2">
-            <a:extLst>
-              <a:ext uri="{28A0092B-C50C-407E-A947-70E740481C1C}">
-                <a14:useLocalDpi xmlns:a14="http://schemas.microsoft.com/office/drawing/2010/main" val="0"/>
-              </a:ext>
-            </a:extLst>
-          </a:blip>
-          <a:srcRect t="14814" b="51436"/>
-          <a:stretch/>
-        </p:blipFill>
-        <p:spPr>
-          <a:xfrm>
-            <a:off x="-3047" y="10"/>
-            <a:ext cx="12191999" cy="6857990"/>
-          </a:xfrm>
-          <a:prstGeom prst="rect">
-            <a:avLst/>
-          </a:prstGeom>
-        </p:spPr>
-      </p:pic>
-      <p:sp>
-        <p:nvSpPr>
-          <p:cNvPr id="12" name="Rectangle 11">
-            <a:extLst>
-              <a:ext uri="{FF2B5EF4-FFF2-40B4-BE49-F238E27FC236}">
-                <a16:creationId xmlns:a16="http://schemas.microsoft.com/office/drawing/2014/main" id="{007891EC-4501-44ED-A8C8-B11B6DB767AB}"/>
-              </a:ext>
-              <a:ext uri="{C183D7F6-B498-43B3-948B-1728B52AA6E4}">
-                <adec:decorative xmlns:adec="http://schemas.microsoft.com/office/drawing/2017/decorative" val="1"/>
-              </a:ext>
-            </a:extLst>
-          </p:cNvPr>
-          <p:cNvSpPr>
-            <a:spLocks noGrp="1" noRot="1" noChangeAspect="1" noMove="1" noResize="1" noEditPoints="1" noAdjustHandles="1" noChangeArrowheads="1" noChangeShapeType="1" noTextEdit="1"/>
-          </p:cNvSpPr>
-          <p:nvPr>
-            <p:extLst>
-              <p:ext uri="{386F3935-93C4-4BCD-93E2-E3B085C9AB24}">
-                <p16:designElem xmlns:p16="http://schemas.microsoft.com/office/powerpoint/2015/main" val="1"/>
-              </p:ext>
-            </p:extLst>
-          </p:nvPr>
-        </p:nvSpPr>
-        <p:spPr>
-          <a:xfrm>
-            <a:off x="0" y="2207602"/>
-            <a:ext cx="12191999" cy="3162146"/>
-          </a:xfrm>
-          <a:prstGeom prst="rect">
-            <a:avLst/>
-          </a:prstGeom>
-          <a:gradFill flip="none" rotWithShape="1">
-            <a:gsLst>
-              <a:gs pos="0">
-                <a:srgbClr val="000000">
-                  <a:alpha val="0"/>
-                </a:srgbClr>
-              </a:gs>
-              <a:gs pos="25000">
-                <a:srgbClr val="000000">
-                  <a:alpha val="15000"/>
-                </a:srgbClr>
-              </a:gs>
-              <a:gs pos="75000">
-                <a:srgbClr val="000000">
-                  <a:alpha val="15000"/>
-                </a:srgbClr>
-              </a:gs>
-              <a:gs pos="50000">
-                <a:srgbClr val="000000">
-                  <a:alpha val="30000"/>
-                </a:srgbClr>
-              </a:gs>
-              <a:gs pos="100000">
-                <a:srgbClr val="000000">
-                  <a:alpha val="0"/>
-                </a:srgbClr>
-              </a:gs>
-            </a:gsLst>
-            <a:lin ang="16200000" scaled="1"/>
-            <a:tileRect/>
-          </a:gradFill>
-          <a:ln>
-            <a:noFill/>
-          </a:ln>
-        </p:spPr>
-        <p:style>
-          <a:lnRef idx="2">
-            <a:schemeClr val="accent1">
-              <a:shade val="50000"/>
-            </a:schemeClr>
-          </a:lnRef>
-          <a:fillRef idx="1">
-            <a:schemeClr val="accent1"/>
-          </a:fillRef>
-          <a:effectRef idx="0">
-            <a:schemeClr val="accent1"/>
-          </a:effectRef>
-          <a:fontRef idx="minor">
-            <a:schemeClr val="lt1"/>
-          </a:fontRef>
-        </p:style>
-        <p:txBody>
-          <a:bodyPr rtlCol="0" anchor="ctr"/>
-          <a:lstStyle/>
-          <a:p>
-            <a:pPr algn="ctr"/>
-            <a:endParaRPr lang="en-US"/>
-          </a:p>
-        </p:txBody>
-      </p:sp>
-      <p:sp>
-        <p:nvSpPr>
-          <p:cNvPr id="3" name="사각형: 둥근 모서리 2">
-            <a:extLst>
-              <a:ext uri="{FF2B5EF4-FFF2-40B4-BE49-F238E27FC236}">
-                <a16:creationId xmlns:a16="http://schemas.microsoft.com/office/drawing/2014/main" id="{665CA5CE-D6BF-D163-229A-6B158DFB4D77}"/>
-              </a:ext>
-            </a:extLst>
-          </p:cNvPr>
-          <p:cNvSpPr/>
-          <p:nvPr/>
-        </p:nvSpPr>
-        <p:spPr>
-          <a:xfrm>
-            <a:off x="1033673" y="679784"/>
-            <a:ext cx="10118558" cy="5498432"/>
-          </a:xfrm>
-          <a:prstGeom prst="roundRect">
-            <a:avLst/>
-          </a:prstGeom>
-          <a:solidFill>
-            <a:schemeClr val="bg1">
-              <a:alpha val="70000"/>
-            </a:schemeClr>
-          </a:solidFill>
-          <a:ln>
-            <a:solidFill>
-              <a:schemeClr val="tx1"/>
-            </a:solidFill>
-          </a:ln>
-        </p:spPr>
-        <p:style>
-          <a:lnRef idx="2">
-            <a:schemeClr val="dk1"/>
-          </a:lnRef>
-          <a:fillRef idx="1">
-            <a:schemeClr val="lt1"/>
-          </a:fillRef>
-          <a:effectRef idx="0">
-            <a:schemeClr val="dk1"/>
-          </a:effectRef>
-          <a:fontRef idx="minor">
-            <a:schemeClr val="dk1"/>
-          </a:fontRef>
-        </p:style>
-        <p:txBody>
-          <a:bodyPr rtlCol="0" anchor="t"/>
-          <a:lstStyle/>
-          <a:p>
-            <a:pPr algn="ctr">
-              <a:lnSpc>
-                <a:spcPct val="150000"/>
-              </a:lnSpc>
-            </a:pPr>
-            <a:r>
-              <a:rPr lang="ko-KR" altLang="en-US" sz="2400">
-                <a:ln w="12700">
-                  <a:noFill/>
-                </a:ln>
-                <a:latin typeface="스스로넷 설립체" panose="00000500000000000000" pitchFamily="2" charset="-127"/>
-                <a:ea typeface="스스로넷 설립체" panose="00000500000000000000" pitchFamily="2" charset="-127"/>
-              </a:rPr>
-              <a:t>리소스 출처</a:t>
-            </a:r>
-            <a:endParaRPr lang="en-US" altLang="ko-KR" sz="2400">
-              <a:ln w="12700">
-                <a:noFill/>
-              </a:ln>
-              <a:latin typeface="스스로넷 설립체" panose="00000500000000000000" pitchFamily="2" charset="-127"/>
-              <a:ea typeface="스스로넷 설립체" panose="00000500000000000000" pitchFamily="2" charset="-127"/>
-            </a:endParaRPr>
-          </a:p>
-          <a:p>
-            <a:pPr algn="ctr">
-              <a:lnSpc>
-                <a:spcPct val="150000"/>
-              </a:lnSpc>
-            </a:pPr>
-            <a:endParaRPr lang="en-US" altLang="ko-KR" sz="2400">
-              <a:ln w="12700">
-                <a:noFill/>
-              </a:ln>
-              <a:latin typeface="스스로넷 설립체" panose="00000500000000000000" pitchFamily="2" charset="-127"/>
-              <a:ea typeface="스스로넷 설립체" panose="00000500000000000000" pitchFamily="2" charset="-127"/>
-            </a:endParaRPr>
-          </a:p>
-          <a:p>
-            <a:pPr algn="ctr">
-              <a:lnSpc>
-                <a:spcPct val="150000"/>
-              </a:lnSpc>
-            </a:pPr>
-            <a:endParaRPr lang="en-US" altLang="ko-KR" sz="2400">
-              <a:ln w="12700">
-                <a:noFill/>
-              </a:ln>
-              <a:latin typeface="스스로넷 설립체" panose="00000500000000000000" pitchFamily="2" charset="-127"/>
-              <a:ea typeface="스스로넷 설립체" panose="00000500000000000000" pitchFamily="2" charset="-127"/>
-            </a:endParaRPr>
-          </a:p>
-          <a:p>
-            <a:pPr algn="ctr">
-              <a:lnSpc>
-                <a:spcPct val="150000"/>
-              </a:lnSpc>
-            </a:pPr>
-            <a:r>
-              <a:rPr lang="ko-KR" altLang="en-US" sz="2400">
-                <a:ln w="12700">
-                  <a:noFill/>
-                </a:ln>
-                <a:latin typeface="스스로넷 설립체" panose="00000500000000000000" pitchFamily="2" charset="-127"/>
-                <a:ea typeface="스스로넷 설립체" panose="00000500000000000000" pitchFamily="2" charset="-127"/>
-              </a:rPr>
-              <a:t>게임마당</a:t>
-            </a:r>
-            <a:endParaRPr lang="en-US" altLang="ko-KR" sz="2400">
-              <a:ln w="12700">
-                <a:noFill/>
-              </a:ln>
-              <a:latin typeface="스스로넷 설립체" panose="00000500000000000000" pitchFamily="2" charset="-127"/>
-              <a:ea typeface="스스로넷 설립체" panose="00000500000000000000" pitchFamily="2" charset="-127"/>
-            </a:endParaRPr>
-          </a:p>
-          <a:p>
-            <a:pPr algn="ctr">
-              <a:lnSpc>
-                <a:spcPct val="150000"/>
-              </a:lnSpc>
-            </a:pPr>
-            <a:r>
-              <a:rPr lang="en-US" altLang="ko-KR" sz="2400">
-                <a:ln w="12700">
-                  <a:noFill/>
-                </a:ln>
-                <a:latin typeface="스스로넷 설립체" panose="00000500000000000000" pitchFamily="2" charset="-127"/>
-                <a:ea typeface="스스로넷 설립체" panose="00000500000000000000" pitchFamily="2" charset="-127"/>
-                <a:hlinkClick r:id="rId3"/>
-              </a:rPr>
-              <a:t>https://www.gamemadang.or.kr/pkge?prodUid=PKGE_1648707236344</a:t>
-            </a:r>
-            <a:endParaRPr lang="en-US" altLang="ko-KR" sz="2400">
-              <a:ln w="12700">
-                <a:noFill/>
-              </a:ln>
-              <a:latin typeface="스스로넷 설립체" panose="00000500000000000000" pitchFamily="2" charset="-127"/>
-              <a:ea typeface="스스로넷 설립체" panose="00000500000000000000" pitchFamily="2" charset="-127"/>
-            </a:endParaRPr>
-          </a:p>
-        </p:txBody>
-      </p:sp>
-    </p:spTree>
-    <p:extLst>
-      <p:ext uri="{BB962C8B-B14F-4D97-AF65-F5344CB8AC3E}">
-        <p14:creationId xmlns:p14="http://schemas.microsoft.com/office/powerpoint/2010/main" val="3372729166"/>
       </p:ext>
     </p:extLst>
   </p:cSld>
@@ -8861,15 +9410,15 @@
 <file path=customXml/itemProps3.xml><?xml version="1.0" encoding="utf-8"?>
 <ds:datastoreItem xmlns:ds="http://schemas.openxmlformats.org/officeDocument/2006/customXml" ds:itemID="{AE349868-AEC8-499B-9D8F-9FBA1A644509}">
   <ds:schemaRefs>
-    <ds:schemaRef ds:uri="http://purl.org/dc/terms/"/>
     <ds:schemaRef ds:uri="http://www.w3.org/XML/1998/namespace"/>
-    <ds:schemaRef ds:uri="http://schemas.microsoft.com/office/2006/documentManagement/types"/>
     <ds:schemaRef ds:uri="http://purl.org/dc/dcmitype/"/>
+    <ds:schemaRef ds:uri="0bb21b6b-3fa6-4b5f-844b-c2abf1b335e7"/>
     <ds:schemaRef ds:uri="http://schemas.openxmlformats.org/package/2006/metadata/core-properties"/>
-    <ds:schemaRef ds:uri="http://schemas.microsoft.com/office/infopath/2007/PartnerControls"/>
-    <ds:schemaRef ds:uri="0bb21b6b-3fa6-4b5f-844b-c2abf1b335e7"/>
     <ds:schemaRef ds:uri="http://schemas.microsoft.com/office/2006/metadata/properties"/>
     <ds:schemaRef ds:uri="http://purl.org/dc/elements/1.1/"/>
+    <ds:schemaRef ds:uri="http://purl.org/dc/terms/"/>
+    <ds:schemaRef ds:uri="http://schemas.microsoft.com/office/2006/documentManagement/types"/>
+    <ds:schemaRef ds:uri="http://schemas.microsoft.com/office/infopath/2007/PartnerControls"/>
   </ds:schemaRefs>
 </ds:datastoreItem>
 </file>